--- a/Heartbleed.pptx
+++ b/Heartbleed.pptx
@@ -1,31 +1,31 @@
 
 <file path=ppt/presentation.xml><?xml version="1.0" encoding="utf-8"?>
-<p:presentation xmlns:a="http://schemas.openxmlformats.org/drawingml/2006/main" xmlns:r="http://schemas.openxmlformats.org/officeDocument/2006/relationships" xmlns:mc="http://schemas.openxmlformats.org/markup-compatibility/2006" xmlns:mv="urn:schemas-microsoft-com:mac:vml" xmlns:p="http://schemas.openxmlformats.org/presentationml/2006/main" xmlns:c="http://schemas.openxmlformats.org/drawingml/2006/chart" xmlns:dgm="http://schemas.openxmlformats.org/drawingml/2006/diagram" xmlns:o="urn:schemas-microsoft-com:office:office" xmlns:v="urn:schemas-microsoft-com:vml" xmlns:pvml="urn:schemas-microsoft-com:office:powerpoint" xmlns:com="http://schemas.openxmlformats.org/drawingml/2006/compatibility" xmlns:p14="http://schemas.microsoft.com/office/powerpoint/2010/main" saveSubsetFonts="1" autoCompressPictures="0" mc:PreserveAttributes="mv:*" mc:Ignorable="mv">
+<p:presentation xmlns:a="http://schemas.openxmlformats.org/drawingml/2006/main" xmlns:r="http://schemas.openxmlformats.org/officeDocument/2006/relationships" xmlns:p="http://schemas.openxmlformats.org/presentationml/2006/main" saveSubsetFonts="1" autoCompressPictures="0">
   <p:sldMasterIdLst>
-    <p:sldMasterId id="2147483654" r:id="rId4"/>
+    <p:sldMasterId id="2147483654" r:id="rId1"/>
   </p:sldMasterIdLst>
   <p:notesMasterIdLst>
-    <p:notesMasterId r:id="rId5"/>
+    <p:notesMasterId r:id="rId15"/>
   </p:notesMasterIdLst>
   <p:sldIdLst>
-    <p:sldId id="256" r:id="rId6"/>
-    <p:sldId id="257" r:id="rId7"/>
-    <p:sldId id="258" r:id="rId8"/>
-    <p:sldId id="259" r:id="rId9"/>
-    <p:sldId id="260" r:id="rId10"/>
-    <p:sldId id="261" r:id="rId11"/>
-    <p:sldId id="262" r:id="rId12"/>
-    <p:sldId id="263" r:id="rId13"/>
-    <p:sldId id="264" r:id="rId14"/>
-    <p:sldId id="265" r:id="rId15"/>
-    <p:sldId id="266" r:id="rId16"/>
-    <p:sldId id="267" r:id="rId17"/>
-    <p:sldId id="268" r:id="rId18"/>
+    <p:sldId id="256" r:id="rId2"/>
+    <p:sldId id="257" r:id="rId3"/>
+    <p:sldId id="258" r:id="rId4"/>
+    <p:sldId id="259" r:id="rId5"/>
+    <p:sldId id="260" r:id="rId6"/>
+    <p:sldId id="261" r:id="rId7"/>
+    <p:sldId id="262" r:id="rId8"/>
+    <p:sldId id="263" r:id="rId9"/>
+    <p:sldId id="264" r:id="rId10"/>
+    <p:sldId id="265" r:id="rId11"/>
+    <p:sldId id="266" r:id="rId12"/>
+    <p:sldId id="267" r:id="rId13"/>
+    <p:sldId id="268" r:id="rId14"/>
   </p:sldIdLst>
-  <p:sldSz cy="5143500" cx="9144000"/>
-  <p:notesSz cy="9144000" cx="6858000"/>
+  <p:sldSz cx="9144000" cy="5143500" type="screen16x9"/>
+  <p:notesSz cx="6858000" cy="9144000"/>
   <p:defaultTextStyle>
-    <a:defPPr algn="l" rtl="0" marR="0">
+    <a:defPPr marR="0" algn="l" rtl="0">
       <a:lnSpc>
         <a:spcPct val="100000"/>
       </a:lnSpc>
@@ -36,7 +36,7 @@
         <a:spcPts val="0"/>
       </a:spcAft>
     </a:defPPr>
-    <a:lvl1pPr algn="l" rtl="0" marR="0">
+    <a:lvl1pPr marR="0" algn="l" rtl="0">
       <a:lnSpc>
         <a:spcPct val="100000"/>
       </a:lnSpc>
@@ -47,7 +47,7 @@
         <a:spcPts val="0"/>
       </a:spcAft>
       <a:buNone/>
-      <a:defRPr strike="noStrike" u="none" b="0" cap="none" baseline="0" sz="1400" i="0">
+      <a:defRPr sz="1400" b="0" i="0" u="none" strike="noStrike" cap="none" baseline="0">
         <a:solidFill>
           <a:srgbClr val="000000"/>
         </a:solidFill>
@@ -58,7 +58,7 @@
         <a:rtl val="0"/>
       </a:defRPr>
     </a:lvl1pPr>
-    <a:lvl2pPr algn="l" rtl="0" marR="0">
+    <a:lvl2pPr marR="0" algn="l" rtl="0">
       <a:lnSpc>
         <a:spcPct val="100000"/>
       </a:lnSpc>
@@ -69,7 +69,7 @@
         <a:spcPts val="0"/>
       </a:spcAft>
       <a:buNone/>
-      <a:defRPr strike="noStrike" u="none" b="0" cap="none" baseline="0" sz="1400" i="0">
+      <a:defRPr sz="1400" b="0" i="0" u="none" strike="noStrike" cap="none" baseline="0">
         <a:solidFill>
           <a:srgbClr val="000000"/>
         </a:solidFill>
@@ -80,7 +80,7 @@
         <a:rtl val="0"/>
       </a:defRPr>
     </a:lvl2pPr>
-    <a:lvl3pPr algn="l" rtl="0" marR="0">
+    <a:lvl3pPr marR="0" algn="l" rtl="0">
       <a:lnSpc>
         <a:spcPct val="100000"/>
       </a:lnSpc>
@@ -91,7 +91,7 @@
         <a:spcPts val="0"/>
       </a:spcAft>
       <a:buNone/>
-      <a:defRPr strike="noStrike" u="none" b="0" cap="none" baseline="0" sz="1400" i="0">
+      <a:defRPr sz="1400" b="0" i="0" u="none" strike="noStrike" cap="none" baseline="0">
         <a:solidFill>
           <a:srgbClr val="000000"/>
         </a:solidFill>
@@ -102,7 +102,7 @@
         <a:rtl val="0"/>
       </a:defRPr>
     </a:lvl3pPr>
-    <a:lvl4pPr algn="l" rtl="0" marR="0">
+    <a:lvl4pPr marR="0" algn="l" rtl="0">
       <a:lnSpc>
         <a:spcPct val="100000"/>
       </a:lnSpc>
@@ -113,7 +113,7 @@
         <a:spcPts val="0"/>
       </a:spcAft>
       <a:buNone/>
-      <a:defRPr strike="noStrike" u="none" b="0" cap="none" baseline="0" sz="1400" i="0">
+      <a:defRPr sz="1400" b="0" i="0" u="none" strike="noStrike" cap="none" baseline="0">
         <a:solidFill>
           <a:srgbClr val="000000"/>
         </a:solidFill>
@@ -124,7 +124,7 @@
         <a:rtl val="0"/>
       </a:defRPr>
     </a:lvl4pPr>
-    <a:lvl5pPr algn="l" rtl="0" marR="0">
+    <a:lvl5pPr marR="0" algn="l" rtl="0">
       <a:lnSpc>
         <a:spcPct val="100000"/>
       </a:lnSpc>
@@ -135,7 +135,7 @@
         <a:spcPts val="0"/>
       </a:spcAft>
       <a:buNone/>
-      <a:defRPr strike="noStrike" u="none" b="0" cap="none" baseline="0" sz="1400" i="0">
+      <a:defRPr sz="1400" b="0" i="0" u="none" strike="noStrike" cap="none" baseline="0">
         <a:solidFill>
           <a:srgbClr val="000000"/>
         </a:solidFill>
@@ -146,7 +146,7 @@
         <a:rtl val="0"/>
       </a:defRPr>
     </a:lvl5pPr>
-    <a:lvl6pPr algn="l" rtl="0" marR="0">
+    <a:lvl6pPr marR="0" algn="l" rtl="0">
       <a:lnSpc>
         <a:spcPct val="100000"/>
       </a:lnSpc>
@@ -157,7 +157,7 @@
         <a:spcPts val="0"/>
       </a:spcAft>
       <a:buNone/>
-      <a:defRPr strike="noStrike" u="none" b="0" cap="none" baseline="0" sz="1400" i="0">
+      <a:defRPr sz="1400" b="0" i="0" u="none" strike="noStrike" cap="none" baseline="0">
         <a:solidFill>
           <a:srgbClr val="000000"/>
         </a:solidFill>
@@ -168,7 +168,7 @@
         <a:rtl val="0"/>
       </a:defRPr>
     </a:lvl6pPr>
-    <a:lvl7pPr algn="l" rtl="0" marR="0">
+    <a:lvl7pPr marR="0" algn="l" rtl="0">
       <a:lnSpc>
         <a:spcPct val="100000"/>
       </a:lnSpc>
@@ -179,7 +179,7 @@
         <a:spcPts val="0"/>
       </a:spcAft>
       <a:buNone/>
-      <a:defRPr strike="noStrike" u="none" b="0" cap="none" baseline="0" sz="1400" i="0">
+      <a:defRPr sz="1400" b="0" i="0" u="none" strike="noStrike" cap="none" baseline="0">
         <a:solidFill>
           <a:srgbClr val="000000"/>
         </a:solidFill>
@@ -190,7 +190,7 @@
         <a:rtl val="0"/>
       </a:defRPr>
     </a:lvl7pPr>
-    <a:lvl8pPr algn="l" rtl="0" marR="0">
+    <a:lvl8pPr marR="0" algn="l" rtl="0">
       <a:lnSpc>
         <a:spcPct val="100000"/>
       </a:lnSpc>
@@ -201,7 +201,7 @@
         <a:spcPts val="0"/>
       </a:spcAft>
       <a:buNone/>
-      <a:defRPr strike="noStrike" u="none" b="0" cap="none" baseline="0" sz="1400" i="0">
+      <a:defRPr sz="1400" b="0" i="0" u="none" strike="noStrike" cap="none" baseline="0">
         <a:solidFill>
           <a:srgbClr val="000000"/>
         </a:solidFill>
@@ -212,7 +212,7 @@
         <a:rtl val="0"/>
       </a:defRPr>
     </a:lvl8pPr>
-    <a:lvl9pPr algn="l" rtl="0" marR="0">
+    <a:lvl9pPr marR="0" algn="l" rtl="0">
       <a:lnSpc>
         <a:spcPct val="100000"/>
       </a:lnSpc>
@@ -223,7 +223,7 @@
         <a:spcPts val="0"/>
       </a:spcAft>
       <a:buNone/>
-      <a:defRPr strike="noStrike" u="none" b="0" cap="none" baseline="0" sz="1400" i="0">
+      <a:defRPr sz="1400" b="0" i="0" u="none" strike="noStrike" cap="none" baseline="0">
         <a:solidFill>
           <a:srgbClr val="000000"/>
         </a:solidFill>
@@ -239,8 +239,13 @@
 </file>
 
 <file path=ppt/notesMasters/notesMaster1.xml><?xml version="1.0" encoding="utf-8"?>
-<p:notesMaster xmlns:a="http://schemas.openxmlformats.org/drawingml/2006/main" xmlns:r="http://schemas.openxmlformats.org/officeDocument/2006/relationships" xmlns:mc="http://schemas.openxmlformats.org/markup-compatibility/2006" xmlns:mv="urn:schemas-microsoft-com:mac:vml" xmlns:p="http://schemas.openxmlformats.org/presentationml/2006/main" xmlns:c="http://schemas.openxmlformats.org/drawingml/2006/chart" xmlns:dgm="http://schemas.openxmlformats.org/drawingml/2006/diagram" xmlns:o="urn:schemas-microsoft-com:office:office" xmlns:v="urn:schemas-microsoft-com:vml" xmlns:pvml="urn:schemas-microsoft-com:office:powerpoint" xmlns:com="http://schemas.openxmlformats.org/drawingml/2006/compatibility" xmlns:p14="http://schemas.microsoft.com/office/powerpoint/2010/main">
+<p:notesMaster xmlns:a="http://schemas.openxmlformats.org/drawingml/2006/main" xmlns:r="http://schemas.openxmlformats.org/officeDocument/2006/relationships" xmlns:p="http://schemas.openxmlformats.org/presentationml/2006/main">
   <p:cSld>
+    <p:bg>
+      <p:bgRef idx="1001">
+        <a:schemeClr val="bg1"/>
+      </p:bgRef>
+    </p:bg>
     <p:spTree>
       <p:nvGrpSpPr>
         <p:cNvPr id="1" name="Shape 1"/>
@@ -249,39 +254,46 @@
       </p:nvGrpSpPr>
       <p:grpSpPr>
         <a:xfrm>
-          <a:off y="0" x="0"/>
-          <a:ext cy="0" cx="0"/>
-          <a:chOff y="0" x="0"/>
-          <a:chExt cy="0" cx="0"/>
+          <a:off x="0" y="0"/>
+          <a:ext cx="0" cy="0"/>
+          <a:chOff x="0" y="0"/>
+          <a:chExt cx="0" cy="0"/>
         </a:xfrm>
       </p:grpSpPr>
       <p:sp>
         <p:nvSpPr>
           <p:cNvPr id="2" name="Shape 2"/>
-          <p:cNvSpPr/>
-          <p:nvPr>
-            <p:ph idx="2" type="sldImg"/>
-          </p:nvPr>
-        </p:nvSpPr>
-        <p:spPr>
-          <a:xfrm>
-            <a:off y="685800" x="381187"/>
-            <a:ext cy="3429000" cx="6096299"/>
+          <p:cNvSpPr>
+            <a:spLocks noGrp="1" noRot="1" noChangeAspect="1"/>
+          </p:cNvSpPr>
+          <p:nvPr>
+            <p:ph type="sldImg" idx="2"/>
+          </p:nvPr>
+        </p:nvSpPr>
+        <p:spPr>
+          <a:xfrm>
+            <a:off x="381187" y="685800"/>
+            <a:ext cx="6096299" cy="3429000"/>
           </a:xfrm>
           <a:custGeom>
+            <a:avLst/>
+            <a:gdLst/>
+            <a:ahLst/>
+            <a:cxnLst/>
+            <a:rect l="0" t="0" r="0" b="0"/>
             <a:pathLst>
-              <a:path w="120000" extrusionOk="0" h="120000">
+              <a:path w="120000" h="120000" extrusionOk="0">
                 <a:moveTo>
-                  <a:pt y="0" x="0"/>
+                  <a:pt x="0" y="0"/>
                 </a:moveTo>
                 <a:lnTo>
-                  <a:pt y="0" x="120000"/>
+                  <a:pt x="120000" y="0"/>
                 </a:lnTo>
                 <a:lnTo>
-                  <a:pt y="120000" x="120000"/>
+                  <a:pt x="120000" y="120000"/>
                 </a:lnTo>
                 <a:lnTo>
-                  <a:pt y="120000" x="0"/>
+                  <a:pt x="0" y="120000"/>
                 </a:lnTo>
                 <a:close/>
               </a:path>
@@ -292,22 +304,24 @@
       <p:sp>
         <p:nvSpPr>
           <p:cNvPr id="3" name="Shape 3"/>
-          <p:cNvSpPr txBox="1"/>
-          <p:nvPr>
-            <p:ph idx="1" type="body"/>
-          </p:nvPr>
-        </p:nvSpPr>
-        <p:spPr>
-          <a:xfrm>
-            <a:off y="4343400" x="685800"/>
-            <a:ext cy="4114800" cx="5486399"/>
+          <p:cNvSpPr txBox="1">
+            <a:spLocks noGrp="1"/>
+          </p:cNvSpPr>
+          <p:nvPr>
+            <p:ph type="body" idx="1"/>
+          </p:nvPr>
+        </p:nvSpPr>
+        <p:spPr>
+          <a:xfrm>
+            <a:off x="685800" y="4343400"/>
+            <a:ext cx="5486399" cy="4114800"/>
           </a:xfrm>
           <a:prstGeom prst="rect">
             <a:avLst/>
           </a:prstGeom>
         </p:spPr>
         <p:txBody>
-          <a:bodyPr bIns="91425" rIns="91425" lIns="91425" tIns="91425" anchor="t" anchorCtr="0"/>
+          <a:bodyPr lIns="91425" tIns="91425" rIns="91425" bIns="91425" anchor="t" anchorCtr="0"/>
           <a:lstStyle>
             <a:lvl1pPr>
               <a:defRPr sz="1100"/>
@@ -337,59 +351,165 @@
               <a:defRPr sz="1100"/>
             </a:lvl9pPr>
           </a:lstStyle>
-          <a:p/>
+          <a:p>
+            <a:endParaRPr/>
+          </a:p>
         </p:txBody>
       </p:sp>
     </p:spTree>
+    <p:extLst>
+      <p:ext uri="{BB962C8B-B14F-4D97-AF65-F5344CB8AC3E}">
+        <p14:creationId xmlns:p14="http://schemas.microsoft.com/office/powerpoint/2010/main" val="3251124217"/>
+      </p:ext>
+    </p:extLst>
   </p:cSld>
-  <p:clrMap accent2="accent2" accent3="accent3" accent4="accent4" accent5="accent5" accent6="accent6" hlink="hlink" tx2="lt2" tx1="dk1" bg2="dk2" bg1="lt1" folHlink="folHlink" accent1="accent1"/>
+  <p:clrMap bg1="lt1" tx1="dk1" bg2="dk2" tx2="lt2" accent1="accent1" accent2="accent2" accent3="accent3" accent4="accent4" accent5="accent5" accent6="accent6" hlink="hlink" folHlink="folHlink"/>
+  <p:notesStyle>
+    <a:lvl1pPr marL="0" algn="l" defTabSz="457200" rtl="0" eaLnBrk="1" latinLnBrk="0" hangingPunct="1">
+      <a:defRPr sz="1200" kern="1200">
+        <a:solidFill>
+          <a:schemeClr val="tx1"/>
+        </a:solidFill>
+        <a:latin typeface="+mn-lt"/>
+        <a:ea typeface="+mn-ea"/>
+        <a:cs typeface="+mn-cs"/>
+      </a:defRPr>
+    </a:lvl1pPr>
+    <a:lvl2pPr marL="457200" algn="l" defTabSz="457200" rtl="0" eaLnBrk="1" latinLnBrk="0" hangingPunct="1">
+      <a:defRPr sz="1200" kern="1200">
+        <a:solidFill>
+          <a:schemeClr val="tx1"/>
+        </a:solidFill>
+        <a:latin typeface="+mn-lt"/>
+        <a:ea typeface="+mn-ea"/>
+        <a:cs typeface="+mn-cs"/>
+      </a:defRPr>
+    </a:lvl2pPr>
+    <a:lvl3pPr marL="914400" algn="l" defTabSz="457200" rtl="0" eaLnBrk="1" latinLnBrk="0" hangingPunct="1">
+      <a:defRPr sz="1200" kern="1200">
+        <a:solidFill>
+          <a:schemeClr val="tx1"/>
+        </a:solidFill>
+        <a:latin typeface="+mn-lt"/>
+        <a:ea typeface="+mn-ea"/>
+        <a:cs typeface="+mn-cs"/>
+      </a:defRPr>
+    </a:lvl3pPr>
+    <a:lvl4pPr marL="1371600" algn="l" defTabSz="457200" rtl="0" eaLnBrk="1" latinLnBrk="0" hangingPunct="1">
+      <a:defRPr sz="1200" kern="1200">
+        <a:solidFill>
+          <a:schemeClr val="tx1"/>
+        </a:solidFill>
+        <a:latin typeface="+mn-lt"/>
+        <a:ea typeface="+mn-ea"/>
+        <a:cs typeface="+mn-cs"/>
+      </a:defRPr>
+    </a:lvl4pPr>
+    <a:lvl5pPr marL="1828800" algn="l" defTabSz="457200" rtl="0" eaLnBrk="1" latinLnBrk="0" hangingPunct="1">
+      <a:defRPr sz="1200" kern="1200">
+        <a:solidFill>
+          <a:schemeClr val="tx1"/>
+        </a:solidFill>
+        <a:latin typeface="+mn-lt"/>
+        <a:ea typeface="+mn-ea"/>
+        <a:cs typeface="+mn-cs"/>
+      </a:defRPr>
+    </a:lvl5pPr>
+    <a:lvl6pPr marL="2286000" algn="l" defTabSz="457200" rtl="0" eaLnBrk="1" latinLnBrk="0" hangingPunct="1">
+      <a:defRPr sz="1200" kern="1200">
+        <a:solidFill>
+          <a:schemeClr val="tx1"/>
+        </a:solidFill>
+        <a:latin typeface="+mn-lt"/>
+        <a:ea typeface="+mn-ea"/>
+        <a:cs typeface="+mn-cs"/>
+      </a:defRPr>
+    </a:lvl6pPr>
+    <a:lvl7pPr marL="2743200" algn="l" defTabSz="457200" rtl="0" eaLnBrk="1" latinLnBrk="0" hangingPunct="1">
+      <a:defRPr sz="1200" kern="1200">
+        <a:solidFill>
+          <a:schemeClr val="tx1"/>
+        </a:solidFill>
+        <a:latin typeface="+mn-lt"/>
+        <a:ea typeface="+mn-ea"/>
+        <a:cs typeface="+mn-cs"/>
+      </a:defRPr>
+    </a:lvl7pPr>
+    <a:lvl8pPr marL="3200400" algn="l" defTabSz="457200" rtl="0" eaLnBrk="1" latinLnBrk="0" hangingPunct="1">
+      <a:defRPr sz="1200" kern="1200">
+        <a:solidFill>
+          <a:schemeClr val="tx1"/>
+        </a:solidFill>
+        <a:latin typeface="+mn-lt"/>
+        <a:ea typeface="+mn-ea"/>
+        <a:cs typeface="+mn-cs"/>
+      </a:defRPr>
+    </a:lvl8pPr>
+    <a:lvl9pPr marL="3657600" algn="l" defTabSz="457200" rtl="0" eaLnBrk="1" latinLnBrk="0" hangingPunct="1">
+      <a:defRPr sz="1200" kern="1200">
+        <a:solidFill>
+          <a:schemeClr val="tx1"/>
+        </a:solidFill>
+        <a:latin typeface="+mn-lt"/>
+        <a:ea typeface="+mn-ea"/>
+        <a:cs typeface="+mn-cs"/>
+      </a:defRPr>
+    </a:lvl9pPr>
+  </p:notesStyle>
 </p:notesMaster>
 </file>
 
 <file path=ppt/notesSlides/notesSlide1.xml><?xml version="1.0" encoding="utf-8"?>
-<p:notes xmlns:a="http://schemas.openxmlformats.org/drawingml/2006/main" xmlns:r="http://schemas.openxmlformats.org/officeDocument/2006/relationships" xmlns:mc="http://schemas.openxmlformats.org/markup-compatibility/2006" xmlns:mv="urn:schemas-microsoft-com:mac:vml" xmlns:p="http://schemas.openxmlformats.org/presentationml/2006/main" xmlns:c="http://schemas.openxmlformats.org/drawingml/2006/chart" xmlns:dgm="http://schemas.openxmlformats.org/drawingml/2006/diagram" xmlns:o="urn:schemas-microsoft-com:office:office" xmlns:v="urn:schemas-microsoft-com:vml" xmlns:pvml="urn:schemas-microsoft-com:office:powerpoint" xmlns:com="http://schemas.openxmlformats.org/drawingml/2006/compatibility" xmlns:p14="http://schemas.microsoft.com/office/powerpoint/2010/main" showMasterSp="0" showMasterPhAnim="0">
+<p:notes xmlns:a="http://schemas.openxmlformats.org/drawingml/2006/main" xmlns:r="http://schemas.openxmlformats.org/officeDocument/2006/relationships" xmlns:p="http://schemas.openxmlformats.org/presentationml/2006/main" showMasterSp="0" showMasterPhAnim="0">
   <p:cSld>
     <p:spTree>
       <p:nvGrpSpPr>
-        <p:cNvPr id="24" name="Shape 24"/>
+        <p:cNvPr id="1" name="Shape 24"/>
         <p:cNvGrpSpPr/>
         <p:nvPr/>
       </p:nvGrpSpPr>
       <p:grpSpPr>
         <a:xfrm>
-          <a:off y="0" x="0"/>
-          <a:ext cy="0" cx="0"/>
-          <a:chOff y="0" x="0"/>
-          <a:chExt cy="0" cx="0"/>
+          <a:off x="0" y="0"/>
+          <a:ext cx="0" cy="0"/>
+          <a:chOff x="0" y="0"/>
+          <a:chExt cx="0" cy="0"/>
         </a:xfrm>
       </p:grpSpPr>
       <p:sp>
         <p:nvSpPr>
           <p:cNvPr id="25" name="Shape 25"/>
-          <p:cNvSpPr/>
-          <p:nvPr>
-            <p:ph idx="2" type="sldImg"/>
-          </p:nvPr>
-        </p:nvSpPr>
-        <p:spPr>
-          <a:xfrm>
-            <a:off y="685800" x="381187"/>
-            <a:ext cy="3429000" cx="6096299"/>
+          <p:cNvSpPr>
+            <a:spLocks noGrp="1" noRot="1" noChangeAspect="1"/>
+          </p:cNvSpPr>
+          <p:nvPr>
+            <p:ph type="sldImg" idx="2"/>
+          </p:nvPr>
+        </p:nvSpPr>
+        <p:spPr>
+          <a:xfrm>
+            <a:off x="381187" y="685800"/>
+            <a:ext cx="6096299" cy="3429000"/>
           </a:xfrm>
           <a:custGeom>
+            <a:avLst/>
+            <a:gdLst/>
+            <a:ahLst/>
+            <a:cxnLst/>
+            <a:rect l="0" t="0" r="0" b="0"/>
             <a:pathLst>
-              <a:path w="120000" extrusionOk="0" h="120000">
+              <a:path w="120000" h="120000" extrusionOk="0">
                 <a:moveTo>
-                  <a:pt y="0" x="0"/>
+                  <a:pt x="0" y="0"/>
                 </a:moveTo>
                 <a:lnTo>
-                  <a:pt y="0" x="120000"/>
+                  <a:pt x="120000" y="0"/>
                 </a:lnTo>
                 <a:lnTo>
-                  <a:pt y="120000" x="120000"/>
+                  <a:pt x="120000" y="120000"/>
                 </a:lnTo>
                 <a:lnTo>
-                  <a:pt y="120000" x="0"/>
+                  <a:pt x="0" y="120000"/>
                 </a:lnTo>
                 <a:close/>
               </a:path>
@@ -400,26 +520,30 @@
       <p:sp>
         <p:nvSpPr>
           <p:cNvPr id="26" name="Shape 26"/>
-          <p:cNvSpPr txBox="1"/>
-          <p:nvPr>
-            <p:ph idx="1" type="body"/>
-          </p:nvPr>
-        </p:nvSpPr>
-        <p:spPr>
-          <a:xfrm>
-            <a:off y="4343400" x="685800"/>
-            <a:ext cy="4114800" cx="5486399"/>
+          <p:cNvSpPr txBox="1">
+            <a:spLocks noGrp="1"/>
+          </p:cNvSpPr>
+          <p:nvPr>
+            <p:ph type="body" idx="1"/>
+          </p:nvPr>
+        </p:nvSpPr>
+        <p:spPr>
+          <a:xfrm>
+            <a:off x="685800" y="4343400"/>
+            <a:ext cx="5486399" cy="4114800"/>
           </a:xfrm>
           <a:prstGeom prst="rect">
             <a:avLst/>
           </a:prstGeom>
         </p:spPr>
         <p:txBody>
-          <a:bodyPr bIns="91425" rIns="91425" lIns="91425" tIns="91425" anchor="t" anchorCtr="0">
+          <a:bodyPr lIns="91425" tIns="91425" rIns="91425" bIns="91425" anchor="t" anchorCtr="0">
             <a:noAutofit/>
           </a:bodyPr>
           <a:lstStyle/>
-          <a:p/>
+          <a:p>
+            <a:endParaRPr/>
+          </a:p>
         </p:txBody>
       </p:sp>
     </p:spTree>
@@ -431,49 +555,56 @@
 </file>
 
 <file path=ppt/notesSlides/notesSlide10.xml><?xml version="1.0" encoding="utf-8"?>
-<p:notes xmlns:a="http://schemas.openxmlformats.org/drawingml/2006/main" xmlns:r="http://schemas.openxmlformats.org/officeDocument/2006/relationships" xmlns:mc="http://schemas.openxmlformats.org/markup-compatibility/2006" xmlns:mv="urn:schemas-microsoft-com:mac:vml" xmlns:p="http://schemas.openxmlformats.org/presentationml/2006/main" xmlns:c="http://schemas.openxmlformats.org/drawingml/2006/chart" xmlns:dgm="http://schemas.openxmlformats.org/drawingml/2006/diagram" xmlns:o="urn:schemas-microsoft-com:office:office" xmlns:v="urn:schemas-microsoft-com:vml" xmlns:pvml="urn:schemas-microsoft-com:office:powerpoint" xmlns:com="http://schemas.openxmlformats.org/drawingml/2006/compatibility" xmlns:p14="http://schemas.microsoft.com/office/powerpoint/2010/main" showMasterSp="0" showMasterPhAnim="0">
+<p:notes xmlns:a="http://schemas.openxmlformats.org/drawingml/2006/main" xmlns:r="http://schemas.openxmlformats.org/officeDocument/2006/relationships" xmlns:p="http://schemas.openxmlformats.org/presentationml/2006/main" showMasterSp="0" showMasterPhAnim="0">
   <p:cSld>
     <p:spTree>
       <p:nvGrpSpPr>
-        <p:cNvPr id="76" name="Shape 76"/>
+        <p:cNvPr id="1" name="Shape 76"/>
         <p:cNvGrpSpPr/>
         <p:nvPr/>
       </p:nvGrpSpPr>
       <p:grpSpPr>
         <a:xfrm>
-          <a:off y="0" x="0"/>
-          <a:ext cy="0" cx="0"/>
-          <a:chOff y="0" x="0"/>
-          <a:chExt cy="0" cx="0"/>
+          <a:off x="0" y="0"/>
+          <a:ext cx="0" cy="0"/>
+          <a:chOff x="0" y="0"/>
+          <a:chExt cx="0" cy="0"/>
         </a:xfrm>
       </p:grpSpPr>
       <p:sp>
         <p:nvSpPr>
           <p:cNvPr id="77" name="Shape 77"/>
-          <p:cNvSpPr/>
-          <p:nvPr>
-            <p:ph idx="2" type="sldImg"/>
-          </p:nvPr>
-        </p:nvSpPr>
-        <p:spPr>
-          <a:xfrm>
-            <a:off y="685800" x="381187"/>
-            <a:ext cy="3429000" cx="6096299"/>
+          <p:cNvSpPr>
+            <a:spLocks noGrp="1" noRot="1" noChangeAspect="1"/>
+          </p:cNvSpPr>
+          <p:nvPr>
+            <p:ph type="sldImg" idx="2"/>
+          </p:nvPr>
+        </p:nvSpPr>
+        <p:spPr>
+          <a:xfrm>
+            <a:off x="381187" y="685800"/>
+            <a:ext cx="6096299" cy="3429000"/>
           </a:xfrm>
           <a:custGeom>
+            <a:avLst/>
+            <a:gdLst/>
+            <a:ahLst/>
+            <a:cxnLst/>
+            <a:rect l="0" t="0" r="0" b="0"/>
             <a:pathLst>
-              <a:path w="120000" extrusionOk="0" h="120000">
+              <a:path w="120000" h="120000" extrusionOk="0">
                 <a:moveTo>
-                  <a:pt y="0" x="0"/>
+                  <a:pt x="0" y="0"/>
                 </a:moveTo>
                 <a:lnTo>
-                  <a:pt y="0" x="120000"/>
+                  <a:pt x="120000" y="0"/>
                 </a:lnTo>
                 <a:lnTo>
-                  <a:pt y="120000" x="120000"/>
+                  <a:pt x="120000" y="120000"/>
                 </a:lnTo>
                 <a:lnTo>
-                  <a:pt y="120000" x="0"/>
+                  <a:pt x="0" y="120000"/>
                 </a:lnTo>
                 <a:close/>
               </a:path>
@@ -484,35 +615,37 @@
       <p:sp>
         <p:nvSpPr>
           <p:cNvPr id="78" name="Shape 78"/>
-          <p:cNvSpPr txBox="1"/>
-          <p:nvPr>
-            <p:ph idx="1" type="body"/>
-          </p:nvPr>
-        </p:nvSpPr>
-        <p:spPr>
-          <a:xfrm>
-            <a:off y="4343400" x="685800"/>
-            <a:ext cy="4114800" cx="5486399"/>
+          <p:cNvSpPr txBox="1">
+            <a:spLocks noGrp="1"/>
+          </p:cNvSpPr>
+          <p:nvPr>
+            <p:ph type="body" idx="1"/>
+          </p:nvPr>
+        </p:nvSpPr>
+        <p:spPr>
+          <a:xfrm>
+            <a:off x="685800" y="4343400"/>
+            <a:ext cx="5486399" cy="4114800"/>
           </a:xfrm>
           <a:prstGeom prst="rect">
             <a:avLst/>
           </a:prstGeom>
         </p:spPr>
         <p:txBody>
-          <a:bodyPr bIns="91425" rIns="91425" lIns="91425" tIns="91425" anchor="t" anchorCtr="0">
+          <a:bodyPr lIns="91425" tIns="91425" rIns="91425" bIns="91425" anchor="t" anchorCtr="0">
             <a:noAutofit/>
           </a:bodyPr>
           <a:lstStyle/>
           <a:p>
-            <a:pPr rtl="0" lvl="0">
+            <a:pPr lvl="0" rtl="0">
               <a:buNone/>
             </a:pPr>
             <a:r>
-              <a:rPr u="sng" lang="da">
+              <a:rPr lang="da" u="sng">
                 <a:solidFill>
                   <a:schemeClr val="hlink"/>
                 </a:solidFill>
-                <a:hlinkClick r:id="rId2"/>
+                <a:hlinkClick r:id="rId3"/>
               </a:rPr>
               <a:t>Transport Layer Security</a:t>
             </a:r>
@@ -526,7 +659,7 @@
             </a:r>
           </a:p>
           <a:p>
-            <a:pPr rtl="0" lvl="0">
+            <a:pPr lvl="0" rtl="0">
               <a:buNone/>
             </a:pPr>
             <a:r>
@@ -562,49 +695,56 @@
 </file>
 
 <file path=ppt/notesSlides/notesSlide11.xml><?xml version="1.0" encoding="utf-8"?>
-<p:notes xmlns:a="http://schemas.openxmlformats.org/drawingml/2006/main" xmlns:r="http://schemas.openxmlformats.org/officeDocument/2006/relationships" xmlns:mc="http://schemas.openxmlformats.org/markup-compatibility/2006" xmlns:mv="urn:schemas-microsoft-com:mac:vml" xmlns:p="http://schemas.openxmlformats.org/presentationml/2006/main" xmlns:c="http://schemas.openxmlformats.org/drawingml/2006/chart" xmlns:dgm="http://schemas.openxmlformats.org/drawingml/2006/diagram" xmlns:o="urn:schemas-microsoft-com:office:office" xmlns:v="urn:schemas-microsoft-com:vml" xmlns:pvml="urn:schemas-microsoft-com:office:powerpoint" xmlns:com="http://schemas.openxmlformats.org/drawingml/2006/compatibility" xmlns:p14="http://schemas.microsoft.com/office/powerpoint/2010/main" showMasterSp="0" showMasterPhAnim="0">
+<p:notes xmlns:a="http://schemas.openxmlformats.org/drawingml/2006/main" xmlns:r="http://schemas.openxmlformats.org/officeDocument/2006/relationships" xmlns:p="http://schemas.openxmlformats.org/presentationml/2006/main" showMasterSp="0" showMasterPhAnim="0">
   <p:cSld>
     <p:spTree>
       <p:nvGrpSpPr>
-        <p:cNvPr id="82" name="Shape 82"/>
+        <p:cNvPr id="1" name="Shape 82"/>
         <p:cNvGrpSpPr/>
         <p:nvPr/>
       </p:nvGrpSpPr>
       <p:grpSpPr>
         <a:xfrm>
-          <a:off y="0" x="0"/>
-          <a:ext cy="0" cx="0"/>
-          <a:chOff y="0" x="0"/>
-          <a:chExt cy="0" cx="0"/>
+          <a:off x="0" y="0"/>
+          <a:ext cx="0" cy="0"/>
+          <a:chOff x="0" y="0"/>
+          <a:chExt cx="0" cy="0"/>
         </a:xfrm>
       </p:grpSpPr>
       <p:sp>
         <p:nvSpPr>
           <p:cNvPr id="83" name="Shape 83"/>
-          <p:cNvSpPr/>
-          <p:nvPr>
-            <p:ph idx="2" type="sldImg"/>
-          </p:nvPr>
-        </p:nvSpPr>
-        <p:spPr>
-          <a:xfrm>
-            <a:off y="685800" x="381187"/>
-            <a:ext cy="3429000" cx="6096299"/>
+          <p:cNvSpPr>
+            <a:spLocks noGrp="1" noRot="1" noChangeAspect="1"/>
+          </p:cNvSpPr>
+          <p:nvPr>
+            <p:ph type="sldImg" idx="2"/>
+          </p:nvPr>
+        </p:nvSpPr>
+        <p:spPr>
+          <a:xfrm>
+            <a:off x="381000" y="685800"/>
+            <a:ext cx="6096000" cy="3429000"/>
           </a:xfrm>
           <a:custGeom>
+            <a:avLst/>
+            <a:gdLst/>
+            <a:ahLst/>
+            <a:cxnLst/>
+            <a:rect l="0" t="0" r="0" b="0"/>
             <a:pathLst>
-              <a:path w="120000" extrusionOk="0" h="120000">
+              <a:path w="120000" h="120000" extrusionOk="0">
                 <a:moveTo>
-                  <a:pt y="0" x="0"/>
+                  <a:pt x="0" y="0"/>
                 </a:moveTo>
                 <a:lnTo>
-                  <a:pt y="0" x="120000"/>
+                  <a:pt x="120000" y="0"/>
                 </a:lnTo>
                 <a:lnTo>
-                  <a:pt y="120000" x="120000"/>
+                  <a:pt x="120000" y="120000"/>
                 </a:lnTo>
                 <a:lnTo>
-                  <a:pt y="120000" x="0"/>
+                  <a:pt x="0" y="120000"/>
                 </a:lnTo>
                 <a:close/>
               </a:path>
@@ -615,26 +755,30 @@
       <p:sp>
         <p:nvSpPr>
           <p:cNvPr id="84" name="Shape 84"/>
-          <p:cNvSpPr txBox="1"/>
-          <p:nvPr>
-            <p:ph idx="1" type="body"/>
-          </p:nvPr>
-        </p:nvSpPr>
-        <p:spPr>
-          <a:xfrm>
-            <a:off y="4343400" x="685800"/>
-            <a:ext cy="4114800" cx="5486399"/>
+          <p:cNvSpPr txBox="1">
+            <a:spLocks noGrp="1"/>
+          </p:cNvSpPr>
+          <p:nvPr>
+            <p:ph type="body" idx="1"/>
+          </p:nvPr>
+        </p:nvSpPr>
+        <p:spPr>
+          <a:xfrm>
+            <a:off x="685800" y="4343400"/>
+            <a:ext cx="5486399" cy="4114800"/>
           </a:xfrm>
           <a:prstGeom prst="rect">
             <a:avLst/>
           </a:prstGeom>
         </p:spPr>
         <p:txBody>
-          <a:bodyPr bIns="91425" rIns="91425" lIns="91425" tIns="91425" anchor="t" anchorCtr="0">
+          <a:bodyPr lIns="91425" tIns="91425" rIns="91425" bIns="91425" anchor="t" anchorCtr="0">
             <a:noAutofit/>
           </a:bodyPr>
           <a:lstStyle/>
-          <a:p/>
+          <a:p>
+            <a:endParaRPr/>
+          </a:p>
         </p:txBody>
       </p:sp>
     </p:spTree>
@@ -646,49 +790,56 @@
 </file>
 
 <file path=ppt/notesSlides/notesSlide12.xml><?xml version="1.0" encoding="utf-8"?>
-<p:notes xmlns:a="http://schemas.openxmlformats.org/drawingml/2006/main" xmlns:r="http://schemas.openxmlformats.org/officeDocument/2006/relationships" xmlns:mc="http://schemas.openxmlformats.org/markup-compatibility/2006" xmlns:mv="urn:schemas-microsoft-com:mac:vml" xmlns:p="http://schemas.openxmlformats.org/presentationml/2006/main" xmlns:c="http://schemas.openxmlformats.org/drawingml/2006/chart" xmlns:dgm="http://schemas.openxmlformats.org/drawingml/2006/diagram" xmlns:o="urn:schemas-microsoft-com:office:office" xmlns:v="urn:schemas-microsoft-com:vml" xmlns:pvml="urn:schemas-microsoft-com:office:powerpoint" xmlns:com="http://schemas.openxmlformats.org/drawingml/2006/compatibility" xmlns:p14="http://schemas.microsoft.com/office/powerpoint/2010/main" showMasterSp="0" showMasterPhAnim="0">
+<p:notes xmlns:a="http://schemas.openxmlformats.org/drawingml/2006/main" xmlns:r="http://schemas.openxmlformats.org/officeDocument/2006/relationships" xmlns:p="http://schemas.openxmlformats.org/presentationml/2006/main" showMasterSp="0" showMasterPhAnim="0">
   <p:cSld>
     <p:spTree>
       <p:nvGrpSpPr>
-        <p:cNvPr id="88" name="Shape 88"/>
+        <p:cNvPr id="1" name="Shape 88"/>
         <p:cNvGrpSpPr/>
         <p:nvPr/>
       </p:nvGrpSpPr>
       <p:grpSpPr>
         <a:xfrm>
-          <a:off y="0" x="0"/>
-          <a:ext cy="0" cx="0"/>
-          <a:chOff y="0" x="0"/>
-          <a:chExt cy="0" cx="0"/>
+          <a:off x="0" y="0"/>
+          <a:ext cx="0" cy="0"/>
+          <a:chOff x="0" y="0"/>
+          <a:chExt cx="0" cy="0"/>
         </a:xfrm>
       </p:grpSpPr>
       <p:sp>
         <p:nvSpPr>
           <p:cNvPr id="89" name="Shape 89"/>
-          <p:cNvSpPr/>
-          <p:nvPr>
-            <p:ph idx="2" type="sldImg"/>
-          </p:nvPr>
-        </p:nvSpPr>
-        <p:spPr>
-          <a:xfrm>
-            <a:off y="685800" x="381187"/>
-            <a:ext cy="3429000" cx="6096299"/>
+          <p:cNvSpPr>
+            <a:spLocks noGrp="1" noRot="1" noChangeAspect="1"/>
+          </p:cNvSpPr>
+          <p:nvPr>
+            <p:ph type="sldImg" idx="2"/>
+          </p:nvPr>
+        </p:nvSpPr>
+        <p:spPr>
+          <a:xfrm>
+            <a:off x="381187" y="685800"/>
+            <a:ext cx="6096299" cy="3429000"/>
           </a:xfrm>
           <a:custGeom>
+            <a:avLst/>
+            <a:gdLst/>
+            <a:ahLst/>
+            <a:cxnLst/>
+            <a:rect l="0" t="0" r="0" b="0"/>
             <a:pathLst>
-              <a:path w="120000" extrusionOk="0" h="120000">
+              <a:path w="120000" h="120000" extrusionOk="0">
                 <a:moveTo>
-                  <a:pt y="0" x="0"/>
+                  <a:pt x="0" y="0"/>
                 </a:moveTo>
                 <a:lnTo>
-                  <a:pt y="0" x="120000"/>
+                  <a:pt x="120000" y="0"/>
                 </a:lnTo>
                 <a:lnTo>
-                  <a:pt y="120000" x="120000"/>
+                  <a:pt x="120000" y="120000"/>
                 </a:lnTo>
                 <a:lnTo>
-                  <a:pt y="120000" x="0"/>
+                  <a:pt x="0" y="120000"/>
                 </a:lnTo>
                 <a:close/>
               </a:path>
@@ -699,26 +850,30 @@
       <p:sp>
         <p:nvSpPr>
           <p:cNvPr id="90" name="Shape 90"/>
-          <p:cNvSpPr txBox="1"/>
-          <p:nvPr>
-            <p:ph idx="1" type="body"/>
-          </p:nvPr>
-        </p:nvSpPr>
-        <p:spPr>
-          <a:xfrm>
-            <a:off y="4343400" x="685800"/>
-            <a:ext cy="4114800" cx="5486399"/>
+          <p:cNvSpPr txBox="1">
+            <a:spLocks noGrp="1"/>
+          </p:cNvSpPr>
+          <p:nvPr>
+            <p:ph type="body" idx="1"/>
+          </p:nvPr>
+        </p:nvSpPr>
+        <p:spPr>
+          <a:xfrm>
+            <a:off x="685800" y="4343400"/>
+            <a:ext cx="5486399" cy="4114800"/>
           </a:xfrm>
           <a:prstGeom prst="rect">
             <a:avLst/>
           </a:prstGeom>
         </p:spPr>
         <p:txBody>
-          <a:bodyPr bIns="91425" rIns="91425" lIns="91425" tIns="91425" anchor="t" anchorCtr="0">
+          <a:bodyPr lIns="91425" tIns="91425" rIns="91425" bIns="91425" anchor="t" anchorCtr="0">
             <a:noAutofit/>
           </a:bodyPr>
           <a:lstStyle/>
-          <a:p/>
+          <a:p>
+            <a:endParaRPr/>
+          </a:p>
         </p:txBody>
       </p:sp>
     </p:spTree>
@@ -730,49 +885,56 @@
 </file>
 
 <file path=ppt/notesSlides/notesSlide13.xml><?xml version="1.0" encoding="utf-8"?>
-<p:notes xmlns:a="http://schemas.openxmlformats.org/drawingml/2006/main" xmlns:r="http://schemas.openxmlformats.org/officeDocument/2006/relationships" xmlns:mc="http://schemas.openxmlformats.org/markup-compatibility/2006" xmlns:mv="urn:schemas-microsoft-com:mac:vml" xmlns:p="http://schemas.openxmlformats.org/presentationml/2006/main" xmlns:c="http://schemas.openxmlformats.org/drawingml/2006/chart" xmlns:dgm="http://schemas.openxmlformats.org/drawingml/2006/diagram" xmlns:o="urn:schemas-microsoft-com:office:office" xmlns:v="urn:schemas-microsoft-com:vml" xmlns:pvml="urn:schemas-microsoft-com:office:powerpoint" xmlns:com="http://schemas.openxmlformats.org/drawingml/2006/compatibility" xmlns:p14="http://schemas.microsoft.com/office/powerpoint/2010/main" showMasterSp="0" showMasterPhAnim="0">
+<p:notes xmlns:a="http://schemas.openxmlformats.org/drawingml/2006/main" xmlns:r="http://schemas.openxmlformats.org/officeDocument/2006/relationships" xmlns:p="http://schemas.openxmlformats.org/presentationml/2006/main" showMasterSp="0" showMasterPhAnim="0">
   <p:cSld>
     <p:spTree>
       <p:nvGrpSpPr>
-        <p:cNvPr id="94" name="Shape 94"/>
+        <p:cNvPr id="1" name="Shape 94"/>
         <p:cNvGrpSpPr/>
         <p:nvPr/>
       </p:nvGrpSpPr>
       <p:grpSpPr>
         <a:xfrm>
-          <a:off y="0" x="0"/>
-          <a:ext cy="0" cx="0"/>
-          <a:chOff y="0" x="0"/>
-          <a:chExt cy="0" cx="0"/>
+          <a:off x="0" y="0"/>
+          <a:ext cx="0" cy="0"/>
+          <a:chOff x="0" y="0"/>
+          <a:chExt cx="0" cy="0"/>
         </a:xfrm>
       </p:grpSpPr>
       <p:sp>
         <p:nvSpPr>
           <p:cNvPr id="95" name="Shape 95"/>
-          <p:cNvSpPr/>
-          <p:nvPr>
-            <p:ph idx="2" type="sldImg"/>
-          </p:nvPr>
-        </p:nvSpPr>
-        <p:spPr>
-          <a:xfrm>
-            <a:off y="685800" x="381187"/>
-            <a:ext cy="3429000" cx="6096299"/>
+          <p:cNvSpPr>
+            <a:spLocks noGrp="1" noRot="1" noChangeAspect="1"/>
+          </p:cNvSpPr>
+          <p:nvPr>
+            <p:ph type="sldImg" idx="2"/>
+          </p:nvPr>
+        </p:nvSpPr>
+        <p:spPr>
+          <a:xfrm>
+            <a:off x="381187" y="685800"/>
+            <a:ext cx="6096299" cy="3429000"/>
           </a:xfrm>
           <a:custGeom>
+            <a:avLst/>
+            <a:gdLst/>
+            <a:ahLst/>
+            <a:cxnLst/>
+            <a:rect l="0" t="0" r="0" b="0"/>
             <a:pathLst>
-              <a:path w="120000" extrusionOk="0" h="120000">
+              <a:path w="120000" h="120000" extrusionOk="0">
                 <a:moveTo>
-                  <a:pt y="0" x="0"/>
+                  <a:pt x="0" y="0"/>
                 </a:moveTo>
                 <a:lnTo>
-                  <a:pt y="0" x="120000"/>
+                  <a:pt x="120000" y="0"/>
                 </a:lnTo>
                 <a:lnTo>
-                  <a:pt y="120000" x="120000"/>
+                  <a:pt x="120000" y="120000"/>
                 </a:lnTo>
                 <a:lnTo>
-                  <a:pt y="120000" x="0"/>
+                  <a:pt x="0" y="120000"/>
                 </a:lnTo>
                 <a:close/>
               </a:path>
@@ -783,26 +945,30 @@
       <p:sp>
         <p:nvSpPr>
           <p:cNvPr id="96" name="Shape 96"/>
-          <p:cNvSpPr txBox="1"/>
-          <p:nvPr>
-            <p:ph idx="1" type="body"/>
-          </p:nvPr>
-        </p:nvSpPr>
-        <p:spPr>
-          <a:xfrm>
-            <a:off y="4343400" x="685800"/>
-            <a:ext cy="4114800" cx="5486399"/>
+          <p:cNvSpPr txBox="1">
+            <a:spLocks noGrp="1"/>
+          </p:cNvSpPr>
+          <p:nvPr>
+            <p:ph type="body" idx="1"/>
+          </p:nvPr>
+        </p:nvSpPr>
+        <p:spPr>
+          <a:xfrm>
+            <a:off x="685800" y="4343400"/>
+            <a:ext cx="5486399" cy="4114800"/>
           </a:xfrm>
           <a:prstGeom prst="rect">
             <a:avLst/>
           </a:prstGeom>
         </p:spPr>
         <p:txBody>
-          <a:bodyPr bIns="91425" rIns="91425" lIns="91425" tIns="91425" anchor="t" anchorCtr="0">
+          <a:bodyPr lIns="91425" tIns="91425" rIns="91425" bIns="91425" anchor="t" anchorCtr="0">
             <a:noAutofit/>
           </a:bodyPr>
           <a:lstStyle/>
-          <a:p/>
+          <a:p>
+            <a:endParaRPr/>
+          </a:p>
         </p:txBody>
       </p:sp>
     </p:spTree>
@@ -814,49 +980,56 @@
 </file>
 
 <file path=ppt/notesSlides/notesSlide2.xml><?xml version="1.0" encoding="utf-8"?>
-<p:notes xmlns:a="http://schemas.openxmlformats.org/drawingml/2006/main" xmlns:r="http://schemas.openxmlformats.org/officeDocument/2006/relationships" xmlns:mc="http://schemas.openxmlformats.org/markup-compatibility/2006" xmlns:mv="urn:schemas-microsoft-com:mac:vml" xmlns:p="http://schemas.openxmlformats.org/presentationml/2006/main" xmlns:c="http://schemas.openxmlformats.org/drawingml/2006/chart" xmlns:dgm="http://schemas.openxmlformats.org/drawingml/2006/diagram" xmlns:o="urn:schemas-microsoft-com:office:office" xmlns:v="urn:schemas-microsoft-com:vml" xmlns:pvml="urn:schemas-microsoft-com:office:powerpoint" xmlns:com="http://schemas.openxmlformats.org/drawingml/2006/compatibility" xmlns:p14="http://schemas.microsoft.com/office/powerpoint/2010/main" showMasterSp="0" showMasterPhAnim="0">
+<p:notes xmlns:a="http://schemas.openxmlformats.org/drawingml/2006/main" xmlns:r="http://schemas.openxmlformats.org/officeDocument/2006/relationships" xmlns:p="http://schemas.openxmlformats.org/presentationml/2006/main" showMasterSp="0" showMasterPhAnim="0">
   <p:cSld>
     <p:spTree>
       <p:nvGrpSpPr>
-        <p:cNvPr id="29" name="Shape 29"/>
+        <p:cNvPr id="1" name="Shape 29"/>
         <p:cNvGrpSpPr/>
         <p:nvPr/>
       </p:nvGrpSpPr>
       <p:grpSpPr>
         <a:xfrm>
-          <a:off y="0" x="0"/>
-          <a:ext cy="0" cx="0"/>
-          <a:chOff y="0" x="0"/>
-          <a:chExt cy="0" cx="0"/>
+          <a:off x="0" y="0"/>
+          <a:ext cx="0" cy="0"/>
+          <a:chOff x="0" y="0"/>
+          <a:chExt cx="0" cy="0"/>
         </a:xfrm>
       </p:grpSpPr>
       <p:sp>
         <p:nvSpPr>
           <p:cNvPr id="30" name="Shape 30"/>
-          <p:cNvSpPr/>
-          <p:nvPr>
-            <p:ph idx="2" type="sldImg"/>
-          </p:nvPr>
-        </p:nvSpPr>
-        <p:spPr>
-          <a:xfrm>
-            <a:off y="685800" x="381187"/>
-            <a:ext cy="3429000" cx="6096299"/>
+          <p:cNvSpPr>
+            <a:spLocks noGrp="1" noRot="1" noChangeAspect="1"/>
+          </p:cNvSpPr>
+          <p:nvPr>
+            <p:ph type="sldImg" idx="2"/>
+          </p:nvPr>
+        </p:nvSpPr>
+        <p:spPr>
+          <a:xfrm>
+            <a:off x="381187" y="685800"/>
+            <a:ext cx="6096299" cy="3429000"/>
           </a:xfrm>
           <a:custGeom>
+            <a:avLst/>
+            <a:gdLst/>
+            <a:ahLst/>
+            <a:cxnLst/>
+            <a:rect l="0" t="0" r="0" b="0"/>
             <a:pathLst>
-              <a:path w="120000" extrusionOk="0" h="120000">
+              <a:path w="120000" h="120000" extrusionOk="0">
                 <a:moveTo>
-                  <a:pt y="0" x="0"/>
+                  <a:pt x="0" y="0"/>
                 </a:moveTo>
                 <a:lnTo>
-                  <a:pt y="0" x="120000"/>
+                  <a:pt x="120000" y="0"/>
                 </a:lnTo>
                 <a:lnTo>
-                  <a:pt y="120000" x="120000"/>
+                  <a:pt x="120000" y="120000"/>
                 </a:lnTo>
                 <a:lnTo>
-                  <a:pt y="120000" x="0"/>
+                  <a:pt x="0" y="120000"/>
                 </a:lnTo>
                 <a:close/>
               </a:path>
@@ -867,26 +1040,30 @@
       <p:sp>
         <p:nvSpPr>
           <p:cNvPr id="31" name="Shape 31"/>
-          <p:cNvSpPr txBox="1"/>
-          <p:nvPr>
-            <p:ph idx="1" type="body"/>
-          </p:nvPr>
-        </p:nvSpPr>
-        <p:spPr>
-          <a:xfrm>
-            <a:off y="4343400" x="685800"/>
-            <a:ext cy="4114800" cx="5486399"/>
+          <p:cNvSpPr txBox="1">
+            <a:spLocks noGrp="1"/>
+          </p:cNvSpPr>
+          <p:nvPr>
+            <p:ph type="body" idx="1"/>
+          </p:nvPr>
+        </p:nvSpPr>
+        <p:spPr>
+          <a:xfrm>
+            <a:off x="685800" y="4343400"/>
+            <a:ext cx="5486399" cy="4114800"/>
           </a:xfrm>
           <a:prstGeom prst="rect">
             <a:avLst/>
           </a:prstGeom>
         </p:spPr>
         <p:txBody>
-          <a:bodyPr bIns="91425" rIns="91425" lIns="91425" tIns="91425" anchor="t" anchorCtr="0">
+          <a:bodyPr lIns="91425" tIns="91425" rIns="91425" bIns="91425" anchor="t" anchorCtr="0">
             <a:noAutofit/>
           </a:bodyPr>
           <a:lstStyle/>
-          <a:p/>
+          <a:p>
+            <a:endParaRPr/>
+          </a:p>
         </p:txBody>
       </p:sp>
     </p:spTree>
@@ -898,49 +1075,56 @@
 </file>
 
 <file path=ppt/notesSlides/notesSlide3.xml><?xml version="1.0" encoding="utf-8"?>
-<p:notes xmlns:a="http://schemas.openxmlformats.org/drawingml/2006/main" xmlns:r="http://schemas.openxmlformats.org/officeDocument/2006/relationships" xmlns:mc="http://schemas.openxmlformats.org/markup-compatibility/2006" xmlns:mv="urn:schemas-microsoft-com:mac:vml" xmlns:p="http://schemas.openxmlformats.org/presentationml/2006/main" xmlns:c="http://schemas.openxmlformats.org/drawingml/2006/chart" xmlns:dgm="http://schemas.openxmlformats.org/drawingml/2006/diagram" xmlns:o="urn:schemas-microsoft-com:office:office" xmlns:v="urn:schemas-microsoft-com:vml" xmlns:pvml="urn:schemas-microsoft-com:office:powerpoint" xmlns:com="http://schemas.openxmlformats.org/drawingml/2006/compatibility" xmlns:p14="http://schemas.microsoft.com/office/powerpoint/2010/main" showMasterSp="0" showMasterPhAnim="0">
+<p:notes xmlns:a="http://schemas.openxmlformats.org/drawingml/2006/main" xmlns:r="http://schemas.openxmlformats.org/officeDocument/2006/relationships" xmlns:p="http://schemas.openxmlformats.org/presentationml/2006/main" showMasterSp="0" showMasterPhAnim="0">
   <p:cSld>
     <p:spTree>
       <p:nvGrpSpPr>
-        <p:cNvPr id="34" name="Shape 34"/>
+        <p:cNvPr id="1" name="Shape 34"/>
         <p:cNvGrpSpPr/>
         <p:nvPr/>
       </p:nvGrpSpPr>
       <p:grpSpPr>
         <a:xfrm>
-          <a:off y="0" x="0"/>
-          <a:ext cy="0" cx="0"/>
-          <a:chOff y="0" x="0"/>
-          <a:chExt cy="0" cx="0"/>
+          <a:off x="0" y="0"/>
+          <a:ext cx="0" cy="0"/>
+          <a:chOff x="0" y="0"/>
+          <a:chExt cx="0" cy="0"/>
         </a:xfrm>
       </p:grpSpPr>
       <p:sp>
         <p:nvSpPr>
           <p:cNvPr id="35" name="Shape 35"/>
-          <p:cNvSpPr/>
-          <p:nvPr>
-            <p:ph idx="2" type="sldImg"/>
-          </p:nvPr>
-        </p:nvSpPr>
-        <p:spPr>
-          <a:xfrm>
-            <a:off y="685800" x="381187"/>
-            <a:ext cy="3429000" cx="6096299"/>
+          <p:cNvSpPr>
+            <a:spLocks noGrp="1" noRot="1" noChangeAspect="1"/>
+          </p:cNvSpPr>
+          <p:nvPr>
+            <p:ph type="sldImg" idx="2"/>
+          </p:nvPr>
+        </p:nvSpPr>
+        <p:spPr>
+          <a:xfrm>
+            <a:off x="381187" y="685800"/>
+            <a:ext cx="6096299" cy="3429000"/>
           </a:xfrm>
           <a:custGeom>
+            <a:avLst/>
+            <a:gdLst/>
+            <a:ahLst/>
+            <a:cxnLst/>
+            <a:rect l="0" t="0" r="0" b="0"/>
             <a:pathLst>
-              <a:path w="120000" extrusionOk="0" h="120000">
+              <a:path w="120000" h="120000" extrusionOk="0">
                 <a:moveTo>
-                  <a:pt y="0" x="0"/>
+                  <a:pt x="0" y="0"/>
                 </a:moveTo>
                 <a:lnTo>
-                  <a:pt y="0" x="120000"/>
+                  <a:pt x="120000" y="0"/>
                 </a:lnTo>
                 <a:lnTo>
-                  <a:pt y="120000" x="120000"/>
+                  <a:pt x="120000" y="120000"/>
                 </a:lnTo>
                 <a:lnTo>
-                  <a:pt y="120000" x="0"/>
+                  <a:pt x="0" y="120000"/>
                 </a:lnTo>
                 <a:close/>
               </a:path>
@@ -951,26 +1135,30 @@
       <p:sp>
         <p:nvSpPr>
           <p:cNvPr id="36" name="Shape 36"/>
-          <p:cNvSpPr txBox="1"/>
-          <p:nvPr>
-            <p:ph idx="1" type="body"/>
-          </p:nvPr>
-        </p:nvSpPr>
-        <p:spPr>
-          <a:xfrm>
-            <a:off y="4343400" x="685800"/>
-            <a:ext cy="4114800" cx="5486399"/>
+          <p:cNvSpPr txBox="1">
+            <a:spLocks noGrp="1"/>
+          </p:cNvSpPr>
+          <p:nvPr>
+            <p:ph type="body" idx="1"/>
+          </p:nvPr>
+        </p:nvSpPr>
+        <p:spPr>
+          <a:xfrm>
+            <a:off x="685800" y="4343400"/>
+            <a:ext cx="5486399" cy="4114800"/>
           </a:xfrm>
           <a:prstGeom prst="rect">
             <a:avLst/>
           </a:prstGeom>
         </p:spPr>
         <p:txBody>
-          <a:bodyPr bIns="91425" rIns="91425" lIns="91425" tIns="91425" anchor="t" anchorCtr="0">
+          <a:bodyPr lIns="91425" tIns="91425" rIns="91425" bIns="91425" anchor="t" anchorCtr="0">
             <a:noAutofit/>
           </a:bodyPr>
           <a:lstStyle/>
-          <a:p/>
+          <a:p>
+            <a:endParaRPr/>
+          </a:p>
         </p:txBody>
       </p:sp>
     </p:spTree>
@@ -982,49 +1170,56 @@
 </file>
 
 <file path=ppt/notesSlides/notesSlide4.xml><?xml version="1.0" encoding="utf-8"?>
-<p:notes xmlns:a="http://schemas.openxmlformats.org/drawingml/2006/main" xmlns:r="http://schemas.openxmlformats.org/officeDocument/2006/relationships" xmlns:mc="http://schemas.openxmlformats.org/markup-compatibility/2006" xmlns:mv="urn:schemas-microsoft-com:mac:vml" xmlns:p="http://schemas.openxmlformats.org/presentationml/2006/main" xmlns:c="http://schemas.openxmlformats.org/drawingml/2006/chart" xmlns:dgm="http://schemas.openxmlformats.org/drawingml/2006/diagram" xmlns:o="urn:schemas-microsoft-com:office:office" xmlns:v="urn:schemas-microsoft-com:vml" xmlns:pvml="urn:schemas-microsoft-com:office:powerpoint" xmlns:com="http://schemas.openxmlformats.org/drawingml/2006/compatibility" xmlns:p14="http://schemas.microsoft.com/office/powerpoint/2010/main" showMasterSp="0" showMasterPhAnim="0">
+<p:notes xmlns:a="http://schemas.openxmlformats.org/drawingml/2006/main" xmlns:r="http://schemas.openxmlformats.org/officeDocument/2006/relationships" xmlns:p="http://schemas.openxmlformats.org/presentationml/2006/main" showMasterSp="0" showMasterPhAnim="0">
   <p:cSld>
     <p:spTree>
       <p:nvGrpSpPr>
-        <p:cNvPr id="40" name="Shape 40"/>
+        <p:cNvPr id="1" name="Shape 40"/>
         <p:cNvGrpSpPr/>
         <p:nvPr/>
       </p:nvGrpSpPr>
       <p:grpSpPr>
         <a:xfrm>
-          <a:off y="0" x="0"/>
-          <a:ext cy="0" cx="0"/>
-          <a:chOff y="0" x="0"/>
-          <a:chExt cy="0" cx="0"/>
+          <a:off x="0" y="0"/>
+          <a:ext cx="0" cy="0"/>
+          <a:chOff x="0" y="0"/>
+          <a:chExt cx="0" cy="0"/>
         </a:xfrm>
       </p:grpSpPr>
       <p:sp>
         <p:nvSpPr>
           <p:cNvPr id="41" name="Shape 41"/>
-          <p:cNvSpPr/>
-          <p:nvPr>
-            <p:ph idx="2" type="sldImg"/>
-          </p:nvPr>
-        </p:nvSpPr>
-        <p:spPr>
-          <a:xfrm>
-            <a:off y="685800" x="381187"/>
-            <a:ext cy="3429000" cx="6096299"/>
+          <p:cNvSpPr>
+            <a:spLocks noGrp="1" noRot="1" noChangeAspect="1"/>
+          </p:cNvSpPr>
+          <p:nvPr>
+            <p:ph type="sldImg" idx="2"/>
+          </p:nvPr>
+        </p:nvSpPr>
+        <p:spPr>
+          <a:xfrm>
+            <a:off x="381187" y="685800"/>
+            <a:ext cx="6096299" cy="3429000"/>
           </a:xfrm>
           <a:custGeom>
+            <a:avLst/>
+            <a:gdLst/>
+            <a:ahLst/>
+            <a:cxnLst/>
+            <a:rect l="0" t="0" r="0" b="0"/>
             <a:pathLst>
-              <a:path w="120000" extrusionOk="0" h="120000">
+              <a:path w="120000" h="120000" extrusionOk="0">
                 <a:moveTo>
-                  <a:pt y="0" x="0"/>
+                  <a:pt x="0" y="0"/>
                 </a:moveTo>
                 <a:lnTo>
-                  <a:pt y="0" x="120000"/>
+                  <a:pt x="120000" y="0"/>
                 </a:lnTo>
                 <a:lnTo>
-                  <a:pt y="120000" x="120000"/>
+                  <a:pt x="120000" y="120000"/>
                 </a:lnTo>
                 <a:lnTo>
-                  <a:pt y="120000" x="0"/>
+                  <a:pt x="0" y="120000"/>
                 </a:lnTo>
                 <a:close/>
               </a:path>
@@ -1035,26 +1230,30 @@
       <p:sp>
         <p:nvSpPr>
           <p:cNvPr id="42" name="Shape 42"/>
-          <p:cNvSpPr txBox="1"/>
-          <p:nvPr>
-            <p:ph idx="1" type="body"/>
-          </p:nvPr>
-        </p:nvSpPr>
-        <p:spPr>
-          <a:xfrm>
-            <a:off y="4343400" x="685800"/>
-            <a:ext cy="4114800" cx="5486399"/>
+          <p:cNvSpPr txBox="1">
+            <a:spLocks noGrp="1"/>
+          </p:cNvSpPr>
+          <p:nvPr>
+            <p:ph type="body" idx="1"/>
+          </p:nvPr>
+        </p:nvSpPr>
+        <p:spPr>
+          <a:xfrm>
+            <a:off x="685800" y="4343400"/>
+            <a:ext cx="5486399" cy="4114800"/>
           </a:xfrm>
           <a:prstGeom prst="rect">
             <a:avLst/>
           </a:prstGeom>
         </p:spPr>
         <p:txBody>
-          <a:bodyPr bIns="91425" rIns="91425" lIns="91425" tIns="91425" anchor="t" anchorCtr="0">
+          <a:bodyPr lIns="91425" tIns="91425" rIns="91425" bIns="91425" anchor="t" anchorCtr="0">
             <a:noAutofit/>
           </a:bodyPr>
           <a:lstStyle/>
-          <a:p/>
+          <a:p>
+            <a:endParaRPr/>
+          </a:p>
         </p:txBody>
       </p:sp>
     </p:spTree>
@@ -1066,49 +1265,56 @@
 </file>
 
 <file path=ppt/notesSlides/notesSlide5.xml><?xml version="1.0" encoding="utf-8"?>
-<p:notes xmlns:a="http://schemas.openxmlformats.org/drawingml/2006/main" xmlns:r="http://schemas.openxmlformats.org/officeDocument/2006/relationships" xmlns:mc="http://schemas.openxmlformats.org/markup-compatibility/2006" xmlns:mv="urn:schemas-microsoft-com:mac:vml" xmlns:p="http://schemas.openxmlformats.org/presentationml/2006/main" xmlns:c="http://schemas.openxmlformats.org/drawingml/2006/chart" xmlns:dgm="http://schemas.openxmlformats.org/drawingml/2006/diagram" xmlns:o="urn:schemas-microsoft-com:office:office" xmlns:v="urn:schemas-microsoft-com:vml" xmlns:pvml="urn:schemas-microsoft-com:office:powerpoint" xmlns:com="http://schemas.openxmlformats.org/drawingml/2006/compatibility" xmlns:p14="http://schemas.microsoft.com/office/powerpoint/2010/main" showMasterSp="0" showMasterPhAnim="0">
+<p:notes xmlns:a="http://schemas.openxmlformats.org/drawingml/2006/main" xmlns:r="http://schemas.openxmlformats.org/officeDocument/2006/relationships" xmlns:p="http://schemas.openxmlformats.org/presentationml/2006/main" showMasterSp="0" showMasterPhAnim="0">
   <p:cSld>
     <p:spTree>
       <p:nvGrpSpPr>
-        <p:cNvPr id="46" name="Shape 46"/>
+        <p:cNvPr id="1" name="Shape 46"/>
         <p:cNvGrpSpPr/>
         <p:nvPr/>
       </p:nvGrpSpPr>
       <p:grpSpPr>
         <a:xfrm>
-          <a:off y="0" x="0"/>
-          <a:ext cy="0" cx="0"/>
-          <a:chOff y="0" x="0"/>
-          <a:chExt cy="0" cx="0"/>
+          <a:off x="0" y="0"/>
+          <a:ext cx="0" cy="0"/>
+          <a:chOff x="0" y="0"/>
+          <a:chExt cx="0" cy="0"/>
         </a:xfrm>
       </p:grpSpPr>
       <p:sp>
         <p:nvSpPr>
           <p:cNvPr id="47" name="Shape 47"/>
-          <p:cNvSpPr/>
-          <p:nvPr>
-            <p:ph idx="2" type="sldImg"/>
-          </p:nvPr>
-        </p:nvSpPr>
-        <p:spPr>
-          <a:xfrm>
-            <a:off y="685800" x="381187"/>
-            <a:ext cy="3429000" cx="6096299"/>
+          <p:cNvSpPr>
+            <a:spLocks noGrp="1" noRot="1" noChangeAspect="1"/>
+          </p:cNvSpPr>
+          <p:nvPr>
+            <p:ph type="sldImg" idx="2"/>
+          </p:nvPr>
+        </p:nvSpPr>
+        <p:spPr>
+          <a:xfrm>
+            <a:off x="381187" y="685800"/>
+            <a:ext cx="6096299" cy="3429000"/>
           </a:xfrm>
           <a:custGeom>
+            <a:avLst/>
+            <a:gdLst/>
+            <a:ahLst/>
+            <a:cxnLst/>
+            <a:rect l="0" t="0" r="0" b="0"/>
             <a:pathLst>
-              <a:path w="120000" extrusionOk="0" h="120000">
+              <a:path w="120000" h="120000" extrusionOk="0">
                 <a:moveTo>
-                  <a:pt y="0" x="0"/>
+                  <a:pt x="0" y="0"/>
                 </a:moveTo>
                 <a:lnTo>
-                  <a:pt y="0" x="120000"/>
+                  <a:pt x="120000" y="0"/>
                 </a:lnTo>
                 <a:lnTo>
-                  <a:pt y="120000" x="120000"/>
+                  <a:pt x="120000" y="120000"/>
                 </a:lnTo>
                 <a:lnTo>
-                  <a:pt y="120000" x="0"/>
+                  <a:pt x="0" y="120000"/>
                 </a:lnTo>
                 <a:close/>
               </a:path>
@@ -1119,26 +1325,30 @@
       <p:sp>
         <p:nvSpPr>
           <p:cNvPr id="48" name="Shape 48"/>
-          <p:cNvSpPr txBox="1"/>
-          <p:nvPr>
-            <p:ph idx="1" type="body"/>
-          </p:nvPr>
-        </p:nvSpPr>
-        <p:spPr>
-          <a:xfrm>
-            <a:off y="4343400" x="685800"/>
-            <a:ext cy="4114800" cx="5486399"/>
+          <p:cNvSpPr txBox="1">
+            <a:spLocks noGrp="1"/>
+          </p:cNvSpPr>
+          <p:nvPr>
+            <p:ph type="body" idx="1"/>
+          </p:nvPr>
+        </p:nvSpPr>
+        <p:spPr>
+          <a:xfrm>
+            <a:off x="685800" y="4343400"/>
+            <a:ext cx="5486399" cy="4114800"/>
           </a:xfrm>
           <a:prstGeom prst="rect">
             <a:avLst/>
           </a:prstGeom>
         </p:spPr>
         <p:txBody>
-          <a:bodyPr bIns="91425" rIns="91425" lIns="91425" tIns="91425" anchor="t" anchorCtr="0">
+          <a:bodyPr lIns="91425" tIns="91425" rIns="91425" bIns="91425" anchor="t" anchorCtr="0">
             <a:noAutofit/>
           </a:bodyPr>
           <a:lstStyle/>
-          <a:p/>
+          <a:p>
+            <a:endParaRPr/>
+          </a:p>
         </p:txBody>
       </p:sp>
     </p:spTree>
@@ -1150,49 +1360,56 @@
 </file>
 
 <file path=ppt/notesSlides/notesSlide6.xml><?xml version="1.0" encoding="utf-8"?>
-<p:notes xmlns:a="http://schemas.openxmlformats.org/drawingml/2006/main" xmlns:r="http://schemas.openxmlformats.org/officeDocument/2006/relationships" xmlns:mc="http://schemas.openxmlformats.org/markup-compatibility/2006" xmlns:mv="urn:schemas-microsoft-com:mac:vml" xmlns:p="http://schemas.openxmlformats.org/presentationml/2006/main" xmlns:c="http://schemas.openxmlformats.org/drawingml/2006/chart" xmlns:dgm="http://schemas.openxmlformats.org/drawingml/2006/diagram" xmlns:o="urn:schemas-microsoft-com:office:office" xmlns:v="urn:schemas-microsoft-com:vml" xmlns:pvml="urn:schemas-microsoft-com:office:powerpoint" xmlns:com="http://schemas.openxmlformats.org/drawingml/2006/compatibility" xmlns:p14="http://schemas.microsoft.com/office/powerpoint/2010/main" showMasterSp="0" showMasterPhAnim="0">
+<p:notes xmlns:a="http://schemas.openxmlformats.org/drawingml/2006/main" xmlns:r="http://schemas.openxmlformats.org/officeDocument/2006/relationships" xmlns:p="http://schemas.openxmlformats.org/presentationml/2006/main" showMasterSp="0" showMasterPhAnim="0">
   <p:cSld>
     <p:spTree>
       <p:nvGrpSpPr>
-        <p:cNvPr id="52" name="Shape 52"/>
+        <p:cNvPr id="1" name="Shape 52"/>
         <p:cNvGrpSpPr/>
         <p:nvPr/>
       </p:nvGrpSpPr>
       <p:grpSpPr>
         <a:xfrm>
-          <a:off y="0" x="0"/>
-          <a:ext cy="0" cx="0"/>
-          <a:chOff y="0" x="0"/>
-          <a:chExt cy="0" cx="0"/>
+          <a:off x="0" y="0"/>
+          <a:ext cx="0" cy="0"/>
+          <a:chOff x="0" y="0"/>
+          <a:chExt cx="0" cy="0"/>
         </a:xfrm>
       </p:grpSpPr>
       <p:sp>
         <p:nvSpPr>
           <p:cNvPr id="53" name="Shape 53"/>
-          <p:cNvSpPr/>
-          <p:nvPr>
-            <p:ph idx="2" type="sldImg"/>
-          </p:nvPr>
-        </p:nvSpPr>
-        <p:spPr>
-          <a:xfrm>
-            <a:off y="685800" x="381187"/>
-            <a:ext cy="3429000" cx="6096299"/>
+          <p:cNvSpPr>
+            <a:spLocks noGrp="1" noRot="1" noChangeAspect="1"/>
+          </p:cNvSpPr>
+          <p:nvPr>
+            <p:ph type="sldImg" idx="2"/>
+          </p:nvPr>
+        </p:nvSpPr>
+        <p:spPr>
+          <a:xfrm>
+            <a:off x="381000" y="685800"/>
+            <a:ext cx="6096000" cy="3429000"/>
           </a:xfrm>
           <a:custGeom>
+            <a:avLst/>
+            <a:gdLst/>
+            <a:ahLst/>
+            <a:cxnLst/>
+            <a:rect l="0" t="0" r="0" b="0"/>
             <a:pathLst>
-              <a:path w="120000" extrusionOk="0" h="120000">
+              <a:path w="120000" h="120000" extrusionOk="0">
                 <a:moveTo>
-                  <a:pt y="0" x="0"/>
+                  <a:pt x="0" y="0"/>
                 </a:moveTo>
                 <a:lnTo>
-                  <a:pt y="0" x="120000"/>
+                  <a:pt x="120000" y="0"/>
                 </a:lnTo>
                 <a:lnTo>
-                  <a:pt y="120000" x="120000"/>
+                  <a:pt x="120000" y="120000"/>
                 </a:lnTo>
                 <a:lnTo>
-                  <a:pt y="120000" x="0"/>
+                  <a:pt x="0" y="120000"/>
                 </a:lnTo>
                 <a:close/>
               </a:path>
@@ -1203,26 +1420,30 @@
       <p:sp>
         <p:nvSpPr>
           <p:cNvPr id="54" name="Shape 54"/>
-          <p:cNvSpPr txBox="1"/>
-          <p:nvPr>
-            <p:ph idx="1" type="body"/>
-          </p:nvPr>
-        </p:nvSpPr>
-        <p:spPr>
-          <a:xfrm>
-            <a:off y="4343400" x="685800"/>
-            <a:ext cy="4114800" cx="5486399"/>
+          <p:cNvSpPr txBox="1">
+            <a:spLocks noGrp="1"/>
+          </p:cNvSpPr>
+          <p:nvPr>
+            <p:ph type="body" idx="1"/>
+          </p:nvPr>
+        </p:nvSpPr>
+        <p:spPr>
+          <a:xfrm>
+            <a:off x="685800" y="4343400"/>
+            <a:ext cx="5486399" cy="4114800"/>
           </a:xfrm>
           <a:prstGeom prst="rect">
             <a:avLst/>
           </a:prstGeom>
         </p:spPr>
         <p:txBody>
-          <a:bodyPr bIns="91425" rIns="91425" lIns="91425" tIns="91425" anchor="t" anchorCtr="0">
+          <a:bodyPr lIns="91425" tIns="91425" rIns="91425" bIns="91425" anchor="t" anchorCtr="0">
             <a:noAutofit/>
           </a:bodyPr>
           <a:lstStyle/>
-          <a:p/>
+          <a:p>
+            <a:endParaRPr/>
+          </a:p>
         </p:txBody>
       </p:sp>
     </p:spTree>
@@ -1234,49 +1455,56 @@
 </file>
 
 <file path=ppt/notesSlides/notesSlide7.xml><?xml version="1.0" encoding="utf-8"?>
-<p:notes xmlns:a="http://schemas.openxmlformats.org/drawingml/2006/main" xmlns:r="http://schemas.openxmlformats.org/officeDocument/2006/relationships" xmlns:mc="http://schemas.openxmlformats.org/markup-compatibility/2006" xmlns:mv="urn:schemas-microsoft-com:mac:vml" xmlns:p="http://schemas.openxmlformats.org/presentationml/2006/main" xmlns:c="http://schemas.openxmlformats.org/drawingml/2006/chart" xmlns:dgm="http://schemas.openxmlformats.org/drawingml/2006/diagram" xmlns:o="urn:schemas-microsoft-com:office:office" xmlns:v="urn:schemas-microsoft-com:vml" xmlns:pvml="urn:schemas-microsoft-com:office:powerpoint" xmlns:com="http://schemas.openxmlformats.org/drawingml/2006/compatibility" xmlns:p14="http://schemas.microsoft.com/office/powerpoint/2010/main" showMasterSp="0" showMasterPhAnim="0">
+<p:notes xmlns:a="http://schemas.openxmlformats.org/drawingml/2006/main" xmlns:r="http://schemas.openxmlformats.org/officeDocument/2006/relationships" xmlns:p="http://schemas.openxmlformats.org/presentationml/2006/main" showMasterSp="0" showMasterPhAnim="0">
   <p:cSld>
     <p:spTree>
       <p:nvGrpSpPr>
-        <p:cNvPr id="58" name="Shape 58"/>
+        <p:cNvPr id="1" name="Shape 58"/>
         <p:cNvGrpSpPr/>
         <p:nvPr/>
       </p:nvGrpSpPr>
       <p:grpSpPr>
         <a:xfrm>
-          <a:off y="0" x="0"/>
-          <a:ext cy="0" cx="0"/>
-          <a:chOff y="0" x="0"/>
-          <a:chExt cy="0" cx="0"/>
+          <a:off x="0" y="0"/>
+          <a:ext cx="0" cy="0"/>
+          <a:chOff x="0" y="0"/>
+          <a:chExt cx="0" cy="0"/>
         </a:xfrm>
       </p:grpSpPr>
       <p:sp>
         <p:nvSpPr>
           <p:cNvPr id="59" name="Shape 59"/>
-          <p:cNvSpPr/>
-          <p:nvPr>
-            <p:ph idx="2" type="sldImg"/>
-          </p:nvPr>
-        </p:nvSpPr>
-        <p:spPr>
-          <a:xfrm>
-            <a:off y="685800" x="381187"/>
-            <a:ext cy="3429000" cx="6096299"/>
+          <p:cNvSpPr>
+            <a:spLocks noGrp="1" noRot="1" noChangeAspect="1"/>
+          </p:cNvSpPr>
+          <p:nvPr>
+            <p:ph type="sldImg" idx="2"/>
+          </p:nvPr>
+        </p:nvSpPr>
+        <p:spPr>
+          <a:xfrm>
+            <a:off x="381187" y="685800"/>
+            <a:ext cx="6096299" cy="3429000"/>
           </a:xfrm>
           <a:custGeom>
+            <a:avLst/>
+            <a:gdLst/>
+            <a:ahLst/>
+            <a:cxnLst/>
+            <a:rect l="0" t="0" r="0" b="0"/>
             <a:pathLst>
-              <a:path w="120000" extrusionOk="0" h="120000">
+              <a:path w="120000" h="120000" extrusionOk="0">
                 <a:moveTo>
-                  <a:pt y="0" x="0"/>
+                  <a:pt x="0" y="0"/>
                 </a:moveTo>
                 <a:lnTo>
-                  <a:pt y="0" x="120000"/>
+                  <a:pt x="120000" y="0"/>
                 </a:lnTo>
                 <a:lnTo>
-                  <a:pt y="120000" x="120000"/>
+                  <a:pt x="120000" y="120000"/>
                 </a:lnTo>
                 <a:lnTo>
-                  <a:pt y="120000" x="0"/>
+                  <a:pt x="0" y="120000"/>
                 </a:lnTo>
                 <a:close/>
               </a:path>
@@ -1287,26 +1515,30 @@
       <p:sp>
         <p:nvSpPr>
           <p:cNvPr id="60" name="Shape 60"/>
-          <p:cNvSpPr txBox="1"/>
-          <p:nvPr>
-            <p:ph idx="1" type="body"/>
-          </p:nvPr>
-        </p:nvSpPr>
-        <p:spPr>
-          <a:xfrm>
-            <a:off y="4343400" x="685800"/>
-            <a:ext cy="4114800" cx="5486399"/>
+          <p:cNvSpPr txBox="1">
+            <a:spLocks noGrp="1"/>
+          </p:cNvSpPr>
+          <p:nvPr>
+            <p:ph type="body" idx="1"/>
+          </p:nvPr>
+        </p:nvSpPr>
+        <p:spPr>
+          <a:xfrm>
+            <a:off x="685800" y="4343400"/>
+            <a:ext cx="5486399" cy="4114800"/>
           </a:xfrm>
           <a:prstGeom prst="rect">
             <a:avLst/>
           </a:prstGeom>
         </p:spPr>
         <p:txBody>
-          <a:bodyPr bIns="91425" rIns="91425" lIns="91425" tIns="91425" anchor="t" anchorCtr="0">
+          <a:bodyPr lIns="91425" tIns="91425" rIns="91425" bIns="91425" anchor="t" anchorCtr="0">
             <a:noAutofit/>
           </a:bodyPr>
           <a:lstStyle/>
-          <a:p/>
+          <a:p>
+            <a:endParaRPr/>
+          </a:p>
         </p:txBody>
       </p:sp>
     </p:spTree>
@@ -1318,49 +1550,56 @@
 </file>
 
 <file path=ppt/notesSlides/notesSlide8.xml><?xml version="1.0" encoding="utf-8"?>
-<p:notes xmlns:a="http://schemas.openxmlformats.org/drawingml/2006/main" xmlns:r="http://schemas.openxmlformats.org/officeDocument/2006/relationships" xmlns:mc="http://schemas.openxmlformats.org/markup-compatibility/2006" xmlns:mv="urn:schemas-microsoft-com:mac:vml" xmlns:p="http://schemas.openxmlformats.org/presentationml/2006/main" xmlns:c="http://schemas.openxmlformats.org/drawingml/2006/chart" xmlns:dgm="http://schemas.openxmlformats.org/drawingml/2006/diagram" xmlns:o="urn:schemas-microsoft-com:office:office" xmlns:v="urn:schemas-microsoft-com:vml" xmlns:pvml="urn:schemas-microsoft-com:office:powerpoint" xmlns:com="http://schemas.openxmlformats.org/drawingml/2006/compatibility" xmlns:p14="http://schemas.microsoft.com/office/powerpoint/2010/main" showMasterSp="0" showMasterPhAnim="0">
+<p:notes xmlns:a="http://schemas.openxmlformats.org/drawingml/2006/main" xmlns:r="http://schemas.openxmlformats.org/officeDocument/2006/relationships" xmlns:p="http://schemas.openxmlformats.org/presentationml/2006/main" showMasterSp="0" showMasterPhAnim="0">
   <p:cSld>
     <p:spTree>
       <p:nvGrpSpPr>
-        <p:cNvPr id="64" name="Shape 64"/>
+        <p:cNvPr id="1" name="Shape 64"/>
         <p:cNvGrpSpPr/>
         <p:nvPr/>
       </p:nvGrpSpPr>
       <p:grpSpPr>
         <a:xfrm>
-          <a:off y="0" x="0"/>
-          <a:ext cy="0" cx="0"/>
-          <a:chOff y="0" x="0"/>
-          <a:chExt cy="0" cx="0"/>
+          <a:off x="0" y="0"/>
+          <a:ext cx="0" cy="0"/>
+          <a:chOff x="0" y="0"/>
+          <a:chExt cx="0" cy="0"/>
         </a:xfrm>
       </p:grpSpPr>
       <p:sp>
         <p:nvSpPr>
           <p:cNvPr id="65" name="Shape 65"/>
-          <p:cNvSpPr/>
-          <p:nvPr>
-            <p:ph idx="2" type="sldImg"/>
-          </p:nvPr>
-        </p:nvSpPr>
-        <p:spPr>
-          <a:xfrm>
-            <a:off y="685800" x="381187"/>
-            <a:ext cy="3429000" cx="6096299"/>
+          <p:cNvSpPr>
+            <a:spLocks noGrp="1" noRot="1" noChangeAspect="1"/>
+          </p:cNvSpPr>
+          <p:nvPr>
+            <p:ph type="sldImg" idx="2"/>
+          </p:nvPr>
+        </p:nvSpPr>
+        <p:spPr>
+          <a:xfrm>
+            <a:off x="381187" y="685800"/>
+            <a:ext cx="6096299" cy="3429000"/>
           </a:xfrm>
           <a:custGeom>
+            <a:avLst/>
+            <a:gdLst/>
+            <a:ahLst/>
+            <a:cxnLst/>
+            <a:rect l="0" t="0" r="0" b="0"/>
             <a:pathLst>
-              <a:path w="120000" extrusionOk="0" h="120000">
+              <a:path w="120000" h="120000" extrusionOk="0">
                 <a:moveTo>
-                  <a:pt y="0" x="0"/>
+                  <a:pt x="0" y="0"/>
                 </a:moveTo>
                 <a:lnTo>
-                  <a:pt y="0" x="120000"/>
+                  <a:pt x="120000" y="0"/>
                 </a:lnTo>
                 <a:lnTo>
-                  <a:pt y="120000" x="120000"/>
+                  <a:pt x="120000" y="120000"/>
                 </a:lnTo>
                 <a:lnTo>
-                  <a:pt y="120000" x="0"/>
+                  <a:pt x="0" y="120000"/>
                 </a:lnTo>
                 <a:close/>
               </a:path>
@@ -1371,26 +1610,30 @@
       <p:sp>
         <p:nvSpPr>
           <p:cNvPr id="66" name="Shape 66"/>
-          <p:cNvSpPr txBox="1"/>
-          <p:nvPr>
-            <p:ph idx="1" type="body"/>
-          </p:nvPr>
-        </p:nvSpPr>
-        <p:spPr>
-          <a:xfrm>
-            <a:off y="4343400" x="685800"/>
-            <a:ext cy="4114800" cx="5486399"/>
+          <p:cNvSpPr txBox="1">
+            <a:spLocks noGrp="1"/>
+          </p:cNvSpPr>
+          <p:nvPr>
+            <p:ph type="body" idx="1"/>
+          </p:nvPr>
+        </p:nvSpPr>
+        <p:spPr>
+          <a:xfrm>
+            <a:off x="685800" y="4343400"/>
+            <a:ext cx="5486399" cy="4114800"/>
           </a:xfrm>
           <a:prstGeom prst="rect">
             <a:avLst/>
           </a:prstGeom>
         </p:spPr>
         <p:txBody>
-          <a:bodyPr bIns="91425" rIns="91425" lIns="91425" tIns="91425" anchor="t" anchorCtr="0">
+          <a:bodyPr lIns="91425" tIns="91425" rIns="91425" bIns="91425" anchor="t" anchorCtr="0">
             <a:noAutofit/>
           </a:bodyPr>
           <a:lstStyle/>
-          <a:p/>
+          <a:p>
+            <a:endParaRPr/>
+          </a:p>
         </p:txBody>
       </p:sp>
     </p:spTree>
@@ -1402,49 +1645,56 @@
 </file>
 
 <file path=ppt/notesSlides/notesSlide9.xml><?xml version="1.0" encoding="utf-8"?>
-<p:notes xmlns:a="http://schemas.openxmlformats.org/drawingml/2006/main" xmlns:r="http://schemas.openxmlformats.org/officeDocument/2006/relationships" xmlns:mc="http://schemas.openxmlformats.org/markup-compatibility/2006" xmlns:mv="urn:schemas-microsoft-com:mac:vml" xmlns:p="http://schemas.openxmlformats.org/presentationml/2006/main" xmlns:c="http://schemas.openxmlformats.org/drawingml/2006/chart" xmlns:dgm="http://schemas.openxmlformats.org/drawingml/2006/diagram" xmlns:o="urn:schemas-microsoft-com:office:office" xmlns:v="urn:schemas-microsoft-com:vml" xmlns:pvml="urn:schemas-microsoft-com:office:powerpoint" xmlns:com="http://schemas.openxmlformats.org/drawingml/2006/compatibility" xmlns:p14="http://schemas.microsoft.com/office/powerpoint/2010/main" showMasterSp="0" showMasterPhAnim="0">
+<p:notes xmlns:a="http://schemas.openxmlformats.org/drawingml/2006/main" xmlns:r="http://schemas.openxmlformats.org/officeDocument/2006/relationships" xmlns:p="http://schemas.openxmlformats.org/presentationml/2006/main" showMasterSp="0" showMasterPhAnim="0">
   <p:cSld>
     <p:spTree>
       <p:nvGrpSpPr>
-        <p:cNvPr id="70" name="Shape 70"/>
+        <p:cNvPr id="1" name="Shape 70"/>
         <p:cNvGrpSpPr/>
         <p:nvPr/>
       </p:nvGrpSpPr>
       <p:grpSpPr>
         <a:xfrm>
-          <a:off y="0" x="0"/>
-          <a:ext cy="0" cx="0"/>
-          <a:chOff y="0" x="0"/>
-          <a:chExt cy="0" cx="0"/>
+          <a:off x="0" y="0"/>
+          <a:ext cx="0" cy="0"/>
+          <a:chOff x="0" y="0"/>
+          <a:chExt cx="0" cy="0"/>
         </a:xfrm>
       </p:grpSpPr>
       <p:sp>
         <p:nvSpPr>
           <p:cNvPr id="71" name="Shape 71"/>
-          <p:cNvSpPr/>
-          <p:nvPr>
-            <p:ph idx="2" type="sldImg"/>
-          </p:nvPr>
-        </p:nvSpPr>
-        <p:spPr>
-          <a:xfrm>
-            <a:off y="685800" x="381187"/>
-            <a:ext cy="3429000" cx="6096299"/>
+          <p:cNvSpPr>
+            <a:spLocks noGrp="1" noRot="1" noChangeAspect="1"/>
+          </p:cNvSpPr>
+          <p:nvPr>
+            <p:ph type="sldImg" idx="2"/>
+          </p:nvPr>
+        </p:nvSpPr>
+        <p:spPr>
+          <a:xfrm>
+            <a:off x="381187" y="685800"/>
+            <a:ext cx="6096299" cy="3429000"/>
           </a:xfrm>
           <a:custGeom>
+            <a:avLst/>
+            <a:gdLst/>
+            <a:ahLst/>
+            <a:cxnLst/>
+            <a:rect l="0" t="0" r="0" b="0"/>
             <a:pathLst>
-              <a:path w="120000" extrusionOk="0" h="120000">
+              <a:path w="120000" h="120000" extrusionOk="0">
                 <a:moveTo>
-                  <a:pt y="0" x="0"/>
+                  <a:pt x="0" y="0"/>
                 </a:moveTo>
                 <a:lnTo>
-                  <a:pt y="0" x="120000"/>
+                  <a:pt x="120000" y="0"/>
                 </a:lnTo>
                 <a:lnTo>
-                  <a:pt y="120000" x="120000"/>
+                  <a:pt x="120000" y="120000"/>
                 </a:lnTo>
                 <a:lnTo>
-                  <a:pt y="120000" x="0"/>
+                  <a:pt x="0" y="120000"/>
                 </a:lnTo>
                 <a:close/>
               </a:path>
@@ -1455,26 +1705,30 @@
       <p:sp>
         <p:nvSpPr>
           <p:cNvPr id="72" name="Shape 72"/>
-          <p:cNvSpPr txBox="1"/>
-          <p:nvPr>
-            <p:ph idx="1" type="body"/>
-          </p:nvPr>
-        </p:nvSpPr>
-        <p:spPr>
-          <a:xfrm>
-            <a:off y="4343400" x="685800"/>
-            <a:ext cy="4114800" cx="5486399"/>
+          <p:cNvSpPr txBox="1">
+            <a:spLocks noGrp="1"/>
+          </p:cNvSpPr>
+          <p:nvPr>
+            <p:ph type="body" idx="1"/>
+          </p:nvPr>
+        </p:nvSpPr>
+        <p:spPr>
+          <a:xfrm>
+            <a:off x="685800" y="4343400"/>
+            <a:ext cx="5486399" cy="4114800"/>
           </a:xfrm>
           <a:prstGeom prst="rect">
             <a:avLst/>
           </a:prstGeom>
         </p:spPr>
         <p:txBody>
-          <a:bodyPr bIns="91425" rIns="91425" lIns="91425" tIns="91425" anchor="t" anchorCtr="0">
+          <a:bodyPr lIns="91425" tIns="91425" rIns="91425" bIns="91425" anchor="t" anchorCtr="0">
             <a:noAutofit/>
           </a:bodyPr>
           <a:lstStyle/>
-          <a:p/>
+          <a:p>
+            <a:endParaRPr/>
+          </a:p>
         </p:txBody>
       </p:sp>
     </p:spTree>
@@ -1486,103 +1740,109 @@
 </file>
 
 <file path=ppt/slideLayouts/slideLayout1.xml><?xml version="1.0" encoding="utf-8"?>
-<p:sldLayout xmlns:a="http://schemas.openxmlformats.org/drawingml/2006/main" xmlns:r="http://schemas.openxmlformats.org/officeDocument/2006/relationships" xmlns:mc="http://schemas.openxmlformats.org/markup-compatibility/2006" xmlns:mv="urn:schemas-microsoft-com:mac:vml" xmlns:p="http://schemas.openxmlformats.org/presentationml/2006/main" xmlns:c="http://schemas.openxmlformats.org/drawingml/2006/chart" xmlns:dgm="http://schemas.openxmlformats.org/drawingml/2006/diagram" xmlns:o="urn:schemas-microsoft-com:office:office" xmlns:v="urn:schemas-microsoft-com:vml" xmlns:pvml="urn:schemas-microsoft-com:office:powerpoint" xmlns:com="http://schemas.openxmlformats.org/drawingml/2006/compatibility" xmlns:p14="http://schemas.microsoft.com/office/powerpoint/2010/main" type="title">
+<p:sldLayout xmlns:a="http://schemas.openxmlformats.org/drawingml/2006/main" xmlns:r="http://schemas.openxmlformats.org/officeDocument/2006/relationships" xmlns:p="http://schemas.openxmlformats.org/presentationml/2006/main" type="title">
   <p:cSld name="Title Slide">
     <p:spTree>
       <p:nvGrpSpPr>
-        <p:cNvPr id="7" name="Shape 7"/>
+        <p:cNvPr id="1" name="Shape 7"/>
         <p:cNvGrpSpPr/>
         <p:nvPr/>
       </p:nvGrpSpPr>
       <p:grpSpPr>
         <a:xfrm>
-          <a:off y="0" x="0"/>
-          <a:ext cy="0" cx="0"/>
-          <a:chOff y="0" x="0"/>
-          <a:chExt cy="0" cx="0"/>
+          <a:off x="0" y="0"/>
+          <a:ext cx="0" cy="0"/>
+          <a:chOff x="0" y="0"/>
+          <a:chExt cx="0" cy="0"/>
         </a:xfrm>
       </p:grpSpPr>
       <p:sp>
         <p:nvSpPr>
           <p:cNvPr id="8" name="Shape 8"/>
-          <p:cNvSpPr txBox="1"/>
+          <p:cNvSpPr txBox="1">
+            <a:spLocks noGrp="1"/>
+          </p:cNvSpPr>
           <p:nvPr>
             <p:ph type="ctrTitle"/>
           </p:nvPr>
         </p:nvSpPr>
         <p:spPr>
           <a:xfrm>
-            <a:off y="1583342" x="685800"/>
-            <a:ext cy="1159856" cx="7772400"/>
+            <a:off x="685800" y="1583342"/>
+            <a:ext cx="7772400" cy="1159856"/>
           </a:xfrm>
           <a:prstGeom prst="rect">
             <a:avLst/>
           </a:prstGeom>
         </p:spPr>
         <p:txBody>
-          <a:bodyPr bIns="91425" rIns="91425" lIns="91425" tIns="91425" anchor="b" anchorCtr="0"/>
+          <a:bodyPr lIns="91425" tIns="91425" rIns="91425" bIns="91425" anchor="b" anchorCtr="0"/>
           <a:lstStyle>
-            <a:lvl1pPr algn="ctr" indent="304800">
+            <a:lvl1pPr indent="304800" algn="ctr">
               <a:buSzPct val="100000"/>
               <a:defRPr sz="4800"/>
             </a:lvl1pPr>
-            <a:lvl2pPr algn="ctr" indent="304800">
+            <a:lvl2pPr indent="304800" algn="ctr">
               <a:buSzPct val="100000"/>
               <a:defRPr sz="4800"/>
             </a:lvl2pPr>
-            <a:lvl3pPr algn="ctr" indent="304800">
+            <a:lvl3pPr indent="304800" algn="ctr">
               <a:buSzPct val="100000"/>
               <a:defRPr sz="4800"/>
             </a:lvl3pPr>
-            <a:lvl4pPr algn="ctr" indent="304800">
+            <a:lvl4pPr indent="304800" algn="ctr">
               <a:buSzPct val="100000"/>
               <a:defRPr sz="4800"/>
             </a:lvl4pPr>
-            <a:lvl5pPr algn="ctr" indent="304800">
+            <a:lvl5pPr indent="304800" algn="ctr">
               <a:buSzPct val="100000"/>
               <a:defRPr sz="4800"/>
             </a:lvl5pPr>
-            <a:lvl6pPr algn="ctr" indent="304800">
+            <a:lvl6pPr indent="304800" algn="ctr">
               <a:buSzPct val="100000"/>
               <a:defRPr sz="4800"/>
             </a:lvl6pPr>
-            <a:lvl7pPr algn="ctr" indent="304800">
+            <a:lvl7pPr indent="304800" algn="ctr">
               <a:buSzPct val="100000"/>
               <a:defRPr sz="4800"/>
             </a:lvl7pPr>
-            <a:lvl8pPr algn="ctr" indent="304800">
+            <a:lvl8pPr indent="304800" algn="ctr">
               <a:buSzPct val="100000"/>
               <a:defRPr sz="4800"/>
             </a:lvl8pPr>
-            <a:lvl9pPr algn="ctr" indent="304800">
+            <a:lvl9pPr indent="304800" algn="ctr">
               <a:buSzPct val="100000"/>
               <a:defRPr sz="4800"/>
             </a:lvl9pPr>
           </a:lstStyle>
-          <a:p/>
+          <a:p>
+            <a:endParaRPr/>
+          </a:p>
         </p:txBody>
       </p:sp>
       <p:sp>
         <p:nvSpPr>
           <p:cNvPr id="9" name="Shape 9"/>
-          <p:cNvSpPr txBox="1"/>
-          <p:nvPr>
-            <p:ph idx="1" type="subTitle"/>
-          </p:nvPr>
-        </p:nvSpPr>
-        <p:spPr>
-          <a:xfrm>
-            <a:off y="2840053" x="685800"/>
-            <a:ext cy="784737" cx="7772400"/>
+          <p:cNvSpPr txBox="1">
+            <a:spLocks noGrp="1"/>
+          </p:cNvSpPr>
+          <p:nvPr>
+            <p:ph type="subTitle" idx="1"/>
+          </p:nvPr>
+        </p:nvSpPr>
+        <p:spPr>
+          <a:xfrm>
+            <a:off x="685800" y="2840053"/>
+            <a:ext cx="7772400" cy="784737"/>
           </a:xfrm>
           <a:prstGeom prst="rect">
             <a:avLst/>
           </a:prstGeom>
         </p:spPr>
         <p:txBody>
-          <a:bodyPr bIns="91425" rIns="91425" lIns="91425" tIns="91425" anchor="t" anchorCtr="0"/>
+          <a:bodyPr lIns="91425" tIns="91425" rIns="91425" bIns="91425" anchor="t" anchorCtr="0"/>
           <a:lstStyle>
-            <a:lvl1pPr algn="ctr" marL="0">
+            <a:lvl1pPr marL="0" algn="ctr">
               <a:spcBef>
                 <a:spcPts val="0"/>
               </a:spcBef>
@@ -1596,7 +1856,7 @@
                 </a:solidFill>
               </a:defRPr>
             </a:lvl1pPr>
-            <a:lvl2pPr algn="ctr" indent="190500" marL="0">
+            <a:lvl2pPr marL="0" indent="190500" algn="ctr">
               <a:spcBef>
                 <a:spcPts val="0"/>
               </a:spcBef>
@@ -1611,7 +1871,7 @@
                 </a:solidFill>
               </a:defRPr>
             </a:lvl2pPr>
-            <a:lvl3pPr algn="ctr" indent="190500" marL="0">
+            <a:lvl3pPr marL="0" indent="190500" algn="ctr">
               <a:spcBef>
                 <a:spcPts val="0"/>
               </a:spcBef>
@@ -1626,7 +1886,7 @@
                 </a:solidFill>
               </a:defRPr>
             </a:lvl3pPr>
-            <a:lvl4pPr algn="ctr" indent="190500" marL="0">
+            <a:lvl4pPr marL="0" indent="190500" algn="ctr">
               <a:spcBef>
                 <a:spcPts val="0"/>
               </a:spcBef>
@@ -1641,7 +1901,7 @@
                 </a:solidFill>
               </a:defRPr>
             </a:lvl4pPr>
-            <a:lvl5pPr algn="ctr" indent="190500" marL="0">
+            <a:lvl5pPr marL="0" indent="190500" algn="ctr">
               <a:spcBef>
                 <a:spcPts val="0"/>
               </a:spcBef>
@@ -1656,7 +1916,7 @@
                 </a:solidFill>
               </a:defRPr>
             </a:lvl5pPr>
-            <a:lvl6pPr algn="ctr" indent="190500" marL="0">
+            <a:lvl6pPr marL="0" indent="190500" algn="ctr">
               <a:spcBef>
                 <a:spcPts val="0"/>
               </a:spcBef>
@@ -1671,7 +1931,7 @@
                 </a:solidFill>
               </a:defRPr>
             </a:lvl6pPr>
-            <a:lvl7pPr algn="ctr" indent="190500" marL="0">
+            <a:lvl7pPr marL="0" indent="190500" algn="ctr">
               <a:spcBef>
                 <a:spcPts val="0"/>
               </a:spcBef>
@@ -1686,7 +1946,7 @@
                 </a:solidFill>
               </a:defRPr>
             </a:lvl7pPr>
-            <a:lvl8pPr algn="ctr" indent="190500" marL="0">
+            <a:lvl8pPr marL="0" indent="190500" algn="ctr">
               <a:spcBef>
                 <a:spcPts val="0"/>
               </a:spcBef>
@@ -1701,7 +1961,7 @@
                 </a:solidFill>
               </a:defRPr>
             </a:lvl8pPr>
-            <a:lvl9pPr algn="ctr" indent="190500" marL="0">
+            <a:lvl9pPr marL="0" indent="190500" algn="ctr">
               <a:spcBef>
                 <a:spcPts val="0"/>
               </a:spcBef>
@@ -1717,7 +1977,9 @@
               </a:defRPr>
             </a:lvl9pPr>
           </a:lstStyle>
-          <a:p/>
+          <a:p>
+            <a:endParaRPr/>
+          </a:p>
         </p:txBody>
       </p:sp>
     </p:spTree>
@@ -1729,41 +1991,43 @@
 </file>
 
 <file path=ppt/slideLayouts/slideLayout2.xml><?xml version="1.0" encoding="utf-8"?>
-<p:sldLayout xmlns:a="http://schemas.openxmlformats.org/drawingml/2006/main" xmlns:r="http://schemas.openxmlformats.org/officeDocument/2006/relationships" xmlns:mc="http://schemas.openxmlformats.org/markup-compatibility/2006" xmlns:mv="urn:schemas-microsoft-com:mac:vml" xmlns:p="http://schemas.openxmlformats.org/presentationml/2006/main" xmlns:c="http://schemas.openxmlformats.org/drawingml/2006/chart" xmlns:dgm="http://schemas.openxmlformats.org/drawingml/2006/diagram" xmlns:o="urn:schemas-microsoft-com:office:office" xmlns:v="urn:schemas-microsoft-com:vml" xmlns:pvml="urn:schemas-microsoft-com:office:powerpoint" xmlns:com="http://schemas.openxmlformats.org/drawingml/2006/compatibility" xmlns:p14="http://schemas.microsoft.com/office/powerpoint/2010/main" type="tx">
+<p:sldLayout xmlns:a="http://schemas.openxmlformats.org/drawingml/2006/main" xmlns:r="http://schemas.openxmlformats.org/officeDocument/2006/relationships" xmlns:p="http://schemas.openxmlformats.org/presentationml/2006/main" type="tx">
   <p:cSld name="Title and Body">
     <p:spTree>
       <p:nvGrpSpPr>
-        <p:cNvPr id="10" name="Shape 10"/>
+        <p:cNvPr id="1" name="Shape 10"/>
         <p:cNvGrpSpPr/>
         <p:nvPr/>
       </p:nvGrpSpPr>
       <p:grpSpPr>
         <a:xfrm>
-          <a:off y="0" x="0"/>
-          <a:ext cy="0" cx="0"/>
-          <a:chOff y="0" x="0"/>
-          <a:chExt cy="0" cx="0"/>
+          <a:off x="0" y="0"/>
+          <a:ext cx="0" cy="0"/>
+          <a:chOff x="0" y="0"/>
+          <a:chExt cx="0" cy="0"/>
         </a:xfrm>
       </p:grpSpPr>
       <p:sp>
         <p:nvSpPr>
           <p:cNvPr id="11" name="Shape 11"/>
-          <p:cNvSpPr txBox="1"/>
+          <p:cNvSpPr txBox="1">
+            <a:spLocks noGrp="1"/>
+          </p:cNvSpPr>
           <p:nvPr>
             <p:ph type="title"/>
           </p:nvPr>
         </p:nvSpPr>
         <p:spPr>
           <a:xfrm>
-            <a:off y="205978" x="457200"/>
-            <a:ext cy="857250" cx="8229600"/>
+            <a:off x="457200" y="205978"/>
+            <a:ext cx="8229600" cy="857250"/>
           </a:xfrm>
           <a:prstGeom prst="rect">
             <a:avLst/>
           </a:prstGeom>
         </p:spPr>
         <p:txBody>
-          <a:bodyPr bIns="91425" rIns="91425" lIns="91425" tIns="91425" anchor="b" anchorCtr="0"/>
+          <a:bodyPr lIns="91425" tIns="91425" rIns="91425" bIns="91425" anchor="b" anchorCtr="0"/>
           <a:lstStyle>
             <a:lvl1pPr>
               <a:defRPr/>
@@ -1793,28 +2057,32 @@
               <a:defRPr/>
             </a:lvl9pPr>
           </a:lstStyle>
-          <a:p/>
+          <a:p>
+            <a:endParaRPr/>
+          </a:p>
         </p:txBody>
       </p:sp>
       <p:sp>
         <p:nvSpPr>
           <p:cNvPr id="12" name="Shape 12"/>
-          <p:cNvSpPr txBox="1"/>
-          <p:nvPr>
-            <p:ph idx="1" type="body"/>
-          </p:nvPr>
-        </p:nvSpPr>
-        <p:spPr>
-          <a:xfrm>
-            <a:off y="1200150" x="457200"/>
-            <a:ext cy="3725680" cx="8229600"/>
+          <p:cNvSpPr txBox="1">
+            <a:spLocks noGrp="1"/>
+          </p:cNvSpPr>
+          <p:nvPr>
+            <p:ph type="body" idx="1"/>
+          </p:nvPr>
+        </p:nvSpPr>
+        <p:spPr>
+          <a:xfrm>
+            <a:off x="457200" y="1200150"/>
+            <a:ext cx="8229600" cy="3725680"/>
           </a:xfrm>
           <a:prstGeom prst="rect">
             <a:avLst/>
           </a:prstGeom>
         </p:spPr>
         <p:txBody>
-          <a:bodyPr bIns="91425" rIns="91425" lIns="91425" tIns="91425" anchor="t" anchorCtr="0"/>
+          <a:bodyPr lIns="91425" tIns="91425" rIns="91425" bIns="91425" anchor="t" anchorCtr="0"/>
           <a:lstStyle>
             <a:lvl1pPr>
               <a:defRPr/>
@@ -1844,7 +2112,9 @@
               <a:defRPr/>
             </a:lvl9pPr>
           </a:lstStyle>
-          <a:p/>
+          <a:p>
+            <a:endParaRPr/>
+          </a:p>
         </p:txBody>
       </p:sp>
     </p:spTree>
@@ -1856,41 +2126,43 @@
 </file>
 
 <file path=ppt/slideLayouts/slideLayout3.xml><?xml version="1.0" encoding="utf-8"?>
-<p:sldLayout xmlns:a="http://schemas.openxmlformats.org/drawingml/2006/main" xmlns:r="http://schemas.openxmlformats.org/officeDocument/2006/relationships" xmlns:mc="http://schemas.openxmlformats.org/markup-compatibility/2006" xmlns:mv="urn:schemas-microsoft-com:mac:vml" xmlns:p="http://schemas.openxmlformats.org/presentationml/2006/main" xmlns:c="http://schemas.openxmlformats.org/drawingml/2006/chart" xmlns:dgm="http://schemas.openxmlformats.org/drawingml/2006/diagram" xmlns:o="urn:schemas-microsoft-com:office:office" xmlns:v="urn:schemas-microsoft-com:vml" xmlns:pvml="urn:schemas-microsoft-com:office:powerpoint" xmlns:com="http://schemas.openxmlformats.org/drawingml/2006/compatibility" xmlns:p14="http://schemas.microsoft.com/office/powerpoint/2010/main" type="twoColTx">
+<p:sldLayout xmlns:a="http://schemas.openxmlformats.org/drawingml/2006/main" xmlns:r="http://schemas.openxmlformats.org/officeDocument/2006/relationships" xmlns:p="http://schemas.openxmlformats.org/presentationml/2006/main" type="twoColTx">
   <p:cSld name="Title and Two Columns">
     <p:spTree>
       <p:nvGrpSpPr>
-        <p:cNvPr id="13" name="Shape 13"/>
+        <p:cNvPr id="1" name="Shape 13"/>
         <p:cNvGrpSpPr/>
         <p:nvPr/>
       </p:nvGrpSpPr>
       <p:grpSpPr>
         <a:xfrm>
-          <a:off y="0" x="0"/>
-          <a:ext cy="0" cx="0"/>
-          <a:chOff y="0" x="0"/>
-          <a:chExt cy="0" cx="0"/>
+          <a:off x="0" y="0"/>
+          <a:ext cx="0" cy="0"/>
+          <a:chOff x="0" y="0"/>
+          <a:chExt cx="0" cy="0"/>
         </a:xfrm>
       </p:grpSpPr>
       <p:sp>
         <p:nvSpPr>
           <p:cNvPr id="14" name="Shape 14"/>
-          <p:cNvSpPr txBox="1"/>
+          <p:cNvSpPr txBox="1">
+            <a:spLocks noGrp="1"/>
+          </p:cNvSpPr>
           <p:nvPr>
             <p:ph type="title"/>
           </p:nvPr>
         </p:nvSpPr>
         <p:spPr>
           <a:xfrm>
-            <a:off y="205978" x="457200"/>
-            <a:ext cy="857250" cx="8229600"/>
+            <a:off x="457200" y="205978"/>
+            <a:ext cx="8229600" cy="857250"/>
           </a:xfrm>
           <a:prstGeom prst="rect">
             <a:avLst/>
           </a:prstGeom>
         </p:spPr>
         <p:txBody>
-          <a:bodyPr bIns="91425" rIns="91425" lIns="91425" tIns="91425" anchor="b" anchorCtr="0"/>
+          <a:bodyPr lIns="91425" tIns="91425" rIns="91425" bIns="91425" anchor="b" anchorCtr="0"/>
           <a:lstStyle>
             <a:lvl1pPr>
               <a:defRPr/>
@@ -1920,28 +2192,32 @@
               <a:defRPr/>
             </a:lvl9pPr>
           </a:lstStyle>
-          <a:p/>
+          <a:p>
+            <a:endParaRPr/>
+          </a:p>
         </p:txBody>
       </p:sp>
       <p:sp>
         <p:nvSpPr>
           <p:cNvPr id="15" name="Shape 15"/>
-          <p:cNvSpPr txBox="1"/>
-          <p:nvPr>
-            <p:ph idx="1" type="body"/>
-          </p:nvPr>
-        </p:nvSpPr>
-        <p:spPr>
-          <a:xfrm>
-            <a:off y="1200150" x="457200"/>
-            <a:ext cy="3725680" cx="3994525"/>
+          <p:cNvSpPr txBox="1">
+            <a:spLocks noGrp="1"/>
+          </p:cNvSpPr>
+          <p:nvPr>
+            <p:ph type="body" idx="1"/>
+          </p:nvPr>
+        </p:nvSpPr>
+        <p:spPr>
+          <a:xfrm>
+            <a:off x="457200" y="1200150"/>
+            <a:ext cx="3994525" cy="3725680"/>
           </a:xfrm>
           <a:prstGeom prst="rect">
             <a:avLst/>
           </a:prstGeom>
         </p:spPr>
         <p:txBody>
-          <a:bodyPr bIns="91425" rIns="91425" lIns="91425" tIns="91425" anchor="t" anchorCtr="0"/>
+          <a:bodyPr lIns="91425" tIns="91425" rIns="91425" bIns="91425" anchor="t" anchorCtr="0"/>
           <a:lstStyle>
             <a:lvl1pPr>
               <a:defRPr/>
@@ -1971,28 +2247,32 @@
               <a:defRPr/>
             </a:lvl9pPr>
           </a:lstStyle>
-          <a:p/>
+          <a:p>
+            <a:endParaRPr/>
+          </a:p>
         </p:txBody>
       </p:sp>
       <p:sp>
         <p:nvSpPr>
           <p:cNvPr id="16" name="Shape 16"/>
-          <p:cNvSpPr txBox="1"/>
-          <p:nvPr>
-            <p:ph idx="2" type="body"/>
-          </p:nvPr>
-        </p:nvSpPr>
-        <p:spPr>
-          <a:xfrm>
-            <a:off y="1200150" x="4692273"/>
-            <a:ext cy="3725680" cx="3994525"/>
+          <p:cNvSpPr txBox="1">
+            <a:spLocks noGrp="1"/>
+          </p:cNvSpPr>
+          <p:nvPr>
+            <p:ph type="body" idx="2"/>
+          </p:nvPr>
+        </p:nvSpPr>
+        <p:spPr>
+          <a:xfrm>
+            <a:off x="4692273" y="1200150"/>
+            <a:ext cx="3994525" cy="3725680"/>
           </a:xfrm>
           <a:prstGeom prst="rect">
             <a:avLst/>
           </a:prstGeom>
         </p:spPr>
         <p:txBody>
-          <a:bodyPr bIns="91425" rIns="91425" lIns="91425" tIns="91425" anchor="t" anchorCtr="0"/>
+          <a:bodyPr lIns="91425" tIns="91425" rIns="91425" bIns="91425" anchor="t" anchorCtr="0"/>
           <a:lstStyle>
             <a:lvl1pPr>
               <a:defRPr/>
@@ -2022,7 +2302,9 @@
               <a:defRPr/>
             </a:lvl9pPr>
           </a:lstStyle>
-          <a:p/>
+          <a:p>
+            <a:endParaRPr/>
+          </a:p>
         </p:txBody>
       </p:sp>
     </p:spTree>
@@ -2034,41 +2316,43 @@
 </file>
 
 <file path=ppt/slideLayouts/slideLayout4.xml><?xml version="1.0" encoding="utf-8"?>
-<p:sldLayout xmlns:a="http://schemas.openxmlformats.org/drawingml/2006/main" xmlns:r="http://schemas.openxmlformats.org/officeDocument/2006/relationships" xmlns:mc="http://schemas.openxmlformats.org/markup-compatibility/2006" xmlns:mv="urn:schemas-microsoft-com:mac:vml" xmlns:p="http://schemas.openxmlformats.org/presentationml/2006/main" xmlns:c="http://schemas.openxmlformats.org/drawingml/2006/chart" xmlns:dgm="http://schemas.openxmlformats.org/drawingml/2006/diagram" xmlns:o="urn:schemas-microsoft-com:office:office" xmlns:v="urn:schemas-microsoft-com:vml" xmlns:pvml="urn:schemas-microsoft-com:office:powerpoint" xmlns:com="http://schemas.openxmlformats.org/drawingml/2006/compatibility" xmlns:p14="http://schemas.microsoft.com/office/powerpoint/2010/main" type="titleOnly">
+<p:sldLayout xmlns:a="http://schemas.openxmlformats.org/drawingml/2006/main" xmlns:r="http://schemas.openxmlformats.org/officeDocument/2006/relationships" xmlns:p="http://schemas.openxmlformats.org/presentationml/2006/main" type="titleOnly">
   <p:cSld name="Title Only">
     <p:spTree>
       <p:nvGrpSpPr>
-        <p:cNvPr id="17" name="Shape 17"/>
+        <p:cNvPr id="1" name="Shape 17"/>
         <p:cNvGrpSpPr/>
         <p:nvPr/>
       </p:nvGrpSpPr>
       <p:grpSpPr>
         <a:xfrm>
-          <a:off y="0" x="0"/>
-          <a:ext cy="0" cx="0"/>
-          <a:chOff y="0" x="0"/>
-          <a:chExt cy="0" cx="0"/>
+          <a:off x="0" y="0"/>
+          <a:ext cx="0" cy="0"/>
+          <a:chOff x="0" y="0"/>
+          <a:chExt cx="0" cy="0"/>
         </a:xfrm>
       </p:grpSpPr>
       <p:sp>
         <p:nvSpPr>
           <p:cNvPr id="18" name="Shape 18"/>
-          <p:cNvSpPr txBox="1"/>
+          <p:cNvSpPr txBox="1">
+            <a:spLocks noGrp="1"/>
+          </p:cNvSpPr>
           <p:nvPr>
             <p:ph type="title"/>
           </p:nvPr>
         </p:nvSpPr>
         <p:spPr>
           <a:xfrm>
-            <a:off y="205978" x="457200"/>
-            <a:ext cy="857250" cx="8229600"/>
+            <a:off x="457200" y="205978"/>
+            <a:ext cx="8229600" cy="857250"/>
           </a:xfrm>
           <a:prstGeom prst="rect">
             <a:avLst/>
           </a:prstGeom>
         </p:spPr>
         <p:txBody>
-          <a:bodyPr bIns="91425" rIns="91425" lIns="91425" tIns="91425" anchor="b" anchorCtr="0"/>
+          <a:bodyPr lIns="91425" tIns="91425" rIns="91425" bIns="91425" anchor="b" anchorCtr="0"/>
           <a:lstStyle>
             <a:lvl1pPr>
               <a:defRPr/>
@@ -2098,7 +2382,9 @@
               <a:defRPr/>
             </a:lvl9pPr>
           </a:lstStyle>
-          <a:p/>
+          <a:p>
+            <a:endParaRPr/>
+          </a:p>
         </p:txBody>
       </p:sp>
     </p:spTree>
@@ -2110,43 +2396,45 @@
 </file>
 
 <file path=ppt/slideLayouts/slideLayout5.xml><?xml version="1.0" encoding="utf-8"?>
-<p:sldLayout xmlns:a="http://schemas.openxmlformats.org/drawingml/2006/main" xmlns:r="http://schemas.openxmlformats.org/officeDocument/2006/relationships" xmlns:mc="http://schemas.openxmlformats.org/markup-compatibility/2006" xmlns:mv="urn:schemas-microsoft-com:mac:vml" xmlns:p="http://schemas.openxmlformats.org/presentationml/2006/main" xmlns:c="http://schemas.openxmlformats.org/drawingml/2006/chart" xmlns:dgm="http://schemas.openxmlformats.org/drawingml/2006/diagram" xmlns:o="urn:schemas-microsoft-com:office:office" xmlns:v="urn:schemas-microsoft-com:vml" xmlns:pvml="urn:schemas-microsoft-com:office:powerpoint" xmlns:com="http://schemas.openxmlformats.org/drawingml/2006/compatibility" xmlns:p14="http://schemas.microsoft.com/office/powerpoint/2010/main">
+<p:sldLayout xmlns:a="http://schemas.openxmlformats.org/drawingml/2006/main" xmlns:r="http://schemas.openxmlformats.org/officeDocument/2006/relationships" xmlns:p="http://schemas.openxmlformats.org/presentationml/2006/main">
   <p:cSld name="Caption">
     <p:spTree>
       <p:nvGrpSpPr>
-        <p:cNvPr id="19" name="Shape 19"/>
+        <p:cNvPr id="1" name="Shape 19"/>
         <p:cNvGrpSpPr/>
         <p:nvPr/>
       </p:nvGrpSpPr>
       <p:grpSpPr>
         <a:xfrm>
-          <a:off y="0" x="0"/>
-          <a:ext cy="0" cx="0"/>
-          <a:chOff y="0" x="0"/>
-          <a:chExt cy="0" cx="0"/>
+          <a:off x="0" y="0"/>
+          <a:ext cx="0" cy="0"/>
+          <a:chOff x="0" y="0"/>
+          <a:chExt cx="0" cy="0"/>
         </a:xfrm>
       </p:grpSpPr>
       <p:sp>
         <p:nvSpPr>
           <p:cNvPr id="20" name="Shape 20"/>
-          <p:cNvSpPr txBox="1"/>
-          <p:nvPr>
-            <p:ph idx="1" type="body"/>
-          </p:nvPr>
-        </p:nvSpPr>
-        <p:spPr>
-          <a:xfrm>
-            <a:off y="4406309" x="457200"/>
-            <a:ext cy="519520" cx="8229600"/>
+          <p:cNvSpPr txBox="1">
+            <a:spLocks noGrp="1"/>
+          </p:cNvSpPr>
+          <p:nvPr>
+            <p:ph type="body" idx="1"/>
+          </p:nvPr>
+        </p:nvSpPr>
+        <p:spPr>
+          <a:xfrm>
+            <a:off x="457200" y="4406309"/>
+            <a:ext cx="8229600" cy="519520"/>
           </a:xfrm>
           <a:prstGeom prst="rect">
             <a:avLst/>
           </a:prstGeom>
         </p:spPr>
         <p:txBody>
-          <a:bodyPr bIns="91425" rIns="91425" lIns="91425" tIns="91425" anchor="t" anchorCtr="0"/>
+          <a:bodyPr lIns="91425" tIns="91425" rIns="91425" bIns="91425" anchor="t" anchorCtr="0"/>
           <a:lstStyle>
-            <a:lvl1pPr algn="ctr" indent="-171450" marL="285750">
+            <a:lvl1pPr marL="285750" indent="-171450" algn="ctr">
               <a:spcBef>
                 <a:spcPts val="360"/>
               </a:spcBef>
@@ -2155,7 +2443,9 @@
               <a:defRPr sz="1800"/>
             </a:lvl1pPr>
           </a:lstStyle>
-          <a:p/>
+          <a:p>
+            <a:endParaRPr/>
+          </a:p>
         </p:txBody>
       </p:sp>
     </p:spTree>
@@ -2167,20 +2457,20 @@
 </file>
 
 <file path=ppt/slideLayouts/slideLayout6.xml><?xml version="1.0" encoding="utf-8"?>
-<p:sldLayout xmlns:a="http://schemas.openxmlformats.org/drawingml/2006/main" xmlns:r="http://schemas.openxmlformats.org/officeDocument/2006/relationships" xmlns:mc="http://schemas.openxmlformats.org/markup-compatibility/2006" xmlns:mv="urn:schemas-microsoft-com:mac:vml" xmlns:p="http://schemas.openxmlformats.org/presentationml/2006/main" xmlns:c="http://schemas.openxmlformats.org/drawingml/2006/chart" xmlns:dgm="http://schemas.openxmlformats.org/drawingml/2006/diagram" xmlns:o="urn:schemas-microsoft-com:office:office" xmlns:v="urn:schemas-microsoft-com:vml" xmlns:pvml="urn:schemas-microsoft-com:office:powerpoint" xmlns:com="http://schemas.openxmlformats.org/drawingml/2006/compatibility" xmlns:p14="http://schemas.microsoft.com/office/powerpoint/2010/main" type="blank">
+<p:sldLayout xmlns:a="http://schemas.openxmlformats.org/drawingml/2006/main" xmlns:r="http://schemas.openxmlformats.org/officeDocument/2006/relationships" xmlns:p="http://schemas.openxmlformats.org/presentationml/2006/main" type="blank">
   <p:cSld name="Blank">
     <p:spTree>
       <p:nvGrpSpPr>
-        <p:cNvPr id="21" name="Shape 21"/>
+        <p:cNvPr id="1" name="Shape 21"/>
         <p:cNvGrpSpPr/>
         <p:nvPr/>
       </p:nvGrpSpPr>
       <p:grpSpPr>
         <a:xfrm>
-          <a:off y="0" x="0"/>
-          <a:ext cy="0" cx="0"/>
-          <a:chOff y="0" x="0"/>
-          <a:chExt cy="0" cx="0"/>
+          <a:off x="0" y="0"/>
+          <a:ext cx="0" cy="0"/>
+          <a:chOff x="0" y="0"/>
+          <a:chExt cx="0" cy="0"/>
         </a:xfrm>
       </p:grpSpPr>
     </p:spTree>
@@ -2192,48 +2482,51 @@
 </file>
 
 <file path=ppt/slideMasters/slideMaster1.xml><?xml version="1.0" encoding="utf-8"?>
-<p:sldMaster xmlns:a="http://schemas.openxmlformats.org/drawingml/2006/main" xmlns:r="http://schemas.openxmlformats.org/officeDocument/2006/relationships" xmlns:mc="http://schemas.openxmlformats.org/markup-compatibility/2006" xmlns:mv="urn:schemas-microsoft-com:mac:vml" xmlns:p="http://schemas.openxmlformats.org/presentationml/2006/main" xmlns:c="http://schemas.openxmlformats.org/drawingml/2006/chart" xmlns:dgm="http://schemas.openxmlformats.org/drawingml/2006/diagram" xmlns:o="urn:schemas-microsoft-com:office:office" xmlns:v="urn:schemas-microsoft-com:vml" xmlns:pvml="urn:schemas-microsoft-com:office:powerpoint" xmlns:com="http://schemas.openxmlformats.org/drawingml/2006/compatibility" xmlns:p14="http://schemas.microsoft.com/office/powerpoint/2010/main">
+<p:sldMaster xmlns:a="http://schemas.openxmlformats.org/drawingml/2006/main" xmlns:r="http://schemas.openxmlformats.org/officeDocument/2006/relationships" xmlns:p="http://schemas.openxmlformats.org/presentationml/2006/main">
   <p:cSld>
     <p:bg>
       <p:bgPr>
         <a:solidFill>
           <a:schemeClr val="lt1"/>
         </a:solidFill>
+        <a:effectLst/>
       </p:bgPr>
     </p:bg>
     <p:spTree>
       <p:nvGrpSpPr>
-        <p:cNvPr id="4" name="Shape 4"/>
+        <p:cNvPr id="1" name="Shape 4"/>
         <p:cNvGrpSpPr/>
         <p:nvPr/>
       </p:nvGrpSpPr>
       <p:grpSpPr>
         <a:xfrm>
-          <a:off y="0" x="0"/>
-          <a:ext cy="0" cx="0"/>
-          <a:chOff y="0" x="0"/>
-          <a:chExt cy="0" cx="0"/>
+          <a:off x="0" y="0"/>
+          <a:ext cx="0" cy="0"/>
+          <a:chOff x="0" y="0"/>
+          <a:chExt cx="0" cy="0"/>
         </a:xfrm>
       </p:grpSpPr>
       <p:sp>
         <p:nvSpPr>
           <p:cNvPr id="5" name="Shape 5"/>
-          <p:cNvSpPr txBox="1"/>
+          <p:cNvSpPr txBox="1">
+            <a:spLocks noGrp="1"/>
+          </p:cNvSpPr>
           <p:nvPr>
             <p:ph type="title"/>
           </p:nvPr>
         </p:nvSpPr>
         <p:spPr>
           <a:xfrm>
-            <a:off y="205978" x="457200"/>
-            <a:ext cy="857250" cx="8229600"/>
+            <a:off x="457200" y="205978"/>
+            <a:ext cx="8229600" cy="857250"/>
           </a:xfrm>
           <a:prstGeom prst="rect">
             <a:avLst/>
           </a:prstGeom>
         </p:spPr>
         <p:txBody>
-          <a:bodyPr bIns="91425" rIns="91425" lIns="91425" tIns="91425" anchor="b" anchorCtr="0"/>
+          <a:bodyPr lIns="91425" tIns="91425" rIns="91425" bIns="91425" anchor="b" anchorCtr="0"/>
           <a:lstStyle>
             <a:lvl1pPr marL="0">
               <a:buClr>
@@ -2241,133 +2534,137 @@
               </a:buClr>
               <a:buSzPct val="100000"/>
               <a:buNone/>
-              <a:defRPr b="1" sz="3600">
+              <a:defRPr sz="3600" b="1">
                 <a:solidFill>
                   <a:schemeClr val="dk1"/>
                 </a:solidFill>
               </a:defRPr>
             </a:lvl1pPr>
-            <a:lvl2pPr indent="228600" marL="0">
+            <a:lvl2pPr marL="0" indent="228600">
               <a:buClr>
                 <a:schemeClr val="dk1"/>
               </a:buClr>
               <a:buSzPct val="100000"/>
               <a:buNone/>
-              <a:defRPr b="1" sz="3600">
+              <a:defRPr sz="3600" b="1">
                 <a:solidFill>
                   <a:schemeClr val="dk1"/>
                 </a:solidFill>
               </a:defRPr>
             </a:lvl2pPr>
-            <a:lvl3pPr indent="228600" marL="0">
+            <a:lvl3pPr marL="0" indent="228600">
               <a:buClr>
                 <a:schemeClr val="dk1"/>
               </a:buClr>
               <a:buSzPct val="100000"/>
               <a:buNone/>
-              <a:defRPr b="1" sz="3600">
+              <a:defRPr sz="3600" b="1">
                 <a:solidFill>
                   <a:schemeClr val="dk1"/>
                 </a:solidFill>
               </a:defRPr>
             </a:lvl3pPr>
-            <a:lvl4pPr indent="228600" marL="0">
+            <a:lvl4pPr marL="0" indent="228600">
               <a:buClr>
                 <a:schemeClr val="dk1"/>
               </a:buClr>
               <a:buSzPct val="100000"/>
               <a:buNone/>
-              <a:defRPr b="1" sz="3600">
+              <a:defRPr sz="3600" b="1">
                 <a:solidFill>
                   <a:schemeClr val="dk1"/>
                 </a:solidFill>
               </a:defRPr>
             </a:lvl4pPr>
-            <a:lvl5pPr indent="228600" marL="0">
+            <a:lvl5pPr marL="0" indent="228600">
               <a:buClr>
                 <a:schemeClr val="dk1"/>
               </a:buClr>
               <a:buSzPct val="100000"/>
               <a:buNone/>
-              <a:defRPr b="1" sz="3600">
+              <a:defRPr sz="3600" b="1">
                 <a:solidFill>
                   <a:schemeClr val="dk1"/>
                 </a:solidFill>
               </a:defRPr>
             </a:lvl5pPr>
-            <a:lvl6pPr indent="228600" marL="0">
+            <a:lvl6pPr marL="0" indent="228600">
               <a:buClr>
                 <a:schemeClr val="dk1"/>
               </a:buClr>
               <a:buSzPct val="100000"/>
               <a:buNone/>
-              <a:defRPr b="1" sz="3600">
+              <a:defRPr sz="3600" b="1">
                 <a:solidFill>
                   <a:schemeClr val="dk1"/>
                 </a:solidFill>
               </a:defRPr>
             </a:lvl6pPr>
-            <a:lvl7pPr indent="228600" marL="0">
+            <a:lvl7pPr marL="0" indent="228600">
               <a:buClr>
                 <a:schemeClr val="dk1"/>
               </a:buClr>
               <a:buSzPct val="100000"/>
               <a:buNone/>
-              <a:defRPr b="1" sz="3600">
+              <a:defRPr sz="3600" b="1">
                 <a:solidFill>
                   <a:schemeClr val="dk1"/>
                 </a:solidFill>
               </a:defRPr>
             </a:lvl7pPr>
-            <a:lvl8pPr indent="228600" marL="0">
+            <a:lvl8pPr marL="0" indent="228600">
               <a:buClr>
                 <a:schemeClr val="dk1"/>
               </a:buClr>
               <a:buSzPct val="100000"/>
               <a:buNone/>
-              <a:defRPr b="1" sz="3600">
+              <a:defRPr sz="3600" b="1">
                 <a:solidFill>
                   <a:schemeClr val="dk1"/>
                 </a:solidFill>
               </a:defRPr>
             </a:lvl8pPr>
-            <a:lvl9pPr indent="228600" marL="0">
+            <a:lvl9pPr marL="0" indent="228600">
               <a:buClr>
                 <a:schemeClr val="dk1"/>
               </a:buClr>
               <a:buSzPct val="100000"/>
               <a:buNone/>
-              <a:defRPr b="1" sz="3600">
+              <a:defRPr sz="3600" b="1">
                 <a:solidFill>
                   <a:schemeClr val="dk1"/>
                 </a:solidFill>
               </a:defRPr>
             </a:lvl9pPr>
           </a:lstStyle>
-          <a:p/>
+          <a:p>
+            <a:endParaRPr/>
+          </a:p>
         </p:txBody>
       </p:sp>
       <p:sp>
         <p:nvSpPr>
           <p:cNvPr id="6" name="Shape 6"/>
-          <p:cNvSpPr txBox="1"/>
-          <p:nvPr>
-            <p:ph idx="1" type="body"/>
-          </p:nvPr>
-        </p:nvSpPr>
-        <p:spPr>
-          <a:xfrm>
-            <a:off y="1200150" x="457200"/>
-            <a:ext cy="3725680" cx="8229600"/>
+          <p:cNvSpPr txBox="1">
+            <a:spLocks noGrp="1"/>
+          </p:cNvSpPr>
+          <p:nvPr>
+            <p:ph type="body" idx="1"/>
+          </p:nvPr>
+        </p:nvSpPr>
+        <p:spPr>
+          <a:xfrm>
+            <a:off x="457200" y="1200150"/>
+            <a:ext cx="8229600" cy="3725680"/>
           </a:xfrm>
           <a:prstGeom prst="rect">
             <a:avLst/>
           </a:prstGeom>
         </p:spPr>
         <p:txBody>
-          <a:bodyPr bIns="91425" rIns="91425" lIns="91425" tIns="91425" anchor="t" anchorCtr="0"/>
+          <a:bodyPr lIns="91425" tIns="91425" rIns="91425" bIns="91425" anchor="t" anchorCtr="0"/>
           <a:lstStyle>
-            <a:lvl1pPr indent="-152400" marL="342900">
+            <a:lvl1pPr marL="342900" indent="-152400">
               <a:spcBef>
                 <a:spcPts val="600"/>
               </a:spcBef>
@@ -2381,7 +2678,7 @@
                 </a:solidFill>
               </a:defRPr>
             </a:lvl1pPr>
-            <a:lvl2pPr indent="-133350" marL="742950">
+            <a:lvl2pPr marL="742950" indent="-133350">
               <a:spcBef>
                 <a:spcPts val="480"/>
               </a:spcBef>
@@ -2395,7 +2692,7 @@
                 </a:solidFill>
               </a:defRPr>
             </a:lvl2pPr>
-            <a:lvl3pPr indent="-76200" marL="1143000">
+            <a:lvl3pPr marL="1143000" indent="-76200">
               <a:spcBef>
                 <a:spcPts val="480"/>
               </a:spcBef>
@@ -2409,7 +2706,7 @@
                 </a:solidFill>
               </a:defRPr>
             </a:lvl3pPr>
-            <a:lvl4pPr indent="-114300" marL="1600200">
+            <a:lvl4pPr marL="1600200" indent="-114300">
               <a:spcBef>
                 <a:spcPts val="360"/>
               </a:spcBef>
@@ -2423,7 +2720,7 @@
                 </a:solidFill>
               </a:defRPr>
             </a:lvl4pPr>
-            <a:lvl5pPr indent="-114300" marL="2057400">
+            <a:lvl5pPr marL="2057400" indent="-114300">
               <a:spcBef>
                 <a:spcPts val="360"/>
               </a:spcBef>
@@ -2437,7 +2734,7 @@
                 </a:solidFill>
               </a:defRPr>
             </a:lvl5pPr>
-            <a:lvl6pPr indent="-114300" marL="2514600">
+            <a:lvl6pPr marL="2514600" indent="-114300">
               <a:spcBef>
                 <a:spcPts val="360"/>
               </a:spcBef>
@@ -2451,7 +2748,7 @@
                 </a:solidFill>
               </a:defRPr>
             </a:lvl6pPr>
-            <a:lvl7pPr indent="-114300" marL="2971800">
+            <a:lvl7pPr marL="2971800" indent="-114300">
               <a:spcBef>
                 <a:spcPts val="360"/>
               </a:spcBef>
@@ -2465,7 +2762,7 @@
                 </a:solidFill>
               </a:defRPr>
             </a:lvl7pPr>
-            <a:lvl8pPr indent="-114300" marL="3429000">
+            <a:lvl8pPr marL="3429000" indent="-114300">
               <a:spcBef>
                 <a:spcPts val="360"/>
               </a:spcBef>
@@ -2479,7 +2776,7 @@
                 </a:solidFill>
               </a:defRPr>
             </a:lvl8pPr>
-            <a:lvl9pPr indent="-114300" marL="3886200">
+            <a:lvl9pPr marL="3886200" indent="-114300">
               <a:spcBef>
                 <a:spcPts val="360"/>
               </a:spcBef>
@@ -2494,12 +2791,14 @@
               </a:defRPr>
             </a:lvl9pPr>
           </a:lstStyle>
-          <a:p/>
+          <a:p>
+            <a:endParaRPr/>
+          </a:p>
         </p:txBody>
       </p:sp>
     </p:spTree>
   </p:cSld>
-  <p:clrMap accent2="accent2" accent3="accent3" accent4="accent4" accent5="accent5" accent6="accent6" hlink="hlink" tx2="lt2" tx1="dk1" bg2="dk2" bg1="lt1" folHlink="folHlink" accent1="accent1"/>
+  <p:clrMap bg1="lt1" tx1="dk1" bg2="dk2" tx2="lt2" accent1="accent1" accent2="accent2" accent3="accent3" accent4="accent4" accent5="accent5" accent6="accent6" hlink="hlink" folHlink="folHlink"/>
   <p:sldLayoutIdLst>
     <p:sldLayoutId id="2147483648" r:id="rId1"/>
     <p:sldLayoutId id="2147483649" r:id="rId2"/>
@@ -2510,7 +2809,7 @@
   </p:sldLayoutIdLst>
   <p:txStyles>
     <p:titleStyle>
-      <a:defPPr algn="l" rtl="0" marR="0">
+      <a:defPPr marR="0" algn="l" rtl="0">
         <a:lnSpc>
           <a:spcPct val="100000"/>
         </a:lnSpc>
@@ -2521,7 +2820,7 @@
           <a:spcPts val="0"/>
         </a:spcAft>
       </a:defPPr>
-      <a:lvl1pPr algn="l" rtl="0" marR="0">
+      <a:lvl1pPr marR="0" algn="l" rtl="0">
         <a:lnSpc>
           <a:spcPct val="100000"/>
         </a:lnSpc>
@@ -2532,7 +2831,7 @@
           <a:spcPts val="0"/>
         </a:spcAft>
         <a:buNone/>
-        <a:defRPr strike="noStrike" u="none" b="0" cap="none" baseline="0" sz="1400" i="0">
+        <a:defRPr sz="1400" b="0" i="0" u="none" strike="noStrike" cap="none" baseline="0">
           <a:solidFill>
             <a:srgbClr val="000000"/>
           </a:solidFill>
@@ -2543,7 +2842,7 @@
           <a:rtl val="0"/>
         </a:defRPr>
       </a:lvl1pPr>
-      <a:lvl2pPr algn="l" rtl="0" marR="0">
+      <a:lvl2pPr marR="0" algn="l" rtl="0">
         <a:lnSpc>
           <a:spcPct val="100000"/>
         </a:lnSpc>
@@ -2554,7 +2853,7 @@
           <a:spcPts val="0"/>
         </a:spcAft>
         <a:buNone/>
-        <a:defRPr strike="noStrike" u="none" b="0" cap="none" baseline="0" sz="1400" i="0">
+        <a:defRPr sz="1400" b="0" i="0" u="none" strike="noStrike" cap="none" baseline="0">
           <a:solidFill>
             <a:srgbClr val="000000"/>
           </a:solidFill>
@@ -2567,7 +2866,7 @@
       </a:lvl2pPr>
     </p:titleStyle>
     <p:bodyStyle>
-      <a:defPPr algn="l" rtl="0" marR="0">
+      <a:defPPr marR="0" algn="l" rtl="0">
         <a:lnSpc>
           <a:spcPct val="100000"/>
         </a:lnSpc>
@@ -2578,7 +2877,7 @@
           <a:spcPts val="0"/>
         </a:spcAft>
       </a:defPPr>
-      <a:lvl1pPr algn="l" rtl="0" marR="0">
+      <a:lvl1pPr marR="0" algn="l" rtl="0">
         <a:lnSpc>
           <a:spcPct val="100000"/>
         </a:lnSpc>
@@ -2589,7 +2888,7 @@
           <a:spcPts val="0"/>
         </a:spcAft>
         <a:buNone/>
-        <a:defRPr strike="noStrike" u="none" b="0" cap="none" baseline="0" sz="1400" i="0">
+        <a:defRPr sz="1400" b="0" i="0" u="none" strike="noStrike" cap="none" baseline="0">
           <a:solidFill>
             <a:srgbClr val="000000"/>
           </a:solidFill>
@@ -2600,7 +2899,7 @@
           <a:rtl val="0"/>
         </a:defRPr>
       </a:lvl1pPr>
-      <a:lvl2pPr algn="l" rtl="0" marR="0">
+      <a:lvl2pPr marR="0" algn="l" rtl="0">
         <a:lnSpc>
           <a:spcPct val="100000"/>
         </a:lnSpc>
@@ -2611,7 +2910,7 @@
           <a:spcPts val="0"/>
         </a:spcAft>
         <a:buNone/>
-        <a:defRPr strike="noStrike" u="none" b="0" cap="none" baseline="0" sz="1400" i="0">
+        <a:defRPr sz="1400" b="0" i="0" u="none" strike="noStrike" cap="none" baseline="0">
           <a:solidFill>
             <a:srgbClr val="000000"/>
           </a:solidFill>
@@ -2622,7 +2921,7 @@
           <a:rtl val="0"/>
         </a:defRPr>
       </a:lvl2pPr>
-      <a:lvl3pPr algn="l" rtl="0" marR="0">
+      <a:lvl3pPr marR="0" algn="l" rtl="0">
         <a:lnSpc>
           <a:spcPct val="100000"/>
         </a:lnSpc>
@@ -2633,7 +2932,7 @@
           <a:spcPts val="0"/>
         </a:spcAft>
         <a:buNone/>
-        <a:defRPr strike="noStrike" u="none" b="0" cap="none" baseline="0" sz="1400" i="0">
+        <a:defRPr sz="1400" b="0" i="0" u="none" strike="noStrike" cap="none" baseline="0">
           <a:solidFill>
             <a:srgbClr val="000000"/>
           </a:solidFill>
@@ -2644,7 +2943,7 @@
           <a:rtl val="0"/>
         </a:defRPr>
       </a:lvl3pPr>
-      <a:lvl4pPr algn="l" rtl="0" marR="0">
+      <a:lvl4pPr marR="0" algn="l" rtl="0">
         <a:lnSpc>
           <a:spcPct val="100000"/>
         </a:lnSpc>
@@ -2655,7 +2954,7 @@
           <a:spcPts val="0"/>
         </a:spcAft>
         <a:buNone/>
-        <a:defRPr strike="noStrike" u="none" b="0" cap="none" baseline="0" sz="1400" i="0">
+        <a:defRPr sz="1400" b="0" i="0" u="none" strike="noStrike" cap="none" baseline="0">
           <a:solidFill>
             <a:srgbClr val="000000"/>
           </a:solidFill>
@@ -2666,7 +2965,7 @@
           <a:rtl val="0"/>
         </a:defRPr>
       </a:lvl4pPr>
-      <a:lvl5pPr algn="l" rtl="0" marR="0">
+      <a:lvl5pPr marR="0" algn="l" rtl="0">
         <a:lnSpc>
           <a:spcPct val="100000"/>
         </a:lnSpc>
@@ -2677,7 +2976,7 @@
           <a:spcPts val="0"/>
         </a:spcAft>
         <a:buNone/>
-        <a:defRPr strike="noStrike" u="none" b="0" cap="none" baseline="0" sz="1400" i="0">
+        <a:defRPr sz="1400" b="0" i="0" u="none" strike="noStrike" cap="none" baseline="0">
           <a:solidFill>
             <a:srgbClr val="000000"/>
           </a:solidFill>
@@ -2688,7 +2987,7 @@
           <a:rtl val="0"/>
         </a:defRPr>
       </a:lvl5pPr>
-      <a:lvl6pPr algn="l" rtl="0" marR="0">
+      <a:lvl6pPr marR="0" algn="l" rtl="0">
         <a:lnSpc>
           <a:spcPct val="100000"/>
         </a:lnSpc>
@@ -2699,7 +2998,7 @@
           <a:spcPts val="0"/>
         </a:spcAft>
         <a:buNone/>
-        <a:defRPr strike="noStrike" u="none" b="0" cap="none" baseline="0" sz="1400" i="0">
+        <a:defRPr sz="1400" b="0" i="0" u="none" strike="noStrike" cap="none" baseline="0">
           <a:solidFill>
             <a:srgbClr val="000000"/>
           </a:solidFill>
@@ -2710,7 +3009,7 @@
           <a:rtl val="0"/>
         </a:defRPr>
       </a:lvl6pPr>
-      <a:lvl7pPr algn="l" rtl="0" marR="0">
+      <a:lvl7pPr marR="0" algn="l" rtl="0">
         <a:lnSpc>
           <a:spcPct val="100000"/>
         </a:lnSpc>
@@ -2721,7 +3020,7 @@
           <a:spcPts val="0"/>
         </a:spcAft>
         <a:buNone/>
-        <a:defRPr strike="noStrike" u="none" b="0" cap="none" baseline="0" sz="1400" i="0">
+        <a:defRPr sz="1400" b="0" i="0" u="none" strike="noStrike" cap="none" baseline="0">
           <a:solidFill>
             <a:srgbClr val="000000"/>
           </a:solidFill>
@@ -2732,7 +3031,7 @@
           <a:rtl val="0"/>
         </a:defRPr>
       </a:lvl7pPr>
-      <a:lvl8pPr algn="l" rtl="0" marR="0">
+      <a:lvl8pPr marR="0" algn="l" rtl="0">
         <a:lnSpc>
           <a:spcPct val="100000"/>
         </a:lnSpc>
@@ -2743,7 +3042,7 @@
           <a:spcPts val="0"/>
         </a:spcAft>
         <a:buNone/>
-        <a:defRPr strike="noStrike" u="none" b="0" cap="none" baseline="0" sz="1400" i="0">
+        <a:defRPr sz="1400" b="0" i="0" u="none" strike="noStrike" cap="none" baseline="0">
           <a:solidFill>
             <a:srgbClr val="000000"/>
           </a:solidFill>
@@ -2754,7 +3053,7 @@
           <a:rtl val="0"/>
         </a:defRPr>
       </a:lvl8pPr>
-      <a:lvl9pPr algn="l" rtl="0" marR="0">
+      <a:lvl9pPr marR="0" algn="l" rtl="0">
         <a:lnSpc>
           <a:spcPct val="100000"/>
         </a:lnSpc>
@@ -2765,7 +3064,7 @@
           <a:spcPts val="0"/>
         </a:spcAft>
         <a:buNone/>
-        <a:defRPr strike="noStrike" u="none" b="0" cap="none" baseline="0" sz="1400" i="0">
+        <a:defRPr sz="1400" b="0" i="0" u="none" strike="noStrike" cap="none" baseline="0">
           <a:solidFill>
             <a:srgbClr val="000000"/>
           </a:solidFill>
@@ -2778,7 +3077,7 @@
       </a:lvl9pPr>
     </p:bodyStyle>
     <p:otherStyle>
-      <a:defPPr algn="l" rtl="0" marR="0">
+      <a:defPPr marR="0" algn="l" rtl="0">
         <a:lnSpc>
           <a:spcPct val="100000"/>
         </a:lnSpc>
@@ -2789,7 +3088,7 @@
           <a:spcPts val="0"/>
         </a:spcAft>
       </a:defPPr>
-      <a:lvl1pPr algn="l" rtl="0" marR="0">
+      <a:lvl1pPr marR="0" algn="l" rtl="0">
         <a:lnSpc>
           <a:spcPct val="100000"/>
         </a:lnSpc>
@@ -2800,7 +3099,7 @@
           <a:spcPts val="0"/>
         </a:spcAft>
         <a:buNone/>
-        <a:defRPr strike="noStrike" u="none" b="0" cap="none" baseline="0" sz="1400" i="0">
+        <a:defRPr sz="1400" b="0" i="0" u="none" strike="noStrike" cap="none" baseline="0">
           <a:solidFill>
             <a:srgbClr val="000000"/>
           </a:solidFill>
@@ -2811,7 +3110,7 @@
           <a:rtl val="0"/>
         </a:defRPr>
       </a:lvl1pPr>
-      <a:lvl2pPr algn="l" rtl="0" marR="0">
+      <a:lvl2pPr marR="0" algn="l" rtl="0">
         <a:lnSpc>
           <a:spcPct val="100000"/>
         </a:lnSpc>
@@ -2822,7 +3121,7 @@
           <a:spcPts val="0"/>
         </a:spcAft>
         <a:buNone/>
-        <a:defRPr strike="noStrike" u="none" b="0" cap="none" baseline="0" sz="1400" i="0">
+        <a:defRPr sz="1400" b="0" i="0" u="none" strike="noStrike" cap="none" baseline="0">
           <a:solidFill>
             <a:srgbClr val="000000"/>
           </a:solidFill>
@@ -2833,7 +3132,7 @@
           <a:rtl val="0"/>
         </a:defRPr>
       </a:lvl2pPr>
-      <a:lvl3pPr algn="l" rtl="0" marR="0">
+      <a:lvl3pPr marR="0" algn="l" rtl="0">
         <a:lnSpc>
           <a:spcPct val="100000"/>
         </a:lnSpc>
@@ -2844,7 +3143,7 @@
           <a:spcPts val="0"/>
         </a:spcAft>
         <a:buNone/>
-        <a:defRPr strike="noStrike" u="none" b="0" cap="none" baseline="0" sz="1400" i="0">
+        <a:defRPr sz="1400" b="0" i="0" u="none" strike="noStrike" cap="none" baseline="0">
           <a:solidFill>
             <a:srgbClr val="000000"/>
           </a:solidFill>
@@ -2855,7 +3154,7 @@
           <a:rtl val="0"/>
         </a:defRPr>
       </a:lvl3pPr>
-      <a:lvl4pPr algn="l" rtl="0" marR="0">
+      <a:lvl4pPr marR="0" algn="l" rtl="0">
         <a:lnSpc>
           <a:spcPct val="100000"/>
         </a:lnSpc>
@@ -2866,7 +3165,7 @@
           <a:spcPts val="0"/>
         </a:spcAft>
         <a:buNone/>
-        <a:defRPr strike="noStrike" u="none" b="0" cap="none" baseline="0" sz="1400" i="0">
+        <a:defRPr sz="1400" b="0" i="0" u="none" strike="noStrike" cap="none" baseline="0">
           <a:solidFill>
             <a:srgbClr val="000000"/>
           </a:solidFill>
@@ -2877,7 +3176,7 @@
           <a:rtl val="0"/>
         </a:defRPr>
       </a:lvl4pPr>
-      <a:lvl5pPr algn="l" rtl="0" marR="0">
+      <a:lvl5pPr marR="0" algn="l" rtl="0">
         <a:lnSpc>
           <a:spcPct val="100000"/>
         </a:lnSpc>
@@ -2888,7 +3187,7 @@
           <a:spcPts val="0"/>
         </a:spcAft>
         <a:buNone/>
-        <a:defRPr strike="noStrike" u="none" b="0" cap="none" baseline="0" sz="1400" i="0">
+        <a:defRPr sz="1400" b="0" i="0" u="none" strike="noStrike" cap="none" baseline="0">
           <a:solidFill>
             <a:srgbClr val="000000"/>
           </a:solidFill>
@@ -2899,7 +3198,7 @@
           <a:rtl val="0"/>
         </a:defRPr>
       </a:lvl5pPr>
-      <a:lvl6pPr algn="l" rtl="0" marR="0">
+      <a:lvl6pPr marR="0" algn="l" rtl="0">
         <a:lnSpc>
           <a:spcPct val="100000"/>
         </a:lnSpc>
@@ -2910,7 +3209,7 @@
           <a:spcPts val="0"/>
         </a:spcAft>
         <a:buNone/>
-        <a:defRPr strike="noStrike" u="none" b="0" cap="none" baseline="0" sz="1400" i="0">
+        <a:defRPr sz="1400" b="0" i="0" u="none" strike="noStrike" cap="none" baseline="0">
           <a:solidFill>
             <a:srgbClr val="000000"/>
           </a:solidFill>
@@ -2921,7 +3220,7 @@
           <a:rtl val="0"/>
         </a:defRPr>
       </a:lvl6pPr>
-      <a:lvl7pPr algn="l" rtl="0" marR="0">
+      <a:lvl7pPr marR="0" algn="l" rtl="0">
         <a:lnSpc>
           <a:spcPct val="100000"/>
         </a:lnSpc>
@@ -2932,7 +3231,7 @@
           <a:spcPts val="0"/>
         </a:spcAft>
         <a:buNone/>
-        <a:defRPr strike="noStrike" u="none" b="0" cap="none" baseline="0" sz="1400" i="0">
+        <a:defRPr sz="1400" b="0" i="0" u="none" strike="noStrike" cap="none" baseline="0">
           <a:solidFill>
             <a:srgbClr val="000000"/>
           </a:solidFill>
@@ -2943,7 +3242,7 @@
           <a:rtl val="0"/>
         </a:defRPr>
       </a:lvl7pPr>
-      <a:lvl8pPr algn="l" rtl="0" marR="0">
+      <a:lvl8pPr marR="0" algn="l" rtl="0">
         <a:lnSpc>
           <a:spcPct val="100000"/>
         </a:lnSpc>
@@ -2954,7 +3253,7 @@
           <a:spcPts val="0"/>
         </a:spcAft>
         <a:buNone/>
-        <a:defRPr strike="noStrike" u="none" b="0" cap="none" baseline="0" sz="1400" i="0">
+        <a:defRPr sz="1400" b="0" i="0" u="none" strike="noStrike" cap="none" baseline="0">
           <a:solidFill>
             <a:srgbClr val="000000"/>
           </a:solidFill>
@@ -2965,7 +3264,7 @@
           <a:rtl val="0"/>
         </a:defRPr>
       </a:lvl8pPr>
-      <a:lvl9pPr algn="l" rtl="0" marR="0">
+      <a:lvl9pPr marR="0" algn="l" rtl="0">
         <a:lnSpc>
           <a:spcPct val="100000"/>
         </a:lnSpc>
@@ -2976,7 +3275,7 @@
           <a:spcPts val="0"/>
         </a:spcAft>
         <a:buNone/>
-        <a:defRPr strike="noStrike" u="none" b="0" cap="none" baseline="0" sz="1400" i="0">
+        <a:defRPr sz="1400" b="0" i="0" u="none" strike="noStrike" cap="none" baseline="0">
           <a:solidFill>
             <a:srgbClr val="000000"/>
           </a:solidFill>
@@ -2993,20 +3292,20 @@
 </file>
 
 <file path=ppt/slides/slide1.xml><?xml version="1.0" encoding="utf-8"?>
-<p:sld xmlns:a="http://schemas.openxmlformats.org/drawingml/2006/main" xmlns:r="http://schemas.openxmlformats.org/officeDocument/2006/relationships" xmlns:mc="http://schemas.openxmlformats.org/markup-compatibility/2006" xmlns:mv="urn:schemas-microsoft-com:mac:vml" xmlns:p="http://schemas.openxmlformats.org/presentationml/2006/main" xmlns:c="http://schemas.openxmlformats.org/drawingml/2006/chart" xmlns:dgm="http://schemas.openxmlformats.org/drawingml/2006/diagram" xmlns:o="urn:schemas-microsoft-com:office:office" xmlns:v="urn:schemas-microsoft-com:vml" xmlns:pvml="urn:schemas-microsoft-com:office:powerpoint" xmlns:com="http://schemas.openxmlformats.org/drawingml/2006/compatibility" xmlns:p14="http://schemas.microsoft.com/office/powerpoint/2010/main">
+<p:sld xmlns:a="http://schemas.openxmlformats.org/drawingml/2006/main" xmlns:r="http://schemas.openxmlformats.org/officeDocument/2006/relationships" xmlns:p="http://schemas.openxmlformats.org/presentationml/2006/main">
   <p:cSld>
     <p:spTree>
       <p:nvGrpSpPr>
-        <p:cNvPr id="22" name="Shape 22"/>
+        <p:cNvPr id="1" name="Shape 22"/>
         <p:cNvGrpSpPr/>
         <p:nvPr/>
       </p:nvGrpSpPr>
       <p:grpSpPr>
         <a:xfrm>
-          <a:off y="0" x="0"/>
-          <a:ext cy="0" cx="0"/>
-          <a:chOff y="0" x="0"/>
-          <a:chExt cy="0" cx="0"/>
+          <a:off x="0" y="0"/>
+          <a:ext cx="0" cy="0"/>
+          <a:chOff x="0" y="0"/>
+          <a:chExt cx="0" cy="0"/>
         </a:xfrm>
       </p:grpSpPr>
       <p:pic>
@@ -3023,8 +3322,8 @@
         </p:blipFill>
         <p:spPr>
           <a:xfrm>
-            <a:off y="604837" x="2947975"/>
-            <a:ext cy="3933825" cx="3248025"/>
+            <a:off x="2947975" y="604837"/>
+            <a:ext cx="3248025" cy="3933825"/>
           </a:xfrm>
           <a:prstGeom prst="rect">
             <a:avLst/>
@@ -3036,48 +3335,50 @@
   <p:clrMapOvr>
     <a:masterClrMapping/>
   </p:clrMapOvr>
-  <p:transition spd="slow">
+  <p:transition xmlns:p14="http://schemas.microsoft.com/office/powerpoint/2010/main" spd="slow">
     <p:cut/>
   </p:transition>
 </p:sld>
 </file>
 
 <file path=ppt/slides/slide10.xml><?xml version="1.0" encoding="utf-8"?>
-<p:sld xmlns:a="http://schemas.openxmlformats.org/drawingml/2006/main" xmlns:r="http://schemas.openxmlformats.org/officeDocument/2006/relationships" xmlns:mc="http://schemas.openxmlformats.org/markup-compatibility/2006" xmlns:mv="urn:schemas-microsoft-com:mac:vml" xmlns:p="http://schemas.openxmlformats.org/presentationml/2006/main" xmlns:c="http://schemas.openxmlformats.org/drawingml/2006/chart" xmlns:dgm="http://schemas.openxmlformats.org/drawingml/2006/diagram" xmlns:o="urn:schemas-microsoft-com:office:office" xmlns:v="urn:schemas-microsoft-com:vml" xmlns:pvml="urn:schemas-microsoft-com:office:powerpoint" xmlns:com="http://schemas.openxmlformats.org/drawingml/2006/compatibility" xmlns:p14="http://schemas.microsoft.com/office/powerpoint/2010/main">
+<p:sld xmlns:a="http://schemas.openxmlformats.org/drawingml/2006/main" xmlns:r="http://schemas.openxmlformats.org/officeDocument/2006/relationships" xmlns:p="http://schemas.openxmlformats.org/presentationml/2006/main">
   <p:cSld>
     <p:spTree>
       <p:nvGrpSpPr>
-        <p:cNvPr id="73" name="Shape 73"/>
+        <p:cNvPr id="1" name="Shape 73"/>
         <p:cNvGrpSpPr/>
         <p:nvPr/>
       </p:nvGrpSpPr>
       <p:grpSpPr>
         <a:xfrm>
-          <a:off y="0" x="0"/>
-          <a:ext cy="0" cx="0"/>
-          <a:chOff y="0" x="0"/>
-          <a:chExt cy="0" cx="0"/>
+          <a:off x="0" y="0"/>
+          <a:ext cx="0" cy="0"/>
+          <a:chOff x="0" y="0"/>
+          <a:chExt cx="0" cy="0"/>
         </a:xfrm>
       </p:grpSpPr>
       <p:sp>
         <p:nvSpPr>
           <p:cNvPr id="74" name="Shape 74"/>
-          <p:cNvSpPr txBox="1"/>
+          <p:cNvSpPr txBox="1">
+            <a:spLocks noGrp="1"/>
+          </p:cNvSpPr>
           <p:nvPr>
             <p:ph type="title"/>
           </p:nvPr>
         </p:nvSpPr>
         <p:spPr>
           <a:xfrm>
-            <a:off y="205978" x="457200"/>
-            <a:ext cy="857400" cx="8229600"/>
+            <a:off x="457200" y="205978"/>
+            <a:ext cx="8229600" cy="857400"/>
           </a:xfrm>
           <a:prstGeom prst="rect">
             <a:avLst/>
           </a:prstGeom>
         </p:spPr>
         <p:txBody>
-          <a:bodyPr bIns="91425" rIns="91425" lIns="91425" tIns="91425" anchor="b" anchorCtr="0">
+          <a:bodyPr lIns="91425" tIns="91425" rIns="91425" bIns="91425" anchor="b" anchorCtr="0">
             <a:noAutofit/>
           </a:bodyPr>
           <a:lstStyle/>
@@ -3106,8 +3407,8 @@
         </p:blipFill>
         <p:spPr>
           <a:xfrm>
-            <a:off y="1435800" x="457200"/>
-            <a:ext cy="3200400" cx="8229600"/>
+            <a:off x="457200" y="1435800"/>
+            <a:ext cx="8229600" cy="3200400"/>
           </a:xfrm>
           <a:prstGeom prst="rect">
             <a:avLst/>
@@ -3119,48 +3420,50 @@
   <p:clrMapOvr>
     <a:masterClrMapping/>
   </p:clrMapOvr>
-  <p:transition spd="slow">
+  <p:transition xmlns:p14="http://schemas.microsoft.com/office/powerpoint/2010/main" spd="slow">
     <p:cut/>
   </p:transition>
 </p:sld>
 </file>
 
 <file path=ppt/slides/slide11.xml><?xml version="1.0" encoding="utf-8"?>
-<p:sld xmlns:a="http://schemas.openxmlformats.org/drawingml/2006/main" xmlns:r="http://schemas.openxmlformats.org/officeDocument/2006/relationships" xmlns:mc="http://schemas.openxmlformats.org/markup-compatibility/2006" xmlns:mv="urn:schemas-microsoft-com:mac:vml" xmlns:p="http://schemas.openxmlformats.org/presentationml/2006/main" xmlns:c="http://schemas.openxmlformats.org/drawingml/2006/chart" xmlns:dgm="http://schemas.openxmlformats.org/drawingml/2006/diagram" xmlns:o="urn:schemas-microsoft-com:office:office" xmlns:v="urn:schemas-microsoft-com:vml" xmlns:pvml="urn:schemas-microsoft-com:office:powerpoint" xmlns:com="http://schemas.openxmlformats.org/drawingml/2006/compatibility" xmlns:p14="http://schemas.microsoft.com/office/powerpoint/2010/main">
+<p:sld xmlns:a="http://schemas.openxmlformats.org/drawingml/2006/main" xmlns:r="http://schemas.openxmlformats.org/officeDocument/2006/relationships" xmlns:p="http://schemas.openxmlformats.org/presentationml/2006/main">
   <p:cSld>
     <p:spTree>
       <p:nvGrpSpPr>
-        <p:cNvPr id="79" name="Shape 79"/>
+        <p:cNvPr id="1" name="Shape 79"/>
         <p:cNvGrpSpPr/>
         <p:nvPr/>
       </p:nvGrpSpPr>
       <p:grpSpPr>
         <a:xfrm>
-          <a:off y="0" x="0"/>
-          <a:ext cy="0" cx="0"/>
-          <a:chOff y="0" x="0"/>
-          <a:chExt cy="0" cx="0"/>
+          <a:off x="0" y="0"/>
+          <a:ext cx="0" cy="0"/>
+          <a:chOff x="0" y="0"/>
+          <a:chExt cx="0" cy="0"/>
         </a:xfrm>
       </p:grpSpPr>
       <p:sp>
         <p:nvSpPr>
           <p:cNvPr id="80" name="Shape 80"/>
-          <p:cNvSpPr txBox="1"/>
+          <p:cNvSpPr txBox="1">
+            <a:spLocks noGrp="1"/>
+          </p:cNvSpPr>
           <p:nvPr>
             <p:ph type="title"/>
           </p:nvPr>
         </p:nvSpPr>
         <p:spPr>
           <a:xfrm>
-            <a:off y="205978" x="457200"/>
-            <a:ext cy="857400" cx="8229600"/>
+            <a:off x="457200" y="205978"/>
+            <a:ext cx="8229600" cy="857400"/>
           </a:xfrm>
           <a:prstGeom prst="rect">
             <a:avLst/>
           </a:prstGeom>
         </p:spPr>
         <p:txBody>
-          <a:bodyPr bIns="91425" rIns="91425" lIns="91425" tIns="91425" anchor="b" anchorCtr="0">
+          <a:bodyPr lIns="91425" tIns="91425" rIns="91425" bIns="91425" anchor="b" anchorCtr="0">
             <a:noAutofit/>
           </a:bodyPr>
           <a:lstStyle/>
@@ -3178,27 +3481,29 @@
       <p:sp>
         <p:nvSpPr>
           <p:cNvPr id="81" name="Shape 81"/>
-          <p:cNvSpPr txBox="1"/>
-          <p:nvPr>
-            <p:ph idx="1" type="body"/>
-          </p:nvPr>
-        </p:nvSpPr>
-        <p:spPr>
-          <a:xfrm>
-            <a:off y="1200150" x="457200"/>
-            <a:ext cy="3725699" cx="8229600"/>
+          <p:cNvSpPr txBox="1">
+            <a:spLocks noGrp="1"/>
+          </p:cNvSpPr>
+          <p:nvPr>
+            <p:ph type="body" idx="1"/>
+          </p:nvPr>
+        </p:nvSpPr>
+        <p:spPr>
+          <a:xfrm>
+            <a:off x="457200" y="1200150"/>
+            <a:ext cx="8229600" cy="3725699"/>
           </a:xfrm>
           <a:prstGeom prst="rect">
             <a:avLst/>
           </a:prstGeom>
         </p:spPr>
         <p:txBody>
-          <a:bodyPr bIns="91425" rIns="91425" lIns="91425" tIns="91425" anchor="t" anchorCtr="0">
+          <a:bodyPr lIns="91425" tIns="91425" rIns="91425" bIns="91425" anchor="t" anchorCtr="0">
             <a:noAutofit/>
           </a:bodyPr>
           <a:lstStyle/>
           <a:p>
-            <a:pPr rtl="0" lvl="0" indent="-419100" marL="457200">
+            <a:pPr marL="457200" lvl="0" indent="-419100" rtl="0">
               <a:buClr>
                 <a:schemeClr val="dk1"/>
               </a:buClr>
@@ -3207,12 +3512,12 @@
               <a:buChar char="•"/>
             </a:pPr>
             <a:r>
-              <a:rPr lang="da"/>
+              <a:rPr lang="da" sz="2800" dirty="0"/>
               <a:t>Shutdown costs caused by Heartbleed are estimated to be 500 million US dollars</a:t>
             </a:r>
           </a:p>
           <a:p>
-            <a:pPr rtl="0" lvl="0" indent="-419100" marL="457200">
+            <a:pPr marL="457200" lvl="0" indent="-419100" rtl="0">
               <a:buClr>
                 <a:schemeClr val="dk1"/>
               </a:buClr>
@@ -3221,12 +3526,12 @@
               <a:buChar char="•"/>
             </a:pPr>
             <a:r>
-              <a:rPr lang="da"/>
+              <a:rPr lang="da" sz="2800" dirty="0"/>
               <a:t>Many major websites, such as fx. GitHub, Pinterest, Reddit, SourceForge and Tumblr were affected</a:t>
             </a:r>
           </a:p>
           <a:p>
-            <a:pPr lvl="0" indent="-419100" marL="457200">
+            <a:pPr marL="457200" lvl="0" indent="-419100">
               <a:buClr>
                 <a:schemeClr val="dk1"/>
               </a:buClr>
@@ -3235,7 +3540,7 @@
               <a:buChar char="•"/>
             </a:pPr>
             <a:r>
-              <a:rPr lang="da"/>
+              <a:rPr lang="da" sz="2800" dirty="0"/>
               <a:t>Android v 4.1.1 is still susceptible to Heartbleed. There is 50 million devices still using that version</a:t>
             </a:r>
           </a:p>
@@ -3246,48 +3551,50 @@
   <p:clrMapOvr>
     <a:masterClrMapping/>
   </p:clrMapOvr>
-  <p:transition spd="slow">
+  <p:transition xmlns:p14="http://schemas.microsoft.com/office/powerpoint/2010/main" spd="slow">
     <p:cut/>
   </p:transition>
 </p:sld>
 </file>
 
 <file path=ppt/slides/slide12.xml><?xml version="1.0" encoding="utf-8"?>
-<p:sld xmlns:a="http://schemas.openxmlformats.org/drawingml/2006/main" xmlns:r="http://schemas.openxmlformats.org/officeDocument/2006/relationships" xmlns:mc="http://schemas.openxmlformats.org/markup-compatibility/2006" xmlns:mv="urn:schemas-microsoft-com:mac:vml" xmlns:p="http://schemas.openxmlformats.org/presentationml/2006/main" xmlns:c="http://schemas.openxmlformats.org/drawingml/2006/chart" xmlns:dgm="http://schemas.openxmlformats.org/drawingml/2006/diagram" xmlns:o="urn:schemas-microsoft-com:office:office" xmlns:v="urn:schemas-microsoft-com:vml" xmlns:pvml="urn:schemas-microsoft-com:office:powerpoint" xmlns:com="http://schemas.openxmlformats.org/drawingml/2006/compatibility" xmlns:p14="http://schemas.microsoft.com/office/powerpoint/2010/main">
+<p:sld xmlns:a="http://schemas.openxmlformats.org/drawingml/2006/main" xmlns:r="http://schemas.openxmlformats.org/officeDocument/2006/relationships" xmlns:p="http://schemas.openxmlformats.org/presentationml/2006/main">
   <p:cSld>
     <p:spTree>
       <p:nvGrpSpPr>
-        <p:cNvPr id="85" name="Shape 85"/>
+        <p:cNvPr id="1" name="Shape 85"/>
         <p:cNvGrpSpPr/>
         <p:nvPr/>
       </p:nvGrpSpPr>
       <p:grpSpPr>
         <a:xfrm>
-          <a:off y="0" x="0"/>
-          <a:ext cy="0" cx="0"/>
-          <a:chOff y="0" x="0"/>
-          <a:chExt cy="0" cx="0"/>
+          <a:off x="0" y="0"/>
+          <a:ext cx="0" cy="0"/>
+          <a:chOff x="0" y="0"/>
+          <a:chExt cx="0" cy="0"/>
         </a:xfrm>
       </p:grpSpPr>
       <p:sp>
         <p:nvSpPr>
           <p:cNvPr id="86" name="Shape 86"/>
-          <p:cNvSpPr txBox="1"/>
+          <p:cNvSpPr txBox="1">
+            <a:spLocks noGrp="1"/>
+          </p:cNvSpPr>
           <p:nvPr>
             <p:ph type="title"/>
           </p:nvPr>
         </p:nvSpPr>
         <p:spPr>
           <a:xfrm>
-            <a:off y="205978" x="457200"/>
-            <a:ext cy="857400" cx="8229600"/>
+            <a:off x="457200" y="205978"/>
+            <a:ext cx="8229600" cy="857400"/>
           </a:xfrm>
           <a:prstGeom prst="rect">
             <a:avLst/>
           </a:prstGeom>
         </p:spPr>
         <p:txBody>
-          <a:bodyPr bIns="91425" rIns="91425" lIns="91425" tIns="91425" anchor="b" anchorCtr="0">
+          <a:bodyPr lIns="91425" tIns="91425" rIns="91425" bIns="91425" anchor="b" anchorCtr="0">
             <a:noAutofit/>
           </a:bodyPr>
           <a:lstStyle/>
@@ -3305,27 +3612,29 @@
       <p:sp>
         <p:nvSpPr>
           <p:cNvPr id="87" name="Shape 87"/>
-          <p:cNvSpPr txBox="1"/>
-          <p:nvPr>
-            <p:ph idx="1" type="body"/>
-          </p:nvPr>
-        </p:nvSpPr>
-        <p:spPr>
-          <a:xfrm>
-            <a:off y="1200150" x="457200"/>
-            <a:ext cy="3725699" cx="8229600"/>
+          <p:cNvSpPr txBox="1">
+            <a:spLocks noGrp="1"/>
+          </p:cNvSpPr>
+          <p:nvPr>
+            <p:ph type="body" idx="1"/>
+          </p:nvPr>
+        </p:nvSpPr>
+        <p:spPr>
+          <a:xfrm>
+            <a:off x="457200" y="1200150"/>
+            <a:ext cx="8229600" cy="3725699"/>
           </a:xfrm>
           <a:prstGeom prst="rect">
             <a:avLst/>
           </a:prstGeom>
         </p:spPr>
         <p:txBody>
-          <a:bodyPr bIns="91425" rIns="91425" lIns="91425" tIns="91425" anchor="t" anchorCtr="0">
+          <a:bodyPr lIns="91425" tIns="91425" rIns="91425" bIns="91425" anchor="t" anchorCtr="0">
             <a:noAutofit/>
           </a:bodyPr>
           <a:lstStyle/>
           <a:p>
-            <a:pPr rtl="0" lvl="0" indent="-381000" marL="457200">
+            <a:pPr marL="457200" lvl="0" indent="-381000" rtl="0">
               <a:buClr>
                 <a:schemeClr val="dk1"/>
               </a:buClr>
@@ -3334,12 +3643,12 @@
               <a:buChar char="•"/>
             </a:pPr>
             <a:r>
-              <a:rPr sz="2400" lang="da"/>
+              <a:rPr lang="da" sz="2400"/>
               <a:t>OpenSSL was operating solely on donations totalling $841</a:t>
             </a:r>
           </a:p>
           <a:p>
-            <a:pPr rtl="0" lvl="0" indent="-381000" marL="457200">
+            <a:pPr marL="457200" lvl="0" indent="-381000" rtl="0">
               <a:buClr>
                 <a:schemeClr val="dk1"/>
               </a:buClr>
@@ -3348,12 +3657,12 @@
               <a:buChar char="•"/>
             </a:pPr>
             <a:r>
-              <a:rPr sz="2400" lang="da"/>
+              <a:rPr lang="da" sz="2400"/>
               <a:t>OpenSSL defied the standards of OpenBSD and programmed their own memory management</a:t>
             </a:r>
           </a:p>
           <a:p>
-            <a:pPr rtl="0" lvl="0" indent="-381000" marL="457200">
+            <a:pPr marL="457200" lvl="0" indent="-381000" rtl="0">
               <a:buClr>
                 <a:schemeClr val="dk1"/>
               </a:buClr>
@@ -3362,12 +3671,12 @@
               <a:buChar char="•"/>
             </a:pPr>
             <a:r>
-              <a:rPr sz="2400" lang="da"/>
+              <a:rPr lang="da" sz="2400"/>
               <a:t>OpenSSL is maintained by a single full-time worker and a tiny number of volunteers</a:t>
             </a:r>
           </a:p>
           <a:p>
-            <a:pPr lvl="0" indent="-381000" marL="457200">
+            <a:pPr marL="457200" lvl="0" indent="-381000">
               <a:buClr>
                 <a:schemeClr val="dk1"/>
               </a:buClr>
@@ -3376,7 +3685,7 @@
               <a:buChar char="•"/>
             </a:pPr>
             <a:r>
-              <a:rPr sz="2400" lang="da"/>
+              <a:rPr lang="da" sz="2400"/>
               <a:t>Because of lack of funding OpenSSL never had proper security audits. Nobody checked if Heartbleed was there</a:t>
             </a:r>
           </a:p>
@@ -3387,48 +3696,50 @@
   <p:clrMapOvr>
     <a:masterClrMapping/>
   </p:clrMapOvr>
-  <p:transition spd="slow">
+  <p:transition xmlns:p14="http://schemas.microsoft.com/office/powerpoint/2010/main" spd="slow">
     <p:cut/>
   </p:transition>
 </p:sld>
 </file>
 
 <file path=ppt/slides/slide13.xml><?xml version="1.0" encoding="utf-8"?>
-<p:sld xmlns:a="http://schemas.openxmlformats.org/drawingml/2006/main" xmlns:r="http://schemas.openxmlformats.org/officeDocument/2006/relationships" xmlns:mc="http://schemas.openxmlformats.org/markup-compatibility/2006" xmlns:mv="urn:schemas-microsoft-com:mac:vml" xmlns:p="http://schemas.openxmlformats.org/presentationml/2006/main" xmlns:c="http://schemas.openxmlformats.org/drawingml/2006/chart" xmlns:dgm="http://schemas.openxmlformats.org/drawingml/2006/diagram" xmlns:o="urn:schemas-microsoft-com:office:office" xmlns:v="urn:schemas-microsoft-com:vml" xmlns:pvml="urn:schemas-microsoft-com:office:powerpoint" xmlns:com="http://schemas.openxmlformats.org/drawingml/2006/compatibility" xmlns:p14="http://schemas.microsoft.com/office/powerpoint/2010/main">
+<p:sld xmlns:a="http://schemas.openxmlformats.org/drawingml/2006/main" xmlns:r="http://schemas.openxmlformats.org/officeDocument/2006/relationships" xmlns:p="http://schemas.openxmlformats.org/presentationml/2006/main">
   <p:cSld>
     <p:spTree>
       <p:nvGrpSpPr>
-        <p:cNvPr id="91" name="Shape 91"/>
+        <p:cNvPr id="1" name="Shape 91"/>
         <p:cNvGrpSpPr/>
         <p:nvPr/>
       </p:nvGrpSpPr>
       <p:grpSpPr>
         <a:xfrm>
-          <a:off y="0" x="0"/>
-          <a:ext cy="0" cx="0"/>
-          <a:chOff y="0" x="0"/>
-          <a:chExt cy="0" cx="0"/>
+          <a:off x="0" y="0"/>
+          <a:ext cx="0" cy="0"/>
+          <a:chOff x="0" y="0"/>
+          <a:chExt cx="0" cy="0"/>
         </a:xfrm>
       </p:grpSpPr>
       <p:sp>
         <p:nvSpPr>
           <p:cNvPr id="92" name="Shape 92"/>
-          <p:cNvSpPr txBox="1"/>
+          <p:cNvSpPr txBox="1">
+            <a:spLocks noGrp="1"/>
+          </p:cNvSpPr>
           <p:nvPr>
             <p:ph type="title"/>
           </p:nvPr>
         </p:nvSpPr>
         <p:spPr>
           <a:xfrm>
-            <a:off y="205978" x="457200"/>
-            <a:ext cy="857400" cx="8229600"/>
+            <a:off x="457200" y="205978"/>
+            <a:ext cx="8229600" cy="857400"/>
           </a:xfrm>
           <a:prstGeom prst="rect">
             <a:avLst/>
           </a:prstGeom>
         </p:spPr>
         <p:txBody>
-          <a:bodyPr bIns="91425" rIns="91425" lIns="91425" tIns="91425" anchor="b" anchorCtr="0">
+          <a:bodyPr lIns="91425" tIns="91425" rIns="91425" bIns="91425" anchor="b" anchorCtr="0">
             <a:noAutofit/>
           </a:bodyPr>
           <a:lstStyle/>
@@ -3446,27 +3757,29 @@
       <p:sp>
         <p:nvSpPr>
           <p:cNvPr id="93" name="Shape 93"/>
-          <p:cNvSpPr txBox="1"/>
-          <p:nvPr>
-            <p:ph idx="1" type="body"/>
-          </p:nvPr>
-        </p:nvSpPr>
-        <p:spPr>
-          <a:xfrm>
-            <a:off y="1200150" x="457200"/>
-            <a:ext cy="3725699" cx="8229600"/>
+          <p:cNvSpPr txBox="1">
+            <a:spLocks noGrp="1"/>
+          </p:cNvSpPr>
+          <p:nvPr>
+            <p:ph type="body" idx="1"/>
+          </p:nvPr>
+        </p:nvSpPr>
+        <p:spPr>
+          <a:xfrm>
+            <a:off x="457200" y="1200150"/>
+            <a:ext cx="8229600" cy="3725699"/>
           </a:xfrm>
           <a:prstGeom prst="rect">
             <a:avLst/>
           </a:prstGeom>
         </p:spPr>
         <p:txBody>
-          <a:bodyPr bIns="91425" rIns="91425" lIns="91425" tIns="91425" anchor="t" anchorCtr="0">
+          <a:bodyPr lIns="91425" tIns="91425" rIns="91425" bIns="91425" anchor="t" anchorCtr="0">
             <a:noAutofit/>
           </a:bodyPr>
           <a:lstStyle/>
           <a:p>
-            <a:pPr rtl="0" lvl="0" indent="-419100" marL="457200">
+            <a:pPr marL="457200" lvl="0" indent="-419100" rtl="0">
               <a:buClr>
                 <a:schemeClr val="dk1"/>
               </a:buClr>
@@ -3480,7 +3793,7 @@
             </a:r>
           </a:p>
           <a:p>
-            <a:pPr rtl="0" lvl="0" indent="-419100" marL="457200">
+            <a:pPr marL="457200" lvl="0" indent="-419100" rtl="0">
               <a:buClr>
                 <a:schemeClr val="dk1"/>
               </a:buClr>
@@ -3500,27 +3813,27 @@
   <p:clrMapOvr>
     <a:masterClrMapping/>
   </p:clrMapOvr>
-  <p:transition spd="slow">
+  <p:transition xmlns:p14="http://schemas.microsoft.com/office/powerpoint/2010/main" spd="slow">
     <p:cut/>
   </p:transition>
 </p:sld>
 </file>
 
 <file path=ppt/slides/slide2.xml><?xml version="1.0" encoding="utf-8"?>
-<p:sld xmlns:a="http://schemas.openxmlformats.org/drawingml/2006/main" xmlns:r="http://schemas.openxmlformats.org/officeDocument/2006/relationships" xmlns:mc="http://schemas.openxmlformats.org/markup-compatibility/2006" xmlns:mv="urn:schemas-microsoft-com:mac:vml" xmlns:p="http://schemas.openxmlformats.org/presentationml/2006/main" xmlns:c="http://schemas.openxmlformats.org/drawingml/2006/chart" xmlns:dgm="http://schemas.openxmlformats.org/drawingml/2006/diagram" xmlns:o="urn:schemas-microsoft-com:office:office" xmlns:v="urn:schemas-microsoft-com:vml" xmlns:pvml="urn:schemas-microsoft-com:office:powerpoint" xmlns:com="http://schemas.openxmlformats.org/drawingml/2006/compatibility" xmlns:p14="http://schemas.microsoft.com/office/powerpoint/2010/main">
+<p:sld xmlns:a="http://schemas.openxmlformats.org/drawingml/2006/main" xmlns:r="http://schemas.openxmlformats.org/officeDocument/2006/relationships" xmlns:p="http://schemas.openxmlformats.org/presentationml/2006/main">
   <p:cSld>
     <p:spTree>
       <p:nvGrpSpPr>
-        <p:cNvPr id="27" name="Shape 27"/>
+        <p:cNvPr id="1" name="Shape 27"/>
         <p:cNvGrpSpPr/>
         <p:nvPr/>
       </p:nvGrpSpPr>
       <p:grpSpPr>
         <a:xfrm>
-          <a:off y="0" x="0"/>
-          <a:ext cy="0" cx="0"/>
-          <a:chOff y="0" x="0"/>
-          <a:chExt cy="0" cx="0"/>
+          <a:off x="0" y="0"/>
+          <a:ext cx="0" cy="0"/>
+          <a:chOff x="0" y="0"/>
+          <a:chExt cx="0" cy="0"/>
         </a:xfrm>
       </p:grpSpPr>
       <p:pic>
@@ -3537,8 +3850,8 @@
         </p:blipFill>
         <p:spPr>
           <a:xfrm>
-            <a:off y="0" x="2209961"/>
-            <a:ext cy="5143500" cx="4724087"/>
+            <a:off x="2209961" y="0"/>
+            <a:ext cx="4724087" cy="5143500"/>
           </a:xfrm>
           <a:prstGeom prst="rect">
             <a:avLst/>
@@ -3550,27 +3863,27 @@
   <p:clrMapOvr>
     <a:masterClrMapping/>
   </p:clrMapOvr>
-  <p:transition spd="slow">
+  <p:transition xmlns:p14="http://schemas.microsoft.com/office/powerpoint/2010/main" spd="slow">
     <p:cut/>
   </p:transition>
 </p:sld>
 </file>
 
 <file path=ppt/slides/slide3.xml><?xml version="1.0" encoding="utf-8"?>
-<p:sld xmlns:a="http://schemas.openxmlformats.org/drawingml/2006/main" xmlns:r="http://schemas.openxmlformats.org/officeDocument/2006/relationships" xmlns:mc="http://schemas.openxmlformats.org/markup-compatibility/2006" xmlns:mv="urn:schemas-microsoft-com:mac:vml" xmlns:p="http://schemas.openxmlformats.org/presentationml/2006/main" xmlns:c="http://schemas.openxmlformats.org/drawingml/2006/chart" xmlns:dgm="http://schemas.openxmlformats.org/drawingml/2006/diagram" xmlns:o="urn:schemas-microsoft-com:office:office" xmlns:v="urn:schemas-microsoft-com:vml" xmlns:pvml="urn:schemas-microsoft-com:office:powerpoint" xmlns:com="http://schemas.openxmlformats.org/drawingml/2006/compatibility" xmlns:p14="http://schemas.microsoft.com/office/powerpoint/2010/main">
+<p:sld xmlns:a="http://schemas.openxmlformats.org/drawingml/2006/main" xmlns:r="http://schemas.openxmlformats.org/officeDocument/2006/relationships" xmlns:p="http://schemas.openxmlformats.org/presentationml/2006/main">
   <p:cSld>
     <p:spTree>
       <p:nvGrpSpPr>
-        <p:cNvPr id="32" name="Shape 32"/>
+        <p:cNvPr id="1" name="Shape 32"/>
         <p:cNvGrpSpPr/>
         <p:nvPr/>
       </p:nvGrpSpPr>
       <p:grpSpPr>
         <a:xfrm>
-          <a:off y="0" x="0"/>
-          <a:ext cy="0" cx="0"/>
-          <a:chOff y="0" x="0"/>
-          <a:chExt cy="0" cx="0"/>
+          <a:off x="0" y="0"/>
+          <a:ext cx="0" cy="0"/>
+          <a:chOff x="0" y="0"/>
+          <a:chExt cx="0" cy="0"/>
         </a:xfrm>
       </p:grpSpPr>
       <p:pic>
@@ -3587,8 +3900,8 @@
         </p:blipFill>
         <p:spPr>
           <a:xfrm>
-            <a:off y="0" x="2081950"/>
-            <a:ext cy="5143500" cx="4980097"/>
+            <a:off x="2081950" y="0"/>
+            <a:ext cx="4980097" cy="5143500"/>
           </a:xfrm>
           <a:prstGeom prst="rect">
             <a:avLst/>
@@ -3600,48 +3913,50 @@
   <p:clrMapOvr>
     <a:masterClrMapping/>
   </p:clrMapOvr>
-  <p:transition spd="slow">
+  <p:transition xmlns:p14="http://schemas.microsoft.com/office/powerpoint/2010/main" spd="slow">
     <p:cut/>
   </p:transition>
 </p:sld>
 </file>
 
 <file path=ppt/slides/slide4.xml><?xml version="1.0" encoding="utf-8"?>
-<p:sld xmlns:a="http://schemas.openxmlformats.org/drawingml/2006/main" xmlns:r="http://schemas.openxmlformats.org/officeDocument/2006/relationships" xmlns:mc="http://schemas.openxmlformats.org/markup-compatibility/2006" xmlns:mv="urn:schemas-microsoft-com:mac:vml" xmlns:p="http://schemas.openxmlformats.org/presentationml/2006/main" xmlns:c="http://schemas.openxmlformats.org/drawingml/2006/chart" xmlns:dgm="http://schemas.openxmlformats.org/drawingml/2006/diagram" xmlns:o="urn:schemas-microsoft-com:office:office" xmlns:v="urn:schemas-microsoft-com:vml" xmlns:pvml="urn:schemas-microsoft-com:office:powerpoint" xmlns:com="http://schemas.openxmlformats.org/drawingml/2006/compatibility" xmlns:p14="http://schemas.microsoft.com/office/powerpoint/2010/main">
+<p:sld xmlns:a="http://schemas.openxmlformats.org/drawingml/2006/main" xmlns:r="http://schemas.openxmlformats.org/officeDocument/2006/relationships" xmlns:p="http://schemas.openxmlformats.org/presentationml/2006/main">
   <p:cSld>
     <p:spTree>
       <p:nvGrpSpPr>
-        <p:cNvPr id="37" name="Shape 37"/>
+        <p:cNvPr id="1" name="Shape 37"/>
         <p:cNvGrpSpPr/>
         <p:nvPr/>
       </p:nvGrpSpPr>
       <p:grpSpPr>
         <a:xfrm>
-          <a:off y="0" x="0"/>
-          <a:ext cy="0" cx="0"/>
-          <a:chOff y="0" x="0"/>
-          <a:chExt cy="0" cx="0"/>
+          <a:off x="0" y="0"/>
+          <a:ext cx="0" cy="0"/>
+          <a:chOff x="0" y="0"/>
+          <a:chExt cx="0" cy="0"/>
         </a:xfrm>
       </p:grpSpPr>
       <p:sp>
         <p:nvSpPr>
           <p:cNvPr id="38" name="Shape 38"/>
-          <p:cNvSpPr txBox="1"/>
+          <p:cNvSpPr txBox="1">
+            <a:spLocks noGrp="1"/>
+          </p:cNvSpPr>
           <p:nvPr>
             <p:ph type="title"/>
           </p:nvPr>
         </p:nvSpPr>
         <p:spPr>
           <a:xfrm>
-            <a:off y="205978" x="457200"/>
-            <a:ext cy="857400" cx="8229600"/>
+            <a:off x="457200" y="205978"/>
+            <a:ext cx="8229600" cy="857400"/>
           </a:xfrm>
           <a:prstGeom prst="rect">
             <a:avLst/>
           </a:prstGeom>
         </p:spPr>
         <p:txBody>
-          <a:bodyPr bIns="91425" rIns="91425" lIns="91425" tIns="91425" anchor="b" anchorCtr="0">
+          <a:bodyPr lIns="91425" tIns="91425" rIns="91425" bIns="91425" anchor="b" anchorCtr="0">
             <a:noAutofit/>
           </a:bodyPr>
           <a:lstStyle/>
@@ -3659,27 +3974,29 @@
       <p:sp>
         <p:nvSpPr>
           <p:cNvPr id="39" name="Shape 39"/>
-          <p:cNvSpPr txBox="1"/>
-          <p:nvPr>
-            <p:ph idx="1" type="body"/>
-          </p:nvPr>
-        </p:nvSpPr>
-        <p:spPr>
-          <a:xfrm>
-            <a:off y="1200150" x="457200"/>
-            <a:ext cy="3725699" cx="8229600"/>
+          <p:cNvSpPr txBox="1">
+            <a:spLocks noGrp="1"/>
+          </p:cNvSpPr>
+          <p:nvPr>
+            <p:ph type="body" idx="1"/>
+          </p:nvPr>
+        </p:nvSpPr>
+        <p:spPr>
+          <a:xfrm>
+            <a:off x="457200" y="1200150"/>
+            <a:ext cx="8229600" cy="3725699"/>
           </a:xfrm>
           <a:prstGeom prst="rect">
             <a:avLst/>
           </a:prstGeom>
         </p:spPr>
         <p:txBody>
-          <a:bodyPr bIns="91425" rIns="91425" lIns="91425" tIns="91425" anchor="t" anchorCtr="0">
+          <a:bodyPr lIns="91425" tIns="91425" rIns="91425" bIns="91425" anchor="t" anchorCtr="0">
             <a:noAutofit/>
           </a:bodyPr>
           <a:lstStyle/>
           <a:p>
-            <a:pPr rtl="0" lvl="0" indent="-381000" marL="457200">
+            <a:pPr marL="457200" lvl="0" indent="-381000" rtl="0">
               <a:buClr>
                 <a:schemeClr val="dk1"/>
               </a:buClr>
@@ -3688,12 +4005,12 @@
               <a:buChar char="•"/>
             </a:pPr>
             <a:r>
-              <a:rPr sz="2400" lang="da"/>
+              <a:rPr lang="da" sz="2400"/>
               <a:t>Contains a payload(data) and the size of that payload</a:t>
             </a:r>
           </a:p>
           <a:p>
-            <a:pPr rtl="0" lvl="0" indent="-381000" marL="457200">
+            <a:pPr marL="457200" lvl="0" indent="-381000" rtl="0">
               <a:buClr>
                 <a:schemeClr val="dk1"/>
               </a:buClr>
@@ -3702,12 +4019,12 @@
               <a:buChar char="•"/>
             </a:pPr>
             <a:r>
-              <a:rPr sz="2400" lang="da"/>
+              <a:rPr lang="da" sz="2400"/>
               <a:t>For keeping a TLS connection alive, if there is a communication-gap</a:t>
             </a:r>
           </a:p>
           <a:p>
-            <a:pPr rtl="0" lvl="0" indent="-381000" marL="457200">
+            <a:pPr marL="457200" lvl="0" indent="-381000" rtl="0">
               <a:buClr>
                 <a:schemeClr val="dk1"/>
               </a:buClr>
@@ -3716,12 +4033,12 @@
               <a:buChar char="•"/>
             </a:pPr>
             <a:r>
-              <a:rPr sz="2400" lang="da"/>
+              <a:rPr lang="da" sz="2400"/>
               <a:t>“Heartbeat”-packets == a way of saying:”Are you there?” to the server</a:t>
             </a:r>
           </a:p>
           <a:p>
-            <a:pPr rtl="0" lvl="0" indent="-381000" marL="457200">
+            <a:pPr marL="457200" lvl="0" indent="-381000" rtl="0">
               <a:buClr>
                 <a:schemeClr val="dk1"/>
               </a:buClr>
@@ -3730,12 +4047,12 @@
               <a:buChar char="•"/>
             </a:pPr>
             <a:r>
-              <a:rPr sz="2400" lang="da"/>
+              <a:rPr lang="da" sz="2400"/>
               <a:t>Is intended for use over UDP(or other connectionless protocol) == no guarantee that the packet won’t be lost</a:t>
             </a:r>
           </a:p>
           <a:p>
-            <a:pPr lvl="0" indent="-381000" marL="457200">
+            <a:pPr marL="457200" lvl="0" indent="-381000">
               <a:buClr>
                 <a:schemeClr val="dk1"/>
               </a:buClr>
@@ -3744,7 +4061,7 @@
               <a:buChar char="•"/>
             </a:pPr>
             <a:r>
-              <a:rPr sz="2400" lang="da"/>
+              <a:rPr lang="da" sz="2400"/>
               <a:t>Arbitrarily-sized payload == too much flexibility for most users</a:t>
             </a:r>
           </a:p>
@@ -3755,48 +4072,50 @@
   <p:clrMapOvr>
     <a:masterClrMapping/>
   </p:clrMapOvr>
-  <p:transition spd="slow">
+  <p:transition xmlns:p14="http://schemas.microsoft.com/office/powerpoint/2010/main" spd="slow">
     <p:cut/>
   </p:transition>
 </p:sld>
 </file>
 
 <file path=ppt/slides/slide5.xml><?xml version="1.0" encoding="utf-8"?>
-<p:sld xmlns:a="http://schemas.openxmlformats.org/drawingml/2006/main" xmlns:r="http://schemas.openxmlformats.org/officeDocument/2006/relationships" xmlns:mc="http://schemas.openxmlformats.org/markup-compatibility/2006" xmlns:mv="urn:schemas-microsoft-com:mac:vml" xmlns:p="http://schemas.openxmlformats.org/presentationml/2006/main" xmlns:c="http://schemas.openxmlformats.org/drawingml/2006/chart" xmlns:dgm="http://schemas.openxmlformats.org/drawingml/2006/diagram" xmlns:o="urn:schemas-microsoft-com:office:office" xmlns:v="urn:schemas-microsoft-com:vml" xmlns:pvml="urn:schemas-microsoft-com:office:powerpoint" xmlns:com="http://schemas.openxmlformats.org/drawingml/2006/compatibility" xmlns:p14="http://schemas.microsoft.com/office/powerpoint/2010/main">
+<p:sld xmlns:a="http://schemas.openxmlformats.org/drawingml/2006/main" xmlns:r="http://schemas.openxmlformats.org/officeDocument/2006/relationships" xmlns:p="http://schemas.openxmlformats.org/presentationml/2006/main">
   <p:cSld>
     <p:spTree>
       <p:nvGrpSpPr>
-        <p:cNvPr id="43" name="Shape 43"/>
+        <p:cNvPr id="1" name="Shape 43"/>
         <p:cNvGrpSpPr/>
         <p:nvPr/>
       </p:nvGrpSpPr>
       <p:grpSpPr>
         <a:xfrm>
-          <a:off y="0" x="0"/>
-          <a:ext cy="0" cx="0"/>
-          <a:chOff y="0" x="0"/>
-          <a:chExt cy="0" cx="0"/>
+          <a:off x="0" y="0"/>
+          <a:ext cx="0" cy="0"/>
+          <a:chOff x="0" y="0"/>
+          <a:chExt cx="0" cy="0"/>
         </a:xfrm>
       </p:grpSpPr>
       <p:sp>
         <p:nvSpPr>
           <p:cNvPr id="44" name="Shape 44"/>
-          <p:cNvSpPr txBox="1"/>
+          <p:cNvSpPr txBox="1">
+            <a:spLocks noGrp="1"/>
+          </p:cNvSpPr>
           <p:nvPr>
             <p:ph type="title"/>
           </p:nvPr>
         </p:nvSpPr>
         <p:spPr>
           <a:xfrm>
-            <a:off y="205978" x="457200"/>
-            <a:ext cy="857400" cx="8229600"/>
+            <a:off x="457200" y="205978"/>
+            <a:ext cx="8229600" cy="857400"/>
           </a:xfrm>
           <a:prstGeom prst="rect">
             <a:avLst/>
           </a:prstGeom>
         </p:spPr>
         <p:txBody>
-          <a:bodyPr bIns="91425" rIns="91425" lIns="91425" tIns="91425" anchor="b" anchorCtr="0">
+          <a:bodyPr lIns="91425" tIns="91425" rIns="91425" bIns="91425" anchor="b" anchorCtr="0">
             <a:noAutofit/>
           </a:bodyPr>
           <a:lstStyle/>
@@ -3814,43 +4133,39 @@
       <p:sp>
         <p:nvSpPr>
           <p:cNvPr id="45" name="Shape 45"/>
-          <p:cNvSpPr txBox="1"/>
-          <p:nvPr>
-            <p:ph idx="1" type="body"/>
-          </p:nvPr>
-        </p:nvSpPr>
-        <p:spPr>
-          <a:xfrm>
-            <a:off y="1200150" x="457200"/>
-            <a:ext cy="3725699" cx="8229600"/>
+          <p:cNvSpPr txBox="1">
+            <a:spLocks noGrp="1"/>
+          </p:cNvSpPr>
+          <p:nvPr>
+            <p:ph type="body" idx="1"/>
+          </p:nvPr>
+        </p:nvSpPr>
+        <p:spPr>
+          <a:xfrm>
+            <a:off x="457200" y="1200150"/>
+            <a:ext cx="8229600" cy="3725699"/>
           </a:xfrm>
           <a:prstGeom prst="rect">
             <a:avLst/>
           </a:prstGeom>
         </p:spPr>
         <p:txBody>
-          <a:bodyPr bIns="91425" rIns="91425" lIns="91425" tIns="91425" anchor="t" anchorCtr="0">
+          <a:bodyPr lIns="91425" tIns="91425" rIns="91425" bIns="91425" anchor="t" anchorCtr="0">
             <a:noAutofit/>
           </a:bodyPr>
           <a:lstStyle/>
           <a:p>
-            <a:pPr rtl="0" lvl="0">
+            <a:pPr lvl="0" rtl="0">
               <a:buNone/>
             </a:pPr>
             <a:r>
               <a:rPr lang="da"/>
               <a:t>
-</a:t>
+Implementation error</a:t>
             </a:r>
-            <a:r>
-              <a:rPr lang="da"/>
-              <a:t>Implementation error</a:t>
-            </a:r>
-          </a:p>
-          <a:p>
-            <a:r>
-              <a:t/>
-            </a:r>
+          </a:p>
+          <a:p>
+            <a:endParaRPr lang="da"/>
           </a:p>
           <a:p>
             <a:pPr>
@@ -3868,48 +4183,57 @@
   <p:clrMapOvr>
     <a:masterClrMapping/>
   </p:clrMapOvr>
-  <p:transition spd="slow">
+  <p:transition xmlns:p14="http://schemas.microsoft.com/office/powerpoint/2010/main" spd="slow">
     <p:cut/>
   </p:transition>
+  <p:timing>
+    <p:tnLst>
+      <p:par>
+        <p:cTn xmlns:p14="http://schemas.microsoft.com/office/powerpoint/2010/main" id="1" dur="indefinite" restart="never" nodeType="tmRoot"/>
+      </p:par>
+    </p:tnLst>
+  </p:timing>
 </p:sld>
 </file>
 
 <file path=ppt/slides/slide6.xml><?xml version="1.0" encoding="utf-8"?>
-<p:sld xmlns:a="http://schemas.openxmlformats.org/drawingml/2006/main" xmlns:r="http://schemas.openxmlformats.org/officeDocument/2006/relationships" xmlns:mc="http://schemas.openxmlformats.org/markup-compatibility/2006" xmlns:mv="urn:schemas-microsoft-com:mac:vml" xmlns:p="http://schemas.openxmlformats.org/presentationml/2006/main" xmlns:c="http://schemas.openxmlformats.org/drawingml/2006/chart" xmlns:dgm="http://schemas.openxmlformats.org/drawingml/2006/diagram" xmlns:o="urn:schemas-microsoft-com:office:office" xmlns:v="urn:schemas-microsoft-com:vml" xmlns:pvml="urn:schemas-microsoft-com:office:powerpoint" xmlns:com="http://schemas.openxmlformats.org/drawingml/2006/compatibility" xmlns:p14="http://schemas.microsoft.com/office/powerpoint/2010/main">
+<p:sld xmlns:a="http://schemas.openxmlformats.org/drawingml/2006/main" xmlns:r="http://schemas.openxmlformats.org/officeDocument/2006/relationships" xmlns:p="http://schemas.openxmlformats.org/presentationml/2006/main">
   <p:cSld>
     <p:spTree>
       <p:nvGrpSpPr>
-        <p:cNvPr id="49" name="Shape 49"/>
+        <p:cNvPr id="1" name="Shape 49"/>
         <p:cNvGrpSpPr/>
         <p:nvPr/>
       </p:nvGrpSpPr>
       <p:grpSpPr>
         <a:xfrm>
-          <a:off y="0" x="0"/>
-          <a:ext cy="0" cx="0"/>
-          <a:chOff y="0" x="0"/>
-          <a:chExt cy="0" cx="0"/>
+          <a:off x="0" y="0"/>
+          <a:ext cx="0" cy="0"/>
+          <a:chOff x="0" y="0"/>
+          <a:chExt cx="0" cy="0"/>
         </a:xfrm>
       </p:grpSpPr>
       <p:sp>
         <p:nvSpPr>
           <p:cNvPr id="50" name="Shape 50"/>
-          <p:cNvSpPr txBox="1"/>
+          <p:cNvSpPr txBox="1">
+            <a:spLocks noGrp="1"/>
+          </p:cNvSpPr>
           <p:nvPr>
             <p:ph type="title"/>
           </p:nvPr>
         </p:nvSpPr>
         <p:spPr>
           <a:xfrm>
-            <a:off y="205978" x="457200"/>
-            <a:ext cy="857400" cx="8229600"/>
+            <a:off x="457200" y="205978"/>
+            <a:ext cx="8229600" cy="857400"/>
           </a:xfrm>
           <a:prstGeom prst="rect">
             <a:avLst/>
           </a:prstGeom>
         </p:spPr>
         <p:txBody>
-          <a:bodyPr bIns="91425" rIns="91425" lIns="91425" tIns="91425" anchor="b" anchorCtr="0">
+          <a:bodyPr lIns="91425" tIns="91425" rIns="91425" bIns="91425" anchor="b" anchorCtr="0">
             <a:noAutofit/>
           </a:bodyPr>
           <a:lstStyle/>
@@ -3927,27 +4251,29 @@
       <p:sp>
         <p:nvSpPr>
           <p:cNvPr id="51" name="Shape 51"/>
-          <p:cNvSpPr txBox="1"/>
-          <p:nvPr>
-            <p:ph idx="1" type="body"/>
-          </p:nvPr>
-        </p:nvSpPr>
-        <p:spPr>
-          <a:xfrm>
-            <a:off y="1200150" x="457200"/>
-            <a:ext cy="3725699" cx="8229600"/>
+          <p:cNvSpPr txBox="1">
+            <a:spLocks noGrp="1"/>
+          </p:cNvSpPr>
+          <p:nvPr>
+            <p:ph type="body" idx="1"/>
+          </p:nvPr>
+        </p:nvSpPr>
+        <p:spPr>
+          <a:xfrm>
+            <a:off x="457200" y="1200150"/>
+            <a:ext cx="8229600" cy="3725699"/>
           </a:xfrm>
           <a:prstGeom prst="rect">
             <a:avLst/>
           </a:prstGeom>
         </p:spPr>
         <p:txBody>
-          <a:bodyPr bIns="91425" rIns="91425" lIns="91425" tIns="91425" anchor="t" anchorCtr="0">
+          <a:bodyPr lIns="91425" tIns="91425" rIns="91425" bIns="91425" anchor="t" anchorCtr="0">
             <a:noAutofit/>
           </a:bodyPr>
           <a:lstStyle/>
           <a:p>
-            <a:pPr rtl="0" lvl="0" indent="-406400" marL="457200">
+            <a:pPr marL="457200" lvl="0" indent="-406400" rtl="0">
               <a:buClr>
                 <a:schemeClr val="dk1"/>
               </a:buClr>
@@ -3956,12 +4282,12 @@
               <a:buChar char="•"/>
             </a:pPr>
             <a:r>
-              <a:rPr sz="2800" lang="da"/>
+              <a:rPr lang="da" sz="2500" dirty="0"/>
               <a:t>Programmer forgot to check the payload size</a:t>
             </a:r>
           </a:p>
           <a:p>
-            <a:pPr rtl="0" lvl="0" indent="-406400" marL="457200">
+            <a:pPr marL="457200" lvl="0" indent="-406400" rtl="0">
               <a:buClr>
                 <a:schemeClr val="dk1"/>
               </a:buClr>
@@ -3970,12 +4296,12 @@
               <a:buChar char="•"/>
             </a:pPr>
             <a:r>
-              <a:rPr sz="2800" lang="da"/>
+              <a:rPr lang="da" sz="2500" dirty="0"/>
               <a:t>Returns up to 64kb of additional RAM-data</a:t>
             </a:r>
           </a:p>
           <a:p>
-            <a:pPr rtl="0" lvl="0" indent="-406400" marL="457200">
+            <a:pPr marL="457200" lvl="0" indent="-406400" rtl="0">
               <a:buClr>
                 <a:schemeClr val="dk1"/>
               </a:buClr>
@@ -3984,12 +4310,12 @@
               <a:buChar char="•"/>
             </a:pPr>
             <a:r>
-              <a:rPr sz="2800" lang="da"/>
+              <a:rPr lang="da" sz="2500" dirty="0"/>
               <a:t>Etc. send payload of 1b, with size of 60.000b, rinse and repeat</a:t>
             </a:r>
           </a:p>
           <a:p>
-            <a:pPr rtl="0" lvl="0" indent="-406400" marL="457200">
+            <a:pPr marL="457200" lvl="0" indent="-406400" rtl="0">
               <a:buClr>
                 <a:schemeClr val="dk1"/>
               </a:buClr>
@@ -3998,12 +4324,12 @@
               <a:buChar char="•"/>
             </a:pPr>
             <a:r>
-              <a:rPr sz="2800" lang="da"/>
+              <a:rPr lang="da" sz="2500" dirty="0"/>
               <a:t>That could be:</a:t>
             </a:r>
           </a:p>
           <a:p>
-            <a:pPr rtl="0" lvl="1" indent="-381000" marL="914400">
+            <a:pPr marL="914400" lvl="1" indent="-381000" rtl="0">
               <a:buClr>
                 <a:schemeClr val="dk1"/>
               </a:buClr>
@@ -4012,12 +4338,12 @@
               <a:buChar char="o"/>
             </a:pPr>
             <a:r>
-              <a:rPr lang="da"/>
+              <a:rPr lang="da" sz="2100" dirty="0"/>
               <a:t>Database information</a:t>
             </a:r>
           </a:p>
           <a:p>
-            <a:pPr rtl="0" lvl="1" indent="-381000" marL="914400">
+            <a:pPr marL="914400" lvl="1" indent="-381000" rtl="0">
               <a:buClr>
                 <a:schemeClr val="dk1"/>
               </a:buClr>
@@ -4026,12 +4352,12 @@
               <a:buChar char="o"/>
             </a:pPr>
             <a:r>
-              <a:rPr lang="da"/>
+              <a:rPr lang="da" sz="2100" dirty="0"/>
               <a:t>Server side code</a:t>
             </a:r>
           </a:p>
           <a:p>
-            <a:pPr rtl="0" lvl="1" indent="-381000" marL="914400">
+            <a:pPr marL="914400" lvl="1" indent="-381000" rtl="0">
               <a:buClr>
                 <a:schemeClr val="dk1"/>
               </a:buClr>
@@ -4040,12 +4366,12 @@
               <a:buChar char="o"/>
             </a:pPr>
             <a:r>
-              <a:rPr lang="da"/>
+              <a:rPr lang="da" sz="2100" dirty="0"/>
               <a:t>Privat encryption keys</a:t>
             </a:r>
           </a:p>
           <a:p>
-            <a:pPr lvl="1" indent="-381000" marL="914400">
+            <a:pPr marL="914400" lvl="1" indent="-381000">
               <a:buClr>
                 <a:schemeClr val="dk1"/>
               </a:buClr>
@@ -4054,7 +4380,7 @@
               <a:buChar char="o"/>
             </a:pPr>
             <a:r>
-              <a:rPr lang="da"/>
+              <a:rPr lang="da" sz="2100" dirty="0"/>
               <a:t>Basically anything in the RAM</a:t>
             </a:r>
           </a:p>
@@ -4065,48 +4391,57 @@
   <p:clrMapOvr>
     <a:masterClrMapping/>
   </p:clrMapOvr>
-  <p:transition spd="slow">
+  <p:transition xmlns:p14="http://schemas.microsoft.com/office/powerpoint/2010/main" spd="slow">
     <p:cut/>
   </p:transition>
+  <p:timing>
+    <p:tnLst>
+      <p:par>
+        <p:cTn xmlns:p14="http://schemas.microsoft.com/office/powerpoint/2010/main" id="1" dur="indefinite" restart="never" nodeType="tmRoot"/>
+      </p:par>
+    </p:tnLst>
+  </p:timing>
 </p:sld>
 </file>
 
 <file path=ppt/slides/slide7.xml><?xml version="1.0" encoding="utf-8"?>
-<p:sld xmlns:a="http://schemas.openxmlformats.org/drawingml/2006/main" xmlns:r="http://schemas.openxmlformats.org/officeDocument/2006/relationships" xmlns:mc="http://schemas.openxmlformats.org/markup-compatibility/2006" xmlns:mv="urn:schemas-microsoft-com:mac:vml" xmlns:p="http://schemas.openxmlformats.org/presentationml/2006/main" xmlns:c="http://schemas.openxmlformats.org/drawingml/2006/chart" xmlns:dgm="http://schemas.openxmlformats.org/drawingml/2006/diagram" xmlns:o="urn:schemas-microsoft-com:office:office" xmlns:v="urn:schemas-microsoft-com:vml" xmlns:pvml="urn:schemas-microsoft-com:office:powerpoint" xmlns:com="http://schemas.openxmlformats.org/drawingml/2006/compatibility" xmlns:p14="http://schemas.microsoft.com/office/powerpoint/2010/main">
+<p:sld xmlns:a="http://schemas.openxmlformats.org/drawingml/2006/main" xmlns:r="http://schemas.openxmlformats.org/officeDocument/2006/relationships" xmlns:p="http://schemas.openxmlformats.org/presentationml/2006/main">
   <p:cSld>
     <p:spTree>
       <p:nvGrpSpPr>
-        <p:cNvPr id="55" name="Shape 55"/>
+        <p:cNvPr id="1" name="Shape 55"/>
         <p:cNvGrpSpPr/>
         <p:nvPr/>
       </p:nvGrpSpPr>
       <p:grpSpPr>
         <a:xfrm>
-          <a:off y="0" x="0"/>
-          <a:ext cy="0" cx="0"/>
-          <a:chOff y="0" x="0"/>
-          <a:chExt cy="0" cx="0"/>
+          <a:off x="0" y="0"/>
+          <a:ext cx="0" cy="0"/>
+          <a:chOff x="0" y="0"/>
+          <a:chExt cx="0" cy="0"/>
         </a:xfrm>
       </p:grpSpPr>
       <p:sp>
         <p:nvSpPr>
           <p:cNvPr id="56" name="Shape 56"/>
-          <p:cNvSpPr txBox="1"/>
+          <p:cNvSpPr txBox="1">
+            <a:spLocks noGrp="1"/>
+          </p:cNvSpPr>
           <p:nvPr>
             <p:ph type="title"/>
           </p:nvPr>
         </p:nvSpPr>
         <p:spPr>
           <a:xfrm>
-            <a:off y="1914453" x="457200"/>
-            <a:ext cy="857400" cx="8229600"/>
+            <a:off x="457200" y="1914453"/>
+            <a:ext cx="8229600" cy="857400"/>
           </a:xfrm>
           <a:prstGeom prst="rect">
             <a:avLst/>
           </a:prstGeom>
         </p:spPr>
         <p:txBody>
-          <a:bodyPr bIns="91425" rIns="91425" lIns="91425" tIns="91425" anchor="b" anchorCtr="0">
+          <a:bodyPr lIns="91425" tIns="91425" rIns="91425" bIns="91425" anchor="b" anchorCtr="0">
             <a:noAutofit/>
           </a:bodyPr>
           <a:lstStyle/>
@@ -4115,7 +4450,7 @@
               <a:buNone/>
             </a:pPr>
             <a:r>
-              <a:rPr sz="4800" lang="da"/>
+              <a:rPr lang="da" sz="4800"/>
               <a:t>Demonstration</a:t>
             </a:r>
           </a:p>
@@ -4129,15 +4464,15 @@
         </p:nvSpPr>
         <p:spPr>
           <a:xfrm>
-            <a:off y="2771850" x="1667100"/>
-            <a:ext cy="558300" cx="5809799"/>
+            <a:off x="1667100" y="2771850"/>
+            <a:ext cx="5809799" cy="558300"/>
           </a:xfrm>
           <a:prstGeom prst="rect">
             <a:avLst/>
           </a:prstGeom>
         </p:spPr>
         <p:txBody>
-          <a:bodyPr bIns="91425" rIns="91425" lIns="91425" tIns="91425" anchor="t" anchorCtr="0">
+          <a:bodyPr lIns="91425" tIns="91425" rIns="91425" bIns="91425" anchor="t" anchorCtr="0">
             <a:noAutofit/>
           </a:bodyPr>
           <a:lstStyle/>
@@ -4161,48 +4496,50 @@
   <p:clrMapOvr>
     <a:masterClrMapping/>
   </p:clrMapOvr>
-  <p:transition spd="slow">
+  <p:transition xmlns:p14="http://schemas.microsoft.com/office/powerpoint/2010/main" spd="slow">
     <p:cut/>
   </p:transition>
 </p:sld>
 </file>
 
 <file path=ppt/slides/slide8.xml><?xml version="1.0" encoding="utf-8"?>
-<p:sld xmlns:a="http://schemas.openxmlformats.org/drawingml/2006/main" xmlns:r="http://schemas.openxmlformats.org/officeDocument/2006/relationships" xmlns:mc="http://schemas.openxmlformats.org/markup-compatibility/2006" xmlns:mv="urn:schemas-microsoft-com:mac:vml" xmlns:p="http://schemas.openxmlformats.org/presentationml/2006/main" xmlns:c="http://schemas.openxmlformats.org/drawingml/2006/chart" xmlns:dgm="http://schemas.openxmlformats.org/drawingml/2006/diagram" xmlns:o="urn:schemas-microsoft-com:office:office" xmlns:v="urn:schemas-microsoft-com:vml" xmlns:pvml="urn:schemas-microsoft-com:office:powerpoint" xmlns:com="http://schemas.openxmlformats.org/drawingml/2006/compatibility" xmlns:p14="http://schemas.microsoft.com/office/powerpoint/2010/main">
+<p:sld xmlns:a="http://schemas.openxmlformats.org/drawingml/2006/main" xmlns:r="http://schemas.openxmlformats.org/officeDocument/2006/relationships" xmlns:p="http://schemas.openxmlformats.org/presentationml/2006/main">
   <p:cSld>
     <p:spTree>
       <p:nvGrpSpPr>
-        <p:cNvPr id="61" name="Shape 61"/>
+        <p:cNvPr id="1" name="Shape 61"/>
         <p:cNvGrpSpPr/>
         <p:nvPr/>
       </p:nvGrpSpPr>
       <p:grpSpPr>
         <a:xfrm>
-          <a:off y="0" x="0"/>
-          <a:ext cy="0" cx="0"/>
-          <a:chOff y="0" x="0"/>
-          <a:chExt cy="0" cx="0"/>
+          <a:off x="0" y="0"/>
+          <a:ext cx="0" cy="0"/>
+          <a:chOff x="0" y="0"/>
+          <a:chExt cx="0" cy="0"/>
         </a:xfrm>
       </p:grpSpPr>
       <p:sp>
         <p:nvSpPr>
           <p:cNvPr id="62" name="Shape 62"/>
-          <p:cNvSpPr txBox="1"/>
+          <p:cNvSpPr txBox="1">
+            <a:spLocks noGrp="1"/>
+          </p:cNvSpPr>
           <p:nvPr>
             <p:ph type="title"/>
           </p:nvPr>
         </p:nvSpPr>
         <p:spPr>
           <a:xfrm>
-            <a:off y="205978" x="457200"/>
-            <a:ext cy="857400" cx="8229600"/>
+            <a:off x="457200" y="205978"/>
+            <a:ext cx="8229600" cy="857400"/>
           </a:xfrm>
           <a:prstGeom prst="rect">
             <a:avLst/>
           </a:prstGeom>
         </p:spPr>
         <p:txBody>
-          <a:bodyPr bIns="91425" rIns="91425" lIns="91425" tIns="91425" anchor="b" anchorCtr="0">
+          <a:bodyPr lIns="91425" tIns="91425" rIns="91425" bIns="91425" anchor="b" anchorCtr="0">
             <a:noAutofit/>
           </a:bodyPr>
           <a:lstStyle/>
@@ -4220,27 +4557,29 @@
       <p:sp>
         <p:nvSpPr>
           <p:cNvPr id="63" name="Shape 63"/>
-          <p:cNvSpPr txBox="1"/>
-          <p:nvPr>
-            <p:ph idx="1" type="body"/>
-          </p:nvPr>
-        </p:nvSpPr>
-        <p:spPr>
-          <a:xfrm>
-            <a:off y="1200150" x="457200"/>
-            <a:ext cy="3725699" cx="8229600"/>
+          <p:cNvSpPr txBox="1">
+            <a:spLocks noGrp="1"/>
+          </p:cNvSpPr>
+          <p:nvPr>
+            <p:ph type="body" idx="1"/>
+          </p:nvPr>
+        </p:nvSpPr>
+        <p:spPr>
+          <a:xfrm>
+            <a:off x="457200" y="1200150"/>
+            <a:ext cx="8229600" cy="3725699"/>
           </a:xfrm>
           <a:prstGeom prst="rect">
             <a:avLst/>
           </a:prstGeom>
         </p:spPr>
         <p:txBody>
-          <a:bodyPr bIns="91425" rIns="91425" lIns="91425" tIns="91425" anchor="t" anchorCtr="0">
+          <a:bodyPr lIns="91425" tIns="91425" rIns="91425" bIns="91425" anchor="t" anchorCtr="0">
             <a:noAutofit/>
           </a:bodyPr>
           <a:lstStyle/>
           <a:p>
-            <a:pPr rtl="0" lvl="0" indent="-374650" marL="457200">
+            <a:pPr marL="457200" lvl="0" indent="-374650" rtl="0">
               <a:lnSpc>
                 <a:spcPct val="142857"/>
               </a:lnSpc>
@@ -4258,7 +4597,7 @@
               <a:buChar char="•"/>
             </a:pPr>
             <a:r>
-              <a:rPr sz="2300" lang="da">
+              <a:rPr lang="da" sz="2300">
                 <a:solidFill>
                   <a:srgbClr val="222222"/>
                 </a:solidFill>
@@ -4267,7 +4606,7 @@
             </a:r>
           </a:p>
           <a:p>
-            <a:pPr rtl="0" lvl="0" indent="-374650" marL="457200">
+            <a:pPr marL="457200" lvl="0" indent="-374650" rtl="0">
               <a:lnSpc>
                 <a:spcPct val="142857"/>
               </a:lnSpc>
@@ -4285,7 +4624,7 @@
               <a:buChar char="•"/>
             </a:pPr>
             <a:r>
-              <a:rPr sz="2300" lang="da">
+              <a:rPr lang="da" sz="2300">
                 <a:solidFill>
                   <a:srgbClr val="222222"/>
                 </a:solidFill>
@@ -4294,7 +4633,7 @@
             </a:r>
           </a:p>
           <a:p>
-            <a:pPr rtl="0" lvl="0" indent="-374650" marL="457200">
+            <a:pPr marL="457200" lvl="0" indent="-374650" rtl="0">
               <a:lnSpc>
                 <a:spcPct val="142857"/>
               </a:lnSpc>
@@ -4312,7 +4651,7 @@
               <a:buChar char="•"/>
             </a:pPr>
             <a:r>
-              <a:rPr sz="2300" lang="da">
+              <a:rPr lang="da" sz="2300">
                 <a:solidFill>
                   <a:srgbClr val="222222"/>
                 </a:solidFill>
@@ -4321,7 +4660,7 @@
             </a:r>
           </a:p>
           <a:p>
-            <a:pPr rtl="0" lvl="0" indent="-374650" marL="457200">
+            <a:pPr marL="457200" lvl="0" indent="-374650" rtl="0">
               <a:lnSpc>
                 <a:spcPct val="142857"/>
               </a:lnSpc>
@@ -4339,7 +4678,7 @@
               <a:buChar char="•"/>
             </a:pPr>
             <a:r>
-              <a:rPr sz="2300" lang="da">
+              <a:rPr lang="da" sz="2300">
                 <a:solidFill>
                   <a:srgbClr val="222222"/>
                 </a:solidFill>
@@ -4348,12 +4687,14 @@
             </a:r>
           </a:p>
           <a:p>
-            <a:r>
-              <a:t/>
-            </a:r>
-          </a:p>
-          <a:p>
-            <a:pPr rtl="0" lvl="0">
+            <a:endParaRPr lang="da" sz="2300">
+              <a:solidFill>
+                <a:srgbClr val="222222"/>
+              </a:solidFill>
+            </a:endParaRPr>
+          </a:p>
+          <a:p>
+            <a:pPr lvl="0" rtl="0">
               <a:lnSpc>
                 <a:spcPct val="142857"/>
               </a:lnSpc>
@@ -4366,7 +4707,7 @@
               <a:buNone/>
             </a:pPr>
             <a:r>
-              <a:rPr sz="2300" lang="da">
+              <a:rPr lang="da" sz="2300">
                 <a:solidFill>
                   <a:srgbClr val="222222"/>
                 </a:solidFill>
@@ -4381,48 +4722,50 @@
   <p:clrMapOvr>
     <a:masterClrMapping/>
   </p:clrMapOvr>
-  <p:transition spd="slow">
+  <p:transition xmlns:p14="http://schemas.microsoft.com/office/powerpoint/2010/main" spd="slow">
     <p:cut/>
   </p:transition>
 </p:sld>
 </file>
 
 <file path=ppt/slides/slide9.xml><?xml version="1.0" encoding="utf-8"?>
-<p:sld xmlns:a="http://schemas.openxmlformats.org/drawingml/2006/main" xmlns:r="http://schemas.openxmlformats.org/officeDocument/2006/relationships" xmlns:mc="http://schemas.openxmlformats.org/markup-compatibility/2006" xmlns:mv="urn:schemas-microsoft-com:mac:vml" xmlns:p="http://schemas.openxmlformats.org/presentationml/2006/main" xmlns:c="http://schemas.openxmlformats.org/drawingml/2006/chart" xmlns:dgm="http://schemas.openxmlformats.org/drawingml/2006/diagram" xmlns:o="urn:schemas-microsoft-com:office:office" xmlns:v="urn:schemas-microsoft-com:vml" xmlns:pvml="urn:schemas-microsoft-com:office:powerpoint" xmlns:com="http://schemas.openxmlformats.org/drawingml/2006/compatibility" xmlns:p14="http://schemas.microsoft.com/office/powerpoint/2010/main">
+<p:sld xmlns:a="http://schemas.openxmlformats.org/drawingml/2006/main" xmlns:r="http://schemas.openxmlformats.org/officeDocument/2006/relationships" xmlns:p="http://schemas.openxmlformats.org/presentationml/2006/main">
   <p:cSld>
     <p:spTree>
       <p:nvGrpSpPr>
-        <p:cNvPr id="67" name="Shape 67"/>
+        <p:cNvPr id="1" name="Shape 67"/>
         <p:cNvGrpSpPr/>
         <p:nvPr/>
       </p:nvGrpSpPr>
       <p:grpSpPr>
         <a:xfrm>
-          <a:off y="0" x="0"/>
-          <a:ext cy="0" cx="0"/>
-          <a:chOff y="0" x="0"/>
-          <a:chExt cy="0" cx="0"/>
+          <a:off x="0" y="0"/>
+          <a:ext cx="0" cy="0"/>
+          <a:chOff x="0" y="0"/>
+          <a:chExt cx="0" cy="0"/>
         </a:xfrm>
       </p:grpSpPr>
       <p:sp>
         <p:nvSpPr>
           <p:cNvPr id="68" name="Shape 68"/>
-          <p:cNvSpPr txBox="1"/>
+          <p:cNvSpPr txBox="1">
+            <a:spLocks noGrp="1"/>
+          </p:cNvSpPr>
           <p:nvPr>
             <p:ph type="title"/>
           </p:nvPr>
         </p:nvSpPr>
         <p:spPr>
           <a:xfrm>
-            <a:off y="205978" x="457200"/>
-            <a:ext cy="857400" cx="8229600"/>
+            <a:off x="457200" y="205978"/>
+            <a:ext cx="8229600" cy="857400"/>
           </a:xfrm>
           <a:prstGeom prst="rect">
             <a:avLst/>
           </a:prstGeom>
         </p:spPr>
         <p:txBody>
-          <a:bodyPr bIns="91425" rIns="91425" lIns="91425" tIns="91425" anchor="b" anchorCtr="0">
+          <a:bodyPr lIns="91425" tIns="91425" rIns="91425" bIns="91425" anchor="b" anchorCtr="0">
             <a:noAutofit/>
           </a:bodyPr>
           <a:lstStyle/>
@@ -4440,31 +4783,33 @@
       <p:sp>
         <p:nvSpPr>
           <p:cNvPr id="69" name="Shape 69"/>
-          <p:cNvSpPr txBox="1"/>
-          <p:nvPr>
-            <p:ph idx="1" type="body"/>
-          </p:nvPr>
-        </p:nvSpPr>
-        <p:spPr>
-          <a:xfrm>
-            <a:off y="1200150" x="457200"/>
-            <a:ext cy="3725699" cx="8229600"/>
+          <p:cNvSpPr txBox="1">
+            <a:spLocks noGrp="1"/>
+          </p:cNvSpPr>
+          <p:nvPr>
+            <p:ph type="body" idx="1"/>
+          </p:nvPr>
+        </p:nvSpPr>
+        <p:spPr>
+          <a:xfrm>
+            <a:off x="457200" y="1200150"/>
+            <a:ext cx="8229600" cy="3725699"/>
           </a:xfrm>
           <a:prstGeom prst="rect">
             <a:avLst/>
           </a:prstGeom>
         </p:spPr>
         <p:txBody>
-          <a:bodyPr bIns="91425" rIns="91425" lIns="91425" tIns="91425" anchor="t" anchorCtr="0">
+          <a:bodyPr lIns="91425" tIns="91425" rIns="91425" bIns="91425" anchor="t" anchorCtr="0">
             <a:noAutofit/>
           </a:bodyPr>
           <a:lstStyle/>
           <a:p>
-            <a:pPr rtl="0" lvl="0">
+            <a:pPr lvl="0" rtl="0">
               <a:buNone/>
             </a:pPr>
             <a:r>
-              <a:rPr sz="1900" lang="da">
+              <a:rPr lang="da" sz="1900">
                 <a:solidFill>
                   <a:srgbClr val="222222"/>
                 </a:solidFill>
@@ -4473,12 +4818,14 @@
             </a:r>
           </a:p>
           <a:p>
-            <a:r>
-              <a:t/>
-            </a:r>
-          </a:p>
-          <a:p>
-            <a:pPr rtl="0" lvl="0" indent="-349250" marL="457200">
+            <a:endParaRPr lang="da" sz="1900">
+              <a:solidFill>
+                <a:srgbClr val="222222"/>
+              </a:solidFill>
+            </a:endParaRPr>
+          </a:p>
+          <a:p>
+            <a:pPr marL="457200" lvl="0" indent="-349250" rtl="0">
               <a:buClr>
                 <a:srgbClr val="222222"/>
               </a:buClr>
@@ -4487,7 +4834,7 @@
               <a:buChar char="•"/>
             </a:pPr>
             <a:r>
-              <a:rPr sz="1900" lang="da">
+              <a:rPr lang="da" sz="1900">
                 <a:solidFill>
                   <a:srgbClr val="222222"/>
                 </a:solidFill>
@@ -4496,7 +4843,7 @@
             </a:r>
           </a:p>
           <a:p>
-            <a:pPr rtl="0" lvl="0" indent="-349250" marL="457200">
+            <a:pPr marL="457200" lvl="0" indent="-349250" rtl="0">
               <a:buClr>
                 <a:srgbClr val="222222"/>
               </a:buClr>
@@ -4505,7 +4852,7 @@
               <a:buChar char="•"/>
             </a:pPr>
             <a:r>
-              <a:rPr sz="1900" lang="da">
+              <a:rPr lang="da" sz="1900">
                 <a:solidFill>
                   <a:srgbClr val="222222"/>
                 </a:solidFill>
@@ -4514,16 +4861,18 @@
             </a:r>
           </a:p>
           <a:p>
-            <a:r>
-              <a:t/>
-            </a:r>
-          </a:p>
-          <a:p>
-            <a:pPr rtl="0" lvl="0">
+            <a:endParaRPr lang="da" sz="1900">
+              <a:solidFill>
+                <a:srgbClr val="222222"/>
+              </a:solidFill>
+            </a:endParaRPr>
+          </a:p>
+          <a:p>
+            <a:pPr lvl="0" rtl="0">
               <a:buNone/>
             </a:pPr>
             <a:r>
-              <a:rPr sz="1900" lang="da">
+              <a:rPr lang="da" sz="1900">
                 <a:solidFill>
                   <a:srgbClr val="222222"/>
                 </a:solidFill>
@@ -4532,12 +4881,14 @@
             </a:r>
           </a:p>
           <a:p>
-            <a:r>
-              <a:t/>
-            </a:r>
-          </a:p>
-          <a:p>
-            <a:pPr rtl="0" lvl="0">
+            <a:endParaRPr lang="da" sz="1900">
+              <a:solidFill>
+                <a:srgbClr val="222222"/>
+              </a:solidFill>
+            </a:endParaRPr>
+          </a:p>
+          <a:p>
+            <a:pPr lvl="0" rtl="0">
               <a:buClr>
                 <a:schemeClr val="dk1"/>
               </a:buClr>
@@ -4546,7 +4897,7 @@
               <a:buNone/>
             </a:pPr>
             <a:r>
-              <a:rPr sz="1900" lang="da">
+              <a:rPr lang="da" sz="1900">
                 <a:solidFill>
                   <a:srgbClr val="222222"/>
                 </a:solidFill>
@@ -4555,9 +4906,11 @@
             </a:r>
           </a:p>
           <a:p>
-            <a:r>
-              <a:t/>
-            </a:r>
+            <a:endParaRPr lang="da" sz="1900">
+              <a:solidFill>
+                <a:srgbClr val="222222"/>
+              </a:solidFill>
+            </a:endParaRPr>
           </a:p>
         </p:txBody>
       </p:sp>
@@ -4566,14 +4919,14 @@
   <p:clrMapOvr>
     <a:masterClrMapping/>
   </p:clrMapOvr>
-  <p:transition spd="slow">
+  <p:transition xmlns:p14="http://schemas.microsoft.com/office/powerpoint/2010/main" spd="slow">
     <p:cut/>
   </p:transition>
 </p:sld>
 </file>
 
 <file path=ppt/theme/theme1.xml><?xml version="1.0" encoding="utf-8"?>
-<a:theme xmlns:a="http://schemas.openxmlformats.org/drawingml/2006/main" xmlns:r="http://schemas.openxmlformats.org/officeDocument/2006/relationships" name="simple-light">
+<a:theme xmlns:a="http://schemas.openxmlformats.org/drawingml/2006/main" name="simple-light">
   <a:themeElements>
     <a:clrScheme name="Custom 347">
       <a:dk1>
@@ -4618,69 +4971,69 @@
         <a:latin typeface="Arial"/>
         <a:ea typeface=""/>
         <a:cs typeface=""/>
-        <a:font typeface="ＭＳ Ｐゴシック" script="Jpan"/>
-        <a:font typeface="맑은 고딕" script="Hang"/>
-        <a:font typeface="宋体" script="Hans"/>
-        <a:font typeface="新細明體" script="Hant"/>
-        <a:font typeface="Times New Roman" script="Arab"/>
-        <a:font typeface="Times New Roman" script="Hebr"/>
-        <a:font typeface="Angsana New" script="Thai"/>
-        <a:font typeface="Nyala" script="Ethi"/>
-        <a:font typeface="Vrinda" script="Beng"/>
-        <a:font typeface="Shruti" script="Gujr"/>
-        <a:font typeface="MoolBoran" script="Khmr"/>
-        <a:font typeface="Tunga" script="Knda"/>
-        <a:font typeface="Raavi" script="Guru"/>
-        <a:font typeface="Euphemia" script="Cans"/>
-        <a:font typeface="Plantagenet Cherokee" script="Cher"/>
-        <a:font typeface="Microsoft Yi Baiti" script="Yiii"/>
-        <a:font typeface="Microsoft Himalaya" script="Tibt"/>
-        <a:font typeface="MV Boli" script="Thaa"/>
-        <a:font typeface="Mangal" script="Deva"/>
-        <a:font typeface="Gautami" script="Telu"/>
-        <a:font typeface="Latha" script="Taml"/>
-        <a:font typeface="Estrangelo Edessa" script="Syrc"/>
-        <a:font typeface="Kalinga" script="Orya"/>
-        <a:font typeface="Kartika" script="Mlym"/>
-        <a:font typeface="DokChampa" script="Laoo"/>
-        <a:font typeface="Iskoola Pota" script="Sinh"/>
-        <a:font typeface="Mongolian Baiti" script="Mong"/>
-        <a:font typeface="Times New Roman" script="Viet"/>
-        <a:font typeface="Microsoft Uighur" script="Uigh"/>
+        <a:font script="Jpan" typeface="ＭＳ Ｐゴシック"/>
+        <a:font script="Hang" typeface="맑은 고딕"/>
+        <a:font script="Hans" typeface="宋体"/>
+        <a:font script="Hant" typeface="新細明體"/>
+        <a:font script="Arab" typeface="Times New Roman"/>
+        <a:font script="Hebr" typeface="Times New Roman"/>
+        <a:font script="Thai" typeface="Angsana New"/>
+        <a:font script="Ethi" typeface="Nyala"/>
+        <a:font script="Beng" typeface="Vrinda"/>
+        <a:font script="Gujr" typeface="Shruti"/>
+        <a:font script="Khmr" typeface="MoolBoran"/>
+        <a:font script="Knda" typeface="Tunga"/>
+        <a:font script="Guru" typeface="Raavi"/>
+        <a:font script="Cans" typeface="Euphemia"/>
+        <a:font script="Cher" typeface="Plantagenet Cherokee"/>
+        <a:font script="Yiii" typeface="Microsoft Yi Baiti"/>
+        <a:font script="Tibt" typeface="Microsoft Himalaya"/>
+        <a:font script="Thaa" typeface="MV Boli"/>
+        <a:font script="Deva" typeface="Mangal"/>
+        <a:font script="Telu" typeface="Gautami"/>
+        <a:font script="Taml" typeface="Latha"/>
+        <a:font script="Syrc" typeface="Estrangelo Edessa"/>
+        <a:font script="Orya" typeface="Kalinga"/>
+        <a:font script="Mlym" typeface="Kartika"/>
+        <a:font script="Laoo" typeface="DokChampa"/>
+        <a:font script="Sinh" typeface="Iskoola Pota"/>
+        <a:font script="Mong" typeface="Mongolian Baiti"/>
+        <a:font script="Viet" typeface="Times New Roman"/>
+        <a:font script="Uigh" typeface="Microsoft Uighur"/>
       </a:majorFont>
       <a:minorFont>
         <a:latin typeface="Arial"/>
         <a:ea typeface=""/>
         <a:cs typeface=""/>
-        <a:font typeface="ＭＳ Ｐゴシック" script="Jpan"/>
-        <a:font typeface="맑은 고딕" script="Hang"/>
-        <a:font typeface="宋体" script="Hans"/>
-        <a:font typeface="新細明體" script="Hant"/>
-        <a:font typeface="Arial" script="Arab"/>
-        <a:font typeface="Arial" script="Hebr"/>
-        <a:font typeface="Cordia New" script="Thai"/>
-        <a:font typeface="Nyala" script="Ethi"/>
-        <a:font typeface="Vrinda" script="Beng"/>
-        <a:font typeface="Shruti" script="Gujr"/>
-        <a:font typeface="DaunPenh" script="Khmr"/>
-        <a:font typeface="Tunga" script="Knda"/>
-        <a:font typeface="Raavi" script="Guru"/>
-        <a:font typeface="Euphemia" script="Cans"/>
-        <a:font typeface="Plantagenet Cherokee" script="Cher"/>
-        <a:font typeface="Microsoft Yi Baiti" script="Yiii"/>
-        <a:font typeface="Microsoft Himalaya" script="Tibt"/>
-        <a:font typeface="MV Boli" script="Thaa"/>
-        <a:font typeface="Mangal" script="Deva"/>
-        <a:font typeface="Gautami" script="Telu"/>
-        <a:font typeface="Latha" script="Taml"/>
-        <a:font typeface="Estrangelo Edessa" script="Syrc"/>
-        <a:font typeface="Kalinga" script="Orya"/>
-        <a:font typeface="Kartika" script="Mlym"/>
-        <a:font typeface="DokChampa" script="Laoo"/>
-        <a:font typeface="Iskoola Pota" script="Sinh"/>
-        <a:font typeface="Mongolian Baiti" script="Mong"/>
-        <a:font typeface="Arial" script="Viet"/>
-        <a:font typeface="Microsoft Uighur" script="Uigh"/>
+        <a:font script="Jpan" typeface="ＭＳ Ｐゴシック"/>
+        <a:font script="Hang" typeface="맑은 고딕"/>
+        <a:font script="Hans" typeface="宋体"/>
+        <a:font script="Hant" typeface="新細明體"/>
+        <a:font script="Arab" typeface="Arial"/>
+        <a:font script="Hebr" typeface="Arial"/>
+        <a:font script="Thai" typeface="Cordia New"/>
+        <a:font script="Ethi" typeface="Nyala"/>
+        <a:font script="Beng" typeface="Vrinda"/>
+        <a:font script="Gujr" typeface="Shruti"/>
+        <a:font script="Khmr" typeface="DaunPenh"/>
+        <a:font script="Knda" typeface="Tunga"/>
+        <a:font script="Guru" typeface="Raavi"/>
+        <a:font script="Cans" typeface="Euphemia"/>
+        <a:font script="Cher" typeface="Plantagenet Cherokee"/>
+        <a:font script="Yiii" typeface="Microsoft Yi Baiti"/>
+        <a:font script="Tibt" typeface="Microsoft Himalaya"/>
+        <a:font script="Thaa" typeface="MV Boli"/>
+        <a:font script="Deva" typeface="Mangal"/>
+        <a:font script="Telu" typeface="Gautami"/>
+        <a:font script="Taml" typeface="Latha"/>
+        <a:font script="Syrc" typeface="Estrangelo Edessa"/>
+        <a:font script="Orya" typeface="Kalinga"/>
+        <a:font script="Mlym" typeface="Kartika"/>
+        <a:font script="Laoo" typeface="DokChampa"/>
+        <a:font script="Sinh" typeface="Iskoola Pota"/>
+        <a:font script="Mong" typeface="Mongolian Baiti"/>
+        <a:font script="Viet" typeface="Arial"/>
+        <a:font script="Uigh" typeface="Microsoft Uighur"/>
       </a:minorFont>
     </a:fontScheme>
     <a:fmtScheme name="Office">
@@ -4732,7 +5085,7 @@
         </a:gradFill>
       </a:fillStyleLst>
       <a:lnStyleLst>
-        <a:ln w="9525" algn="ctr" cap="flat" cmpd="sng">
+        <a:ln w="9525" cap="flat" cmpd="sng" algn="ctr">
           <a:solidFill>
             <a:schemeClr val="phClr">
               <a:shade val="95000"/>
@@ -4741,13 +5094,13 @@
           </a:solidFill>
           <a:prstDash val="solid"/>
         </a:ln>
-        <a:ln w="25400" algn="ctr" cap="flat" cmpd="sng">
+        <a:ln w="25400" cap="flat" cmpd="sng" algn="ctr">
           <a:solidFill>
             <a:schemeClr val="phClr"/>
           </a:solidFill>
           <a:prstDash val="solid"/>
         </a:ln>
-        <a:ln w="38100" algn="ctr" cap="flat" cmpd="sng">
+        <a:ln w="38100" cap="flat" cmpd="sng" algn="ctr">
           <a:solidFill>
             <a:schemeClr val="phClr"/>
           </a:solidFill>
@@ -4757,7 +5110,7 @@
       <a:effectStyleLst>
         <a:effectStyle>
           <a:effectLst>
-            <a:outerShdw rotWithShape="0" dir="5400000" blurRad="40000" dist="20000">
+            <a:outerShdw blurRad="40000" dist="20000" dir="5400000" rotWithShape="0">
               <a:srgbClr val="000000">
                 <a:alpha val="38000"/>
               </a:srgbClr>
@@ -4766,7 +5119,7 @@
         </a:effectStyle>
         <a:effectStyle>
           <a:effectLst>
-            <a:outerShdw rotWithShape="0" dir="5400000" blurRad="40000" dist="23000">
+            <a:outerShdw blurRad="40000" dist="23000" dir="5400000" rotWithShape="0">
               <a:srgbClr val="000000">
                 <a:alpha val="35000"/>
               </a:srgbClr>
@@ -4775,7 +5128,7 @@
         </a:effectStyle>
         <a:effectStyle>
           <a:effectLst>
-            <a:outerShdw rotWithShape="0" dir="5400000" blurRad="40000" dist="23000">
+            <a:outerShdw blurRad="40000" dist="23000" dir="5400000" rotWithShape="0">
               <a:srgbClr val="000000">
                 <a:alpha val="35000"/>
               </a:srgbClr>
@@ -4783,10 +5136,10 @@
           </a:effectLst>
           <a:scene3d>
             <a:camera prst="orthographicFront">
-              <a:rot rev="0" lon="0" lat="0"/>
+              <a:rot lat="0" lon="0" rev="0"/>
             </a:camera>
-            <a:lightRig dir="t" rig="threePt">
-              <a:rot rev="1200000" lon="0" lat="0"/>
+            <a:lightRig rig="threePt" dir="t">
+              <a:rot lat="0" lon="0" rev="1200000"/>
             </a:lightRig>
           </a:scene3d>
           <a:sp3d>
@@ -4821,7 +5174,7 @@
             </a:gs>
           </a:gsLst>
           <a:path path="circle">
-            <a:fillToRect t="-80000" b="180000" r="50000" l="50000"/>
+            <a:fillToRect l="50000" t="-80000" r="50000" b="180000"/>
           </a:path>
         </a:gradFill>
         <a:gradFill rotWithShape="1">
@@ -4840,17 +5193,19 @@
             </a:gs>
           </a:gsLst>
           <a:path path="circle">
-            <a:fillToRect t="50000" b="50000" r="50000" l="50000"/>
+            <a:fillToRect l="50000" t="50000" r="50000" b="50000"/>
           </a:path>
         </a:gradFill>
       </a:bgFillStyleLst>
     </a:fmtScheme>
   </a:themeElements>
+  <a:objectDefaults/>
+  <a:extraClrSchemeLst/>
 </a:theme>
 </file>
 
 <file path=ppt/theme/theme2.xml><?xml version="1.0" encoding="utf-8"?>
-<a:theme xmlns:a="http://schemas.openxmlformats.org/drawingml/2006/main" xmlns:r="http://schemas.openxmlformats.org/officeDocument/2006/relationships" name="Custom Theme">
+<a:theme xmlns:a="http://schemas.openxmlformats.org/drawingml/2006/main" name="Custom Theme">
   <a:themeElements>
     <a:clrScheme name="Default">
       <a:dk1>
@@ -4895,69 +5250,69 @@
         <a:latin typeface="Arial"/>
         <a:ea typeface=""/>
         <a:cs typeface=""/>
-        <a:font typeface="ＭＳ Ｐゴシック" script="Jpan"/>
-        <a:font typeface="맑은 고딕" script="Hang"/>
-        <a:font typeface="宋体" script="Hans"/>
-        <a:font typeface="新細明體" script="Hant"/>
-        <a:font typeface="Times New Roman" script="Arab"/>
-        <a:font typeface="Times New Roman" script="Hebr"/>
-        <a:font typeface="Angsana New" script="Thai"/>
-        <a:font typeface="Nyala" script="Ethi"/>
-        <a:font typeface="Vrinda" script="Beng"/>
-        <a:font typeface="Shruti" script="Gujr"/>
-        <a:font typeface="MoolBoran" script="Khmr"/>
-        <a:font typeface="Tunga" script="Knda"/>
-        <a:font typeface="Raavi" script="Guru"/>
-        <a:font typeface="Euphemia" script="Cans"/>
-        <a:font typeface="Plantagenet Cherokee" script="Cher"/>
-        <a:font typeface="Microsoft Yi Baiti" script="Yiii"/>
-        <a:font typeface="Microsoft Himalaya" script="Tibt"/>
-        <a:font typeface="MV Boli" script="Thaa"/>
-        <a:font typeface="Mangal" script="Deva"/>
-        <a:font typeface="Gautami" script="Telu"/>
-        <a:font typeface="Latha" script="Taml"/>
-        <a:font typeface="Estrangelo Edessa" script="Syrc"/>
-        <a:font typeface="Kalinga" script="Orya"/>
-        <a:font typeface="Kartika" script="Mlym"/>
-        <a:font typeface="DokChampa" script="Laoo"/>
-        <a:font typeface="Iskoola Pota" script="Sinh"/>
-        <a:font typeface="Mongolian Baiti" script="Mong"/>
-        <a:font typeface="Times New Roman" script="Viet"/>
-        <a:font typeface="Microsoft Uighur" script="Uigh"/>
+        <a:font script="Jpan" typeface="ＭＳ Ｐゴシック"/>
+        <a:font script="Hang" typeface="맑은 고딕"/>
+        <a:font script="Hans" typeface="宋体"/>
+        <a:font script="Hant" typeface="新細明體"/>
+        <a:font script="Arab" typeface="Times New Roman"/>
+        <a:font script="Hebr" typeface="Times New Roman"/>
+        <a:font script="Thai" typeface="Angsana New"/>
+        <a:font script="Ethi" typeface="Nyala"/>
+        <a:font script="Beng" typeface="Vrinda"/>
+        <a:font script="Gujr" typeface="Shruti"/>
+        <a:font script="Khmr" typeface="MoolBoran"/>
+        <a:font script="Knda" typeface="Tunga"/>
+        <a:font script="Guru" typeface="Raavi"/>
+        <a:font script="Cans" typeface="Euphemia"/>
+        <a:font script="Cher" typeface="Plantagenet Cherokee"/>
+        <a:font script="Yiii" typeface="Microsoft Yi Baiti"/>
+        <a:font script="Tibt" typeface="Microsoft Himalaya"/>
+        <a:font script="Thaa" typeface="MV Boli"/>
+        <a:font script="Deva" typeface="Mangal"/>
+        <a:font script="Telu" typeface="Gautami"/>
+        <a:font script="Taml" typeface="Latha"/>
+        <a:font script="Syrc" typeface="Estrangelo Edessa"/>
+        <a:font script="Orya" typeface="Kalinga"/>
+        <a:font script="Mlym" typeface="Kartika"/>
+        <a:font script="Laoo" typeface="DokChampa"/>
+        <a:font script="Sinh" typeface="Iskoola Pota"/>
+        <a:font script="Mong" typeface="Mongolian Baiti"/>
+        <a:font script="Viet" typeface="Times New Roman"/>
+        <a:font script="Uigh" typeface="Microsoft Uighur"/>
       </a:majorFont>
       <a:minorFont>
         <a:latin typeface="Arial"/>
         <a:ea typeface=""/>
         <a:cs typeface=""/>
-        <a:font typeface="ＭＳ Ｐゴシック" script="Jpan"/>
-        <a:font typeface="맑은 고딕" script="Hang"/>
-        <a:font typeface="宋体" script="Hans"/>
-        <a:font typeface="新細明體" script="Hant"/>
-        <a:font typeface="Arial" script="Arab"/>
-        <a:font typeface="Arial" script="Hebr"/>
-        <a:font typeface="Cordia New" script="Thai"/>
-        <a:font typeface="Nyala" script="Ethi"/>
-        <a:font typeface="Vrinda" script="Beng"/>
-        <a:font typeface="Shruti" script="Gujr"/>
-        <a:font typeface="DaunPenh" script="Khmr"/>
-        <a:font typeface="Tunga" script="Knda"/>
-        <a:font typeface="Raavi" script="Guru"/>
-        <a:font typeface="Euphemia" script="Cans"/>
-        <a:font typeface="Plantagenet Cherokee" script="Cher"/>
-        <a:font typeface="Microsoft Yi Baiti" script="Yiii"/>
-        <a:font typeface="Microsoft Himalaya" script="Tibt"/>
-        <a:font typeface="MV Boli" script="Thaa"/>
-        <a:font typeface="Mangal" script="Deva"/>
-        <a:font typeface="Gautami" script="Telu"/>
-        <a:font typeface="Latha" script="Taml"/>
-        <a:font typeface="Estrangelo Edessa" script="Syrc"/>
-        <a:font typeface="Kalinga" script="Orya"/>
-        <a:font typeface="Kartika" script="Mlym"/>
-        <a:font typeface="DokChampa" script="Laoo"/>
-        <a:font typeface="Iskoola Pota" script="Sinh"/>
-        <a:font typeface="Mongolian Baiti" script="Mong"/>
-        <a:font typeface="Arial" script="Viet"/>
-        <a:font typeface="Microsoft Uighur" script="Uigh"/>
+        <a:font script="Jpan" typeface="ＭＳ Ｐゴシック"/>
+        <a:font script="Hang" typeface="맑은 고딕"/>
+        <a:font script="Hans" typeface="宋体"/>
+        <a:font script="Hant" typeface="新細明體"/>
+        <a:font script="Arab" typeface="Arial"/>
+        <a:font script="Hebr" typeface="Arial"/>
+        <a:font script="Thai" typeface="Cordia New"/>
+        <a:font script="Ethi" typeface="Nyala"/>
+        <a:font script="Beng" typeface="Vrinda"/>
+        <a:font script="Gujr" typeface="Shruti"/>
+        <a:font script="Khmr" typeface="DaunPenh"/>
+        <a:font script="Knda" typeface="Tunga"/>
+        <a:font script="Guru" typeface="Raavi"/>
+        <a:font script="Cans" typeface="Euphemia"/>
+        <a:font script="Cher" typeface="Plantagenet Cherokee"/>
+        <a:font script="Yiii" typeface="Microsoft Yi Baiti"/>
+        <a:font script="Tibt" typeface="Microsoft Himalaya"/>
+        <a:font script="Thaa" typeface="MV Boli"/>
+        <a:font script="Deva" typeface="Mangal"/>
+        <a:font script="Telu" typeface="Gautami"/>
+        <a:font script="Taml" typeface="Latha"/>
+        <a:font script="Syrc" typeface="Estrangelo Edessa"/>
+        <a:font script="Orya" typeface="Kalinga"/>
+        <a:font script="Mlym" typeface="Kartika"/>
+        <a:font script="Laoo" typeface="DokChampa"/>
+        <a:font script="Sinh" typeface="Iskoola Pota"/>
+        <a:font script="Mong" typeface="Mongolian Baiti"/>
+        <a:font script="Viet" typeface="Arial"/>
+        <a:font script="Uigh" typeface="Microsoft Uighur"/>
       </a:minorFont>
     </a:fontScheme>
     <a:fmtScheme name="Office">
@@ -5009,7 +5364,7 @@
         </a:gradFill>
       </a:fillStyleLst>
       <a:lnStyleLst>
-        <a:ln w="9525" algn="ctr" cap="flat" cmpd="sng">
+        <a:ln w="9525" cap="flat" cmpd="sng" algn="ctr">
           <a:solidFill>
             <a:schemeClr val="phClr">
               <a:shade val="95000"/>
@@ -5018,13 +5373,13 @@
           </a:solidFill>
           <a:prstDash val="solid"/>
         </a:ln>
-        <a:ln w="25400" algn="ctr" cap="flat" cmpd="sng">
+        <a:ln w="25400" cap="flat" cmpd="sng" algn="ctr">
           <a:solidFill>
             <a:schemeClr val="phClr"/>
           </a:solidFill>
           <a:prstDash val="solid"/>
         </a:ln>
-        <a:ln w="38100" algn="ctr" cap="flat" cmpd="sng">
+        <a:ln w="38100" cap="flat" cmpd="sng" algn="ctr">
           <a:solidFill>
             <a:schemeClr val="phClr"/>
           </a:solidFill>
@@ -5034,7 +5389,7 @@
       <a:effectStyleLst>
         <a:effectStyle>
           <a:effectLst>
-            <a:outerShdw rotWithShape="0" dir="5400000" blurRad="40000" dist="20000">
+            <a:outerShdw blurRad="40000" dist="20000" dir="5400000" rotWithShape="0">
               <a:srgbClr val="000000">
                 <a:alpha val="38000"/>
               </a:srgbClr>
@@ -5043,7 +5398,7 @@
         </a:effectStyle>
         <a:effectStyle>
           <a:effectLst>
-            <a:outerShdw rotWithShape="0" dir="5400000" blurRad="40000" dist="23000">
+            <a:outerShdw blurRad="40000" dist="23000" dir="5400000" rotWithShape="0">
               <a:srgbClr val="000000">
                 <a:alpha val="35000"/>
               </a:srgbClr>
@@ -5052,7 +5407,7 @@
         </a:effectStyle>
         <a:effectStyle>
           <a:effectLst>
-            <a:outerShdw rotWithShape="0" dir="5400000" blurRad="40000" dist="23000">
+            <a:outerShdw blurRad="40000" dist="23000" dir="5400000" rotWithShape="0">
               <a:srgbClr val="000000">
                 <a:alpha val="35000"/>
               </a:srgbClr>
@@ -5060,10 +5415,10 @@
           </a:effectLst>
           <a:scene3d>
             <a:camera prst="orthographicFront">
-              <a:rot rev="0" lon="0" lat="0"/>
+              <a:rot lat="0" lon="0" rev="0"/>
             </a:camera>
-            <a:lightRig dir="t" rig="threePt">
-              <a:rot rev="1200000" lon="0" lat="0"/>
+            <a:lightRig rig="threePt" dir="t">
+              <a:rot lat="0" lon="0" rev="1200000"/>
             </a:lightRig>
           </a:scene3d>
           <a:sp3d>
@@ -5098,7 +5453,7 @@
             </a:gs>
           </a:gsLst>
           <a:path path="circle">
-            <a:fillToRect t="-80000" b="180000" r="50000" l="50000"/>
+            <a:fillToRect l="50000" t="-80000" r="50000" b="180000"/>
           </a:path>
         </a:gradFill>
         <a:gradFill rotWithShape="1">
@@ -5117,329 +5472,13 @@
             </a:gs>
           </a:gsLst>
           <a:path path="circle">
-            <a:fillToRect t="50000" b="50000" r="50000" l="50000"/>
+            <a:fillToRect l="50000" t="50000" r="50000" b="50000"/>
           </a:path>
         </a:gradFill>
       </a:bgFillStyleLst>
     </a:fmtScheme>
   </a:themeElements>
-</a:theme>
-</file>
-
-<file path=ppt/theme/theme3.xml><?xml version="1.0" encoding="utf-8"?>
-<a:theme xmlns:a="http://schemas.openxmlformats.org/drawingml/2006/main" xmlns:r="http://schemas.openxmlformats.org/officeDocument/2006/relationships" name="Office Theme">
-  <a:themeElements>
-    <a:clrScheme name="Office">
-      <a:dk1>
-        <a:sysClr val="windowText" lastClr="000000"/>
-      </a:dk1>
-      <a:lt1>
-        <a:sysClr val="window" lastClr="FFFFFF"/>
-      </a:lt1>
-      <a:dk2>
-        <a:srgbClr val="1F497D"/>
-      </a:dk2>
-      <a:lt2>
-        <a:srgbClr val="EEECE1"/>
-      </a:lt2>
-      <a:accent1>
-        <a:srgbClr val="4F81BD"/>
-      </a:accent1>
-      <a:accent2>
-        <a:srgbClr val="C0504D"/>
-      </a:accent2>
-      <a:accent3>
-        <a:srgbClr val="9BBB59"/>
-      </a:accent3>
-      <a:accent4>
-        <a:srgbClr val="8064A2"/>
-      </a:accent4>
-      <a:accent5>
-        <a:srgbClr val="4BACC6"/>
-      </a:accent5>
-      <a:accent6>
-        <a:srgbClr val="F79646"/>
-      </a:accent6>
-      <a:hlink>
-        <a:srgbClr val="0000FF"/>
-      </a:hlink>
-      <a:folHlink>
-        <a:srgbClr val="800080"/>
-      </a:folHlink>
-    </a:clrScheme>
-    <a:fontScheme name="Office">
-      <a:majorFont>
-        <a:latin typeface="Arial"/>
-        <a:ea typeface=""/>
-        <a:cs typeface=""/>
-        <a:font typeface="ＭＳ Ｐゴシック" script="Jpan"/>
-        <a:font typeface="맑은 고딕" script="Hang"/>
-        <a:font typeface="宋体" script="Hans"/>
-        <a:font typeface="新細明體" script="Hant"/>
-        <a:font typeface="Times New Roman" script="Arab"/>
-        <a:font typeface="Times New Roman" script="Hebr"/>
-        <a:font typeface="Angsana New" script="Thai"/>
-        <a:font typeface="Nyala" script="Ethi"/>
-        <a:font typeface="Vrinda" script="Beng"/>
-        <a:font typeface="Shruti" script="Gujr"/>
-        <a:font typeface="MoolBoran" script="Khmr"/>
-        <a:font typeface="Tunga" script="Knda"/>
-        <a:font typeface="Raavi" script="Guru"/>
-        <a:font typeface="Euphemia" script="Cans"/>
-        <a:font typeface="Plantagenet Cherokee" script="Cher"/>
-        <a:font typeface="Microsoft Yi Baiti" script="Yiii"/>
-        <a:font typeface="Microsoft Himalaya" script="Tibt"/>
-        <a:font typeface="MV Boli" script="Thaa"/>
-        <a:font typeface="Mangal" script="Deva"/>
-        <a:font typeface="Gautami" script="Telu"/>
-        <a:font typeface="Latha" script="Taml"/>
-        <a:font typeface="Estrangelo Edessa" script="Syrc"/>
-        <a:font typeface="Kalinga" script="Orya"/>
-        <a:font typeface="Kartika" script="Mlym"/>
-        <a:font typeface="DokChampa" script="Laoo"/>
-        <a:font typeface="Iskoola Pota" script="Sinh"/>
-        <a:font typeface="Mongolian Baiti" script="Mong"/>
-        <a:font typeface="Times New Roman" script="Viet"/>
-        <a:font typeface="Microsoft Uighur" script="Uigh"/>
-      </a:majorFont>
-      <a:minorFont>
-        <a:latin typeface="Arial"/>
-        <a:ea typeface=""/>
-        <a:cs typeface=""/>
-        <a:font typeface="ＭＳ Ｐゴシック" script="Jpan"/>
-        <a:font typeface="맑은 고딕" script="Hang"/>
-        <a:font typeface="宋体" script="Hans"/>
-        <a:font typeface="新細明體" script="Hant"/>
-        <a:font typeface="Arial" script="Arab"/>
-        <a:font typeface="Arial" script="Hebr"/>
-        <a:font typeface="Cordia New" script="Thai"/>
-        <a:font typeface="Nyala" script="Ethi"/>
-        <a:font typeface="Vrinda" script="Beng"/>
-        <a:font typeface="Shruti" script="Gujr"/>
-        <a:font typeface="DaunPenh" script="Khmr"/>
-        <a:font typeface="Tunga" script="Knda"/>
-        <a:font typeface="Raavi" script="Guru"/>
-        <a:font typeface="Euphemia" script="Cans"/>
-        <a:font typeface="Plantagenet Cherokee" script="Cher"/>
-        <a:font typeface="Microsoft Yi Baiti" script="Yiii"/>
-        <a:font typeface="Microsoft Himalaya" script="Tibt"/>
-        <a:font typeface="MV Boli" script="Thaa"/>
-        <a:font typeface="Mangal" script="Deva"/>
-        <a:font typeface="Gautami" script="Telu"/>
-        <a:font typeface="Latha" script="Taml"/>
-        <a:font typeface="Estrangelo Edessa" script="Syrc"/>
-        <a:font typeface="Kalinga" script="Orya"/>
-        <a:font typeface="Kartika" script="Mlym"/>
-        <a:font typeface="DokChampa" script="Laoo"/>
-        <a:font typeface="Iskoola Pota" script="Sinh"/>
-        <a:font typeface="Mongolian Baiti" script="Mong"/>
-        <a:font typeface="Arial" script="Viet"/>
-        <a:font typeface="Microsoft Uighur" script="Uigh"/>
-      </a:minorFont>
-    </a:fontScheme>
-    <a:fmtScheme name="Office">
-      <a:fillStyleLst>
-        <a:solidFill>
-          <a:schemeClr val="phClr"/>
-        </a:solidFill>
-        <a:gradFill rotWithShape="1">
-          <a:gsLst>
-            <a:gs pos="0">
-              <a:schemeClr val="phClr">
-                <a:tint val="50000"/>
-                <a:satMod val="300000"/>
-              </a:schemeClr>
-            </a:gs>
-            <a:gs pos="35000">
-              <a:schemeClr val="phClr">
-                <a:tint val="37000"/>
-                <a:satMod val="300000"/>
-              </a:schemeClr>
-            </a:gs>
-            <a:gs pos="100000">
-              <a:schemeClr val="phClr">
-                <a:tint val="15000"/>
-                <a:satMod val="350000"/>
-              </a:schemeClr>
-            </a:gs>
-          </a:gsLst>
-          <a:lin ang="16200000" scaled="1"/>
-        </a:gradFill>
-        <a:gradFill rotWithShape="1">
-          <a:gsLst>
-            <a:gs pos="0">
-              <a:schemeClr val="phClr">
-                <a:tint val="100000"/>
-                <a:shade val="100000"/>
-                <a:satMod val="130000"/>
-              </a:schemeClr>
-            </a:gs>
-            <a:gs pos="100000">
-              <a:schemeClr val="phClr">
-                <a:tint val="50000"/>
-                <a:shade val="100000"/>
-                <a:satMod val="350000"/>
-              </a:schemeClr>
-            </a:gs>
-          </a:gsLst>
-          <a:lin ang="16200000" scaled="0"/>
-        </a:gradFill>
-      </a:fillStyleLst>
-      <a:lnStyleLst>
-        <a:ln w="9525" algn="ctr" cap="flat" cmpd="sng">
-          <a:solidFill>
-            <a:schemeClr val="phClr">
-              <a:shade val="95000"/>
-              <a:satMod val="105000"/>
-            </a:schemeClr>
-          </a:solidFill>
-          <a:prstDash val="solid"/>
-        </a:ln>
-        <a:ln w="25400" algn="ctr" cap="flat" cmpd="sng">
-          <a:solidFill>
-            <a:schemeClr val="phClr"/>
-          </a:solidFill>
-          <a:prstDash val="solid"/>
-        </a:ln>
-        <a:ln w="38100" algn="ctr" cap="flat" cmpd="sng">
-          <a:solidFill>
-            <a:schemeClr val="phClr"/>
-          </a:solidFill>
-          <a:prstDash val="solid"/>
-        </a:ln>
-      </a:lnStyleLst>
-      <a:effectStyleLst>
-        <a:effectStyle>
-          <a:effectLst>
-            <a:outerShdw rotWithShape="0" dir="5400000" blurRad="40000" dist="20000">
-              <a:srgbClr val="000000">
-                <a:alpha val="38000"/>
-              </a:srgbClr>
-            </a:outerShdw>
-          </a:effectLst>
-        </a:effectStyle>
-        <a:effectStyle>
-          <a:effectLst>
-            <a:outerShdw rotWithShape="0" dir="5400000" blurRad="40000" dist="23000">
-              <a:srgbClr val="000000">
-                <a:alpha val="35000"/>
-              </a:srgbClr>
-            </a:outerShdw>
-          </a:effectLst>
-        </a:effectStyle>
-        <a:effectStyle>
-          <a:effectLst>
-            <a:outerShdw rotWithShape="0" dir="5400000" blurRad="40000" dist="23000">
-              <a:srgbClr val="000000">
-                <a:alpha val="35000"/>
-              </a:srgbClr>
-            </a:outerShdw>
-          </a:effectLst>
-          <a:scene3d>
-            <a:camera prst="orthographicFront">
-              <a:rot rev="0" lon="0" lat="0"/>
-            </a:camera>
-            <a:lightRig dir="t" rig="threePt">
-              <a:rot rev="1200000" lon="0" lat="0"/>
-            </a:lightRig>
-          </a:scene3d>
-          <a:sp3d>
-            <a:bevelT w="63500" h="25400"/>
-          </a:sp3d>
-        </a:effectStyle>
-      </a:effectStyleLst>
-      <a:bgFillStyleLst>
-        <a:solidFill>
-          <a:schemeClr val="phClr"/>
-        </a:solidFill>
-        <a:gradFill rotWithShape="1">
-          <a:gsLst>
-            <a:gs pos="0">
-              <a:schemeClr val="phClr">
-                <a:tint val="40000"/>
-                <a:satMod val="350000"/>
-              </a:schemeClr>
-            </a:gs>
-            <a:gs pos="40000">
-              <a:schemeClr val="phClr">
-                <a:tint val="45000"/>
-                <a:shade val="99000"/>
-                <a:satMod val="350000"/>
-              </a:schemeClr>
-            </a:gs>
-            <a:gs pos="100000">
-              <a:schemeClr val="phClr">
-                <a:shade val="20000"/>
-                <a:satMod val="255000"/>
-              </a:schemeClr>
-            </a:gs>
-          </a:gsLst>
-          <a:path path="circle">
-            <a:fillToRect t="-80000" b="180000" r="50000" l="50000"/>
-          </a:path>
-        </a:gradFill>
-        <a:gradFill rotWithShape="1">
-          <a:gsLst>
-            <a:gs pos="0">
-              <a:schemeClr val="phClr">
-                <a:tint val="80000"/>
-                <a:satMod val="300000"/>
-              </a:schemeClr>
-            </a:gs>
-            <a:gs pos="100000">
-              <a:schemeClr val="phClr">
-                <a:shade val="30000"/>
-                <a:satMod val="200000"/>
-              </a:schemeClr>
-            </a:gs>
-          </a:gsLst>
-          <a:path path="circle">
-            <a:fillToRect t="50000" b="50000" r="50000" l="50000"/>
-          </a:path>
-        </a:gradFill>
-      </a:bgFillStyleLst>
-    </a:fmtScheme>
-  </a:themeElements>
-  <a:objectDefaults>
-    <a:spDef>
-      <a:spPr/>
-      <a:bodyPr/>
-      <a:lstStyle/>
-      <a:style>
-        <a:lnRef idx="1">
-          <a:schemeClr val="accent1"/>
-        </a:lnRef>
-        <a:fillRef idx="3">
-          <a:schemeClr val="accent1"/>
-        </a:fillRef>
-        <a:effectRef idx="2">
-          <a:schemeClr val="accent1"/>
-        </a:effectRef>
-        <a:fontRef idx="minor">
-          <a:schemeClr val="lt1"/>
-        </a:fontRef>
-      </a:style>
-    </a:spDef>
-    <a:lnDef>
-      <a:spPr/>
-      <a:bodyPr/>
-      <a:lstStyle/>
-      <a:style>
-        <a:lnRef idx="2">
-          <a:schemeClr val="accent1"/>
-        </a:lnRef>
-        <a:fillRef idx="0">
-          <a:schemeClr val="accent1"/>
-        </a:fillRef>
-        <a:effectRef idx="1">
-          <a:schemeClr val="accent1"/>
-        </a:effectRef>
-        <a:fontRef idx="minor">
-          <a:schemeClr val="tx1"/>
-        </a:fontRef>
-      </a:style>
-    </a:lnDef>
-  </a:objectDefaults>
+  <a:objectDefaults/>
   <a:extraClrSchemeLst/>
 </a:theme>
 </file>